--- a/Poster/Poster_33x46_Rie_v3.pptx
+++ b/Poster/Poster_33x46_Rie_v3.pptx
@@ -160,9 +160,9 @@
           <c:layoutTarget val="inner"/>
           <c:xMode val="edge"/>
           <c:yMode val="edge"/>
-          <c:x val="0.217186428229593"/>
+          <c:x val="0.23229433689329562"/>
           <c:y val="6.7276620684465105E-2"/>
-          <c:w val="0.74713790216847809"/>
+          <c:w val="0.73202990585847294"/>
           <c:h val="0.76845122306270808"/>
         </c:manualLayout>
       </c:layout>
@@ -175,11 +175,11 @@
           <c:order val="0"/>
           <c:tx>
             <c:strRef>
-              <c:f>Waist!$T$185</c:f>
+              <c:f>Sheet1!$T$14</c:f>
               <c:strCache>
                 <c:ptCount val="1"/>
                 <c:pt idx="0">
-                  <c:v>Waist</c:v>
+                  <c:v>emmean</c:v>
                 </c:pt>
               </c:strCache>
             </c:strRef>
@@ -200,49 +200,49 @@
             <c:noEndCap val="0"/>
             <c:plus>
               <c:numRef>
-                <c:f>Waist!$D$186:$D$189</c:f>
+                <c:f>Sheet1!$D$26:$D$29</c:f>
                 <c:numCache>
                   <c:formatCode>General</c:formatCode>
                   <c:ptCount val="4"/>
                   <c:pt idx="0">
-                    <c:v>0.38875277517771301</c:v>
+                    <c:v>0.49717622541682699</c:v>
                   </c:pt>
                   <c:pt idx="1">
-                    <c:v>0.46790652713579101</c:v>
+                    <c:v>0.57794009477446495</c:v>
                   </c:pt>
                   <c:pt idx="2">
-                    <c:v>0.86352276695918195</c:v>
+                    <c:v>0.91177681798301902</c:v>
                   </c:pt>
                   <c:pt idx="3">
-                    <c:v>0.88745224064907202</c:v>
+                    <c:v>0.92661116736473403</c:v>
                   </c:pt>
                 </c:numCache>
               </c:numRef>
             </c:plus>
             <c:minus>
               <c:numRef>
-                <c:f>Waist!$D$186:$D$189</c:f>
+                <c:f>Sheet1!$D$26:$D$29</c:f>
                 <c:numCache>
                   <c:formatCode>General</c:formatCode>
                   <c:ptCount val="4"/>
                   <c:pt idx="0">
-                    <c:v>0.38875277517771301</c:v>
+                    <c:v>0.49717622541682699</c:v>
                   </c:pt>
                   <c:pt idx="1">
-                    <c:v>0.46790652713579101</c:v>
+                    <c:v>0.57794009477446495</c:v>
                   </c:pt>
                   <c:pt idx="2">
-                    <c:v>0.86352276695918195</c:v>
+                    <c:v>0.91177681798301902</c:v>
                   </c:pt>
                   <c:pt idx="3">
-                    <c:v>0.88745224064907202</c:v>
+                    <c:v>0.92661116736473403</c:v>
                   </c:pt>
                 </c:numCache>
               </c:numRef>
             </c:minus>
             <c:spPr>
               <a:noFill/>
-              <a:ln w="25400" cap="flat" cmpd="sng" algn="ctr">
+              <a:ln w="28575" cap="flat" cmpd="sng" algn="ctr">
                 <a:solidFill>
                   <a:schemeClr val="tx1">
                     <a:lumMod val="65000"/>
@@ -256,7 +256,7 @@
           </c:errBars>
           <c:cat>
             <c:strRef>
-              <c:f>Waist!$S$186:$S$189</c:f>
+              <c:f>Sheet1!$S$15:$S$18</c:f>
               <c:strCache>
                 <c:ptCount val="4"/>
                 <c:pt idx="0">
@@ -276,28 +276,28 @@
           </c:cat>
           <c:val>
             <c:numRef>
-              <c:f>Waist!$T$186:$T$189</c:f>
+              <c:f>Sheet1!$T$15:$T$18</c:f>
               <c:numCache>
                 <c:formatCode>0</c:formatCode>
                 <c:ptCount val="4"/>
                 <c:pt idx="0">
-                  <c:v>101.209878392053</c:v>
+                  <c:v>99.809817040061105</c:v>
                 </c:pt>
                 <c:pt idx="1">
-                  <c:v>100.482176745179</c:v>
+                  <c:v>99.455013043041106</c:v>
                 </c:pt>
                 <c:pt idx="2">
-                  <c:v>99.029510455848794</c:v>
+                  <c:v>99.2700958938469</c:v>
                 </c:pt>
                 <c:pt idx="3">
-                  <c:v>95.9339848387296</c:v>
+                  <c:v>96.051246256646195</c:v>
                 </c:pt>
               </c:numCache>
             </c:numRef>
           </c:val>
           <c:extLst>
             <c:ext xmlns:c16="http://schemas.microsoft.com/office/drawing/2014/chart" uri="{C3380CC4-5D6E-409C-BE32-E72D297353CC}">
-              <c16:uniqueId val="{00000000-9E96-49CF-B14D-A4D5CC967DF9}"/>
+              <c16:uniqueId val="{00000000-AE4B-44BB-9A9B-675238A4EF92}"/>
             </c:ext>
           </c:extLst>
         </c:ser>
@@ -368,8 +368,8 @@
         <c:axId val="477873624"/>
         <c:scaling>
           <c:orientation val="minMax"/>
-          <c:max val="110"/>
-          <c:min val="90"/>
+          <c:max val="104"/>
+          <c:min val="94"/>
         </c:scaling>
         <c:delete val="0"/>
         <c:axPos val="l"/>
@@ -407,6 +407,7 @@
         <c:crossAx val="477875424"/>
         <c:crosses val="autoZero"/>
         <c:crossBetween val="between"/>
+        <c:majorUnit val="2"/>
       </c:valAx>
       <c:spPr>
         <a:noFill/>
@@ -432,9 +433,7 @@
     <c:showDLblsOverMax val="0"/>
   </c:chart>
   <c:spPr>
-    <a:solidFill>
-      <a:schemeClr val="bg1"/>
-    </a:solidFill>
+    <a:noFill/>
     <a:ln w="9525" cap="flat" cmpd="sng" algn="ctr">
       <a:noFill/>
       <a:round/>
@@ -446,7 +445,7 @@
     <a:lstStyle/>
     <a:p>
       <a:pPr>
-        <a:defRPr sz="2600">
+        <a:defRPr sz="1600">
           <a:latin typeface="Arial" panose="020B0604020202020204" pitchFamily="34" charset="0"/>
           <a:cs typeface="Arial" panose="020B0604020202020204" pitchFamily="34" charset="0"/>
         </a:defRPr>
@@ -482,9 +481,9 @@
           <c:layoutTarget val="inner"/>
           <c:xMode val="edge"/>
           <c:yMode val="edge"/>
-          <c:x val="0.26583506859585976"/>
+          <c:x val="0.217186428229593"/>
           <c:y val="6.7276620684465105E-2"/>
-          <c:w val="0.69848926180221127"/>
+          <c:w val="0.74713790216847809"/>
           <c:h val="0.76845122306270808"/>
         </c:manualLayout>
       </c:layout>
@@ -497,7 +496,7 @@
           <c:order val="0"/>
           <c:tx>
             <c:strRef>
-              <c:f>KCAL!$T$133</c:f>
+              <c:f>'NEW(6.28)'!$T$14</c:f>
               <c:strCache>
                 <c:ptCount val="1"/>
                 <c:pt idx="0">
@@ -508,10 +507,7 @@
           </c:tx>
           <c:spPr>
             <a:solidFill>
-              <a:schemeClr val="accent6">
-                <a:lumMod val="40000"/>
-                <a:lumOff val="60000"/>
-              </a:schemeClr>
+              <a:srgbClr val="FDCBCB"/>
             </a:solidFill>
             <a:ln>
               <a:noFill/>
@@ -525,49 +521,49 @@
             <c:noEndCap val="0"/>
             <c:plus>
               <c:numRef>
-                <c:f>KCAL!$M$134:$M$137</c:f>
+                <c:f>'NEW(6.28)'!$D$26:$D$29</c:f>
                 <c:numCache>
                   <c:formatCode>General</c:formatCode>
                   <c:ptCount val="4"/>
                   <c:pt idx="0">
-                    <c:v>13.6563338055635</c:v>
+                    <c:v>0.20968120301689799</c:v>
                   </c:pt>
                   <c:pt idx="1">
-                    <c:v>16.4368928850663</c:v>
+                    <c:v>0.24374289869233201</c:v>
                   </c:pt>
                   <c:pt idx="2">
-                    <c:v>30.334330472387201</c:v>
+                    <c:v>0.38453660956396801</c:v>
                   </c:pt>
                   <c:pt idx="3">
-                    <c:v>31.174938955120801</c:v>
+                    <c:v>0.39079291078135497</c:v>
                   </c:pt>
                 </c:numCache>
               </c:numRef>
             </c:plus>
             <c:minus>
               <c:numRef>
-                <c:f>KCAL!$M$134:$M$137</c:f>
+                <c:f>'NEW(6.28)'!$D$26:$D$29</c:f>
                 <c:numCache>
                   <c:formatCode>General</c:formatCode>
                   <c:ptCount val="4"/>
                   <c:pt idx="0">
-                    <c:v>13.6563338055635</c:v>
+                    <c:v>0.20968120301689799</c:v>
                   </c:pt>
                   <c:pt idx="1">
-                    <c:v>16.4368928850663</c:v>
+                    <c:v>0.24374289869233201</c:v>
                   </c:pt>
                   <c:pt idx="2">
-                    <c:v>30.334330472387201</c:v>
+                    <c:v>0.38453660956396801</c:v>
                   </c:pt>
                   <c:pt idx="3">
-                    <c:v>31.174938955120801</c:v>
+                    <c:v>0.39079291078135497</c:v>
                   </c:pt>
                 </c:numCache>
               </c:numRef>
             </c:minus>
             <c:spPr>
               <a:noFill/>
-              <a:ln w="25400" cap="flat" cmpd="sng" algn="ctr">
+              <a:ln w="28575" cap="flat" cmpd="sng" algn="ctr">
                 <a:solidFill>
                   <a:schemeClr val="tx1">
                     <a:lumMod val="65000"/>
@@ -581,7 +577,7 @@
           </c:errBars>
           <c:cat>
             <c:strRef>
-              <c:f>KCAL!$S$134:$S$137</c:f>
+              <c:f>'NEW(6.28)'!$S$15:$S$18</c:f>
               <c:strCache>
                 <c:ptCount val="4"/>
                 <c:pt idx="0">
@@ -601,28 +597,28 @@
           </c:cat>
           <c:val>
             <c:numRef>
-              <c:f>KCAL!$T$134:$T$137</c:f>
+              <c:f>'NEW(6.28)'!$T$15:$T$18</c:f>
               <c:numCache>
                 <c:formatCode>0</c:formatCode>
                 <c:ptCount val="4"/>
                 <c:pt idx="0">
-                  <c:v>1977.15672849103</c:v>
+                  <c:v>29.233804878220202</c:v>
                 </c:pt>
                 <c:pt idx="1">
-                  <c:v>2020.70670468556</c:v>
+                  <c:v>29.241590661609401</c:v>
                 </c:pt>
                 <c:pt idx="2">
-                  <c:v>2088.00107638999</c:v>
+                  <c:v>29.038371512135399</c:v>
                 </c:pt>
                 <c:pt idx="3">
-                  <c:v>2151.7802221952802</c:v>
+                  <c:v>27.846636199183202</c:v>
                 </c:pt>
               </c:numCache>
             </c:numRef>
           </c:val>
           <c:extLst>
             <c:ext xmlns:c16="http://schemas.microsoft.com/office/drawing/2014/chart" uri="{C3380CC4-5D6E-409C-BE32-E72D297353CC}">
-              <c16:uniqueId val="{00000000-08B2-46EA-BFAC-22F50C151EAA}"/>
+              <c16:uniqueId val="{00000000-76AC-4889-BA46-296D970507DE}"/>
             </c:ext>
           </c:extLst>
         </c:ser>
@@ -634,7 +630,7 @@
           <c:showPercent val="0"/>
           <c:showBubbleSize val="0"/>
         </c:dLbls>
-        <c:gapWidth val="134"/>
+        <c:gapWidth val="149"/>
         <c:overlap val="-45"/>
         <c:axId val="477875424"/>
         <c:axId val="477873624"/>
@@ -693,8 +689,8 @@
         <c:axId val="477873624"/>
         <c:scaling>
           <c:orientation val="minMax"/>
-          <c:max val="2400"/>
-          <c:min val="1800"/>
+          <c:max val="32"/>
+          <c:min val="26"/>
         </c:scaling>
         <c:delete val="0"/>
         <c:axPos val="l"/>
@@ -757,9 +753,7 @@
     <c:showDLblsOverMax val="0"/>
   </c:chart>
   <c:spPr>
-    <a:solidFill>
-      <a:schemeClr val="bg1"/>
-    </a:solidFill>
+    <a:noFill/>
     <a:ln w="9525" cap="flat" cmpd="sng" algn="ctr">
       <a:noFill/>
       <a:round/>
@@ -771,7 +765,7 @@
     <a:lstStyle/>
     <a:p>
       <a:pPr>
-        <a:defRPr sz="2600">
+        <a:defRPr sz="3200">
           <a:latin typeface="Arial" panose="020B0604020202020204" pitchFamily="34" charset="0"/>
           <a:cs typeface="Arial" panose="020B0604020202020204" pitchFamily="34" charset="0"/>
         </a:defRPr>
@@ -1890,12 +1884,12 @@
 <c:userShapes xmlns:c="http://schemas.openxmlformats.org/drawingml/2006/chart">
   <cdr:relSizeAnchor xmlns:cdr="http://schemas.openxmlformats.org/drawingml/2006/chartDrawing">
     <cdr:from>
-      <cdr:x>3.1354E-7</cdr:x>
-      <cdr:y>0</cdr:y>
+      <cdr:x>0.00869</cdr:x>
+      <cdr:y>0.02708</cdr:y>
     </cdr:from>
     <cdr:to>
-      <cdr:x>0.1</cdr:x>
-      <cdr:y>0.88454</cdr:y>
+      <cdr:x>0.10869</cdr:x>
+      <cdr:y>0.91424</cdr:y>
     </cdr:to>
     <cdr:sp macro="" textlink="">
       <cdr:nvSpPr>
@@ -1910,8 +1904,8 @@
       </cdr:nvSpPr>
       <cdr:spPr>
         <a:xfrm xmlns:a="http://schemas.openxmlformats.org/drawingml/2006/main" rot="16200000">
-          <a:off x="-2015709" y="2015711"/>
-          <a:ext cx="4669300" cy="637878"/>
+          <a:off x="-2080663" y="2286395"/>
+          <a:ext cx="4913995" cy="641177"/>
         </a:xfrm>
         <a:prstGeom xmlns:a="http://schemas.openxmlformats.org/drawingml/2006/main" prst="rect">
           <a:avLst/>
@@ -1923,7 +1917,7 @@
         <a:p xmlns:a="http://schemas.openxmlformats.org/drawingml/2006/main">
           <a:pPr algn="ctr"/>
           <a:r>
-            <a:rPr lang="en-US" sz="2600" dirty="0">
+            <a:rPr lang="en-US" sz="2600">
               <a:solidFill>
                 <a:schemeClr val="tx1">
                   <a:lumMod val="65000"/>
@@ -1933,8 +1927,31 @@
               <a:latin typeface="Arial" panose="020B0604020202020204" pitchFamily="34" charset="0"/>
               <a:cs typeface="Arial" panose="020B0604020202020204" pitchFamily="34" charset="0"/>
             </a:rPr>
-            <a:t>Waist circumference (cm)</a:t>
+            <a:t>Waist circumference</a:t>
           </a:r>
+          <a:r>
+            <a:rPr lang="en-US" sz="2600" baseline="0">
+              <a:solidFill>
+                <a:schemeClr val="tx1">
+                  <a:lumMod val="65000"/>
+                  <a:lumOff val="35000"/>
+                </a:schemeClr>
+              </a:solidFill>
+              <a:latin typeface="Arial" panose="020B0604020202020204" pitchFamily="34" charset="0"/>
+              <a:cs typeface="Arial" panose="020B0604020202020204" pitchFamily="34" charset="0"/>
+            </a:rPr>
+            <a:t> (cm)</a:t>
+          </a:r>
+          <a:endParaRPr lang="en-US" sz="2600">
+            <a:solidFill>
+              <a:schemeClr val="tx1">
+                <a:lumMod val="65000"/>
+                <a:lumOff val="35000"/>
+              </a:schemeClr>
+            </a:solidFill>
+            <a:latin typeface="Arial" panose="020B0604020202020204" pitchFamily="34" charset="0"/>
+            <a:cs typeface="Arial" panose="020B0604020202020204" pitchFamily="34" charset="0"/>
+          </a:endParaRPr>
         </a:p>
       </cdr:txBody>
     </cdr:sp>
@@ -1946,12 +1963,12 @@
 <c:userShapes xmlns:c="http://schemas.openxmlformats.org/drawingml/2006/chart">
   <cdr:relSizeAnchor xmlns:cdr="http://schemas.openxmlformats.org/drawingml/2006/chartDrawing">
     <cdr:from>
-      <cdr:x>0.01508</cdr:x>
-      <cdr:y>0.0142</cdr:y>
+      <cdr:x>0.01097</cdr:x>
+      <cdr:y>0.01167</cdr:y>
     </cdr:from>
     <cdr:to>
-      <cdr:x>0.11508</cdr:x>
-      <cdr:y>0.90136</cdr:y>
+      <cdr:x>0.11097</cdr:x>
+      <cdr:y>0.89883</cdr:y>
     </cdr:to>
     <cdr:sp macro="" textlink="">
       <cdr:nvSpPr>
@@ -1966,8 +1983,8 @@
       </cdr:nvSpPr>
       <cdr:spPr>
         <a:xfrm xmlns:a="http://schemas.openxmlformats.org/drawingml/2006/main" rot="16200000">
-          <a:off x="-2051608" y="2226773"/>
-          <a:ext cx="4933454" cy="637876"/>
+          <a:off x="-2066068" y="2201050"/>
+          <a:ext cx="4913996" cy="641175"/>
         </a:xfrm>
         <a:prstGeom xmlns:a="http://schemas.openxmlformats.org/drawingml/2006/main" prst="rect">
           <a:avLst/>
@@ -1979,7 +1996,7 @@
         <a:p xmlns:a="http://schemas.openxmlformats.org/drawingml/2006/main">
           <a:pPr algn="ctr"/>
           <a:r>
-            <a:rPr lang="en-US" sz="2600" dirty="0">
+            <a:rPr lang="en-US" sz="2600">
               <a:solidFill>
                 <a:schemeClr val="tx1">
                   <a:lumMod val="65000"/>
@@ -1989,7 +2006,7 @@
               <a:latin typeface="Arial" panose="020B0604020202020204" pitchFamily="34" charset="0"/>
               <a:cs typeface="Arial" panose="020B0604020202020204" pitchFamily="34" charset="0"/>
             </a:rPr>
-            <a:t>KCAL</a:t>
+            <a:t>BMI</a:t>
           </a:r>
         </a:p>
       </cdr:txBody>
@@ -2080,7 +2097,7 @@
           <a:p>
             <a:fld id="{7A3435CD-08FE-4D3C-A26F-E657E118D405}" type="datetimeFigureOut">
               <a:rPr lang="en-AU" smtClean="0"/>
-              <a:t>13/05/2023</a:t>
+              <a:t>29/06/2023</a:t>
             </a:fld>
             <a:endParaRPr lang="en-AU" dirty="0"/>
           </a:p>
@@ -2584,7 +2601,7 @@
           <a:p>
             <a:fld id="{A9DB9294-D83F-45CE-B910-2413C32C8D97}" type="datetimeFigureOut">
               <a:rPr lang="en-US" smtClean="0"/>
-              <a:t>5/13/2023</a:t>
+              <a:t>6/29/2023</a:t>
             </a:fld>
             <a:endParaRPr lang="en-US" dirty="0"/>
           </a:p>
@@ -2782,7 +2799,7 @@
           <a:p>
             <a:fld id="{A9DB9294-D83F-45CE-B910-2413C32C8D97}" type="datetimeFigureOut">
               <a:rPr lang="en-US" smtClean="0"/>
-              <a:t>5/13/2023</a:t>
+              <a:t>6/29/2023</a:t>
             </a:fld>
             <a:endParaRPr lang="en-US" dirty="0"/>
           </a:p>
@@ -2990,7 +3007,7 @@
           <a:p>
             <a:fld id="{A9DB9294-D83F-45CE-B910-2413C32C8D97}" type="datetimeFigureOut">
               <a:rPr lang="en-US" smtClean="0"/>
-              <a:t>5/13/2023</a:t>
+              <a:t>6/29/2023</a:t>
             </a:fld>
             <a:endParaRPr lang="en-US" dirty="0"/>
           </a:p>
@@ -3194,7 +3211,7 @@
           <a:p>
             <a:fld id="{DD53FA19-08AB-4C19-9D76-707E30220FE1}" type="datetimeFigureOut">
               <a:rPr lang="en-AU" smtClean="0"/>
-              <a:t>13/05/2023</a:t>
+              <a:t>29/06/2023</a:t>
             </a:fld>
             <a:endParaRPr lang="en-AU" dirty="0"/>
           </a:p>
@@ -3364,7 +3381,7 @@
           <a:p>
             <a:fld id="{DD53FA19-08AB-4C19-9D76-707E30220FE1}" type="datetimeFigureOut">
               <a:rPr lang="en-AU" smtClean="0"/>
-              <a:t>13/05/2023</a:t>
+              <a:t>29/06/2023</a:t>
             </a:fld>
             <a:endParaRPr lang="en-AU" dirty="0"/>
           </a:p>
@@ -3608,7 +3625,7 @@
           <a:p>
             <a:fld id="{DD53FA19-08AB-4C19-9D76-707E30220FE1}" type="datetimeFigureOut">
               <a:rPr lang="en-AU" smtClean="0"/>
-              <a:t>13/05/2023</a:t>
+              <a:t>29/06/2023</a:t>
             </a:fld>
             <a:endParaRPr lang="en-AU" dirty="0"/>
           </a:p>
@@ -3840,7 +3857,7 @@
           <a:p>
             <a:fld id="{DD53FA19-08AB-4C19-9D76-707E30220FE1}" type="datetimeFigureOut">
               <a:rPr lang="en-AU" smtClean="0"/>
-              <a:t>13/05/2023</a:t>
+              <a:t>29/06/2023</a:t>
             </a:fld>
             <a:endParaRPr lang="en-AU" dirty="0"/>
           </a:p>
@@ -4207,7 +4224,7 @@
           <a:p>
             <a:fld id="{DD53FA19-08AB-4C19-9D76-707E30220FE1}" type="datetimeFigureOut">
               <a:rPr lang="en-AU" smtClean="0"/>
-              <a:t>13/05/2023</a:t>
+              <a:t>29/06/2023</a:t>
             </a:fld>
             <a:endParaRPr lang="en-AU" dirty="0"/>
           </a:p>
@@ -4325,7 +4342,7 @@
           <a:p>
             <a:fld id="{DD53FA19-08AB-4C19-9D76-707E30220FE1}" type="datetimeFigureOut">
               <a:rPr lang="en-AU" smtClean="0"/>
-              <a:t>13/05/2023</a:t>
+              <a:t>29/06/2023</a:t>
             </a:fld>
             <a:endParaRPr lang="en-AU" dirty="0"/>
           </a:p>
@@ -4420,7 +4437,7 @@
           <a:p>
             <a:fld id="{DD53FA19-08AB-4C19-9D76-707E30220FE1}" type="datetimeFigureOut">
               <a:rPr lang="en-AU" smtClean="0"/>
-              <a:t>13/05/2023</a:t>
+              <a:t>29/06/2023</a:t>
             </a:fld>
             <a:endParaRPr lang="en-AU" dirty="0"/>
           </a:p>
@@ -4697,7 +4714,7 @@
           <a:p>
             <a:fld id="{DD53FA19-08AB-4C19-9D76-707E30220FE1}" type="datetimeFigureOut">
               <a:rPr lang="en-AU" smtClean="0"/>
-              <a:t>13/05/2023</a:t>
+              <a:t>29/06/2023</a:t>
             </a:fld>
             <a:endParaRPr lang="en-AU" dirty="0"/>
           </a:p>
@@ -4883,7 +4900,7 @@
           <a:p>
             <a:fld id="{A9DB9294-D83F-45CE-B910-2413C32C8D97}" type="datetimeFigureOut">
               <a:rPr lang="en-US" smtClean="0"/>
-              <a:t>5/13/2023</a:t>
+              <a:t>6/29/2023</a:t>
             </a:fld>
             <a:endParaRPr lang="en-US" dirty="0"/>
           </a:p>
@@ -5063,10 +5080,9 @@
           </a:lstStyle>
           <a:p>
             <a:r>
-              <a:rPr lang="en-US"/>
+              <a:rPr lang="en-US" dirty="0"/>
               <a:t>Click icon to add picture</a:t>
             </a:r>
-            <a:endParaRPr lang="en-US" dirty="0"/>
           </a:p>
         </p:txBody>
       </p:sp>
@@ -5152,7 +5168,7 @@
           <a:p>
             <a:fld id="{DD53FA19-08AB-4C19-9D76-707E30220FE1}" type="datetimeFigureOut">
               <a:rPr lang="en-AU" smtClean="0"/>
-              <a:t>13/05/2023</a:t>
+              <a:t>29/06/2023</a:t>
             </a:fld>
             <a:endParaRPr lang="en-AU" dirty="0"/>
           </a:p>
@@ -5322,7 +5338,7 @@
           <a:p>
             <a:fld id="{DD53FA19-08AB-4C19-9D76-707E30220FE1}" type="datetimeFigureOut">
               <a:rPr lang="en-AU" smtClean="0"/>
-              <a:t>13/05/2023</a:t>
+              <a:t>29/06/2023</a:t>
             </a:fld>
             <a:endParaRPr lang="en-AU" dirty="0"/>
           </a:p>
@@ -5502,7 +5518,7 @@
           <a:p>
             <a:fld id="{DD53FA19-08AB-4C19-9D76-707E30220FE1}" type="datetimeFigureOut">
               <a:rPr lang="en-AU" smtClean="0"/>
-              <a:t>13/05/2023</a:t>
+              <a:t>29/06/2023</a:t>
             </a:fld>
             <a:endParaRPr lang="en-AU" dirty="0"/>
           </a:p>
@@ -5765,7 +5781,7 @@
           <a:p>
             <a:fld id="{A9DB9294-D83F-45CE-B910-2413C32C8D97}" type="datetimeFigureOut">
               <a:rPr lang="en-US" smtClean="0"/>
-              <a:t>5/13/2023</a:t>
+              <a:t>6/29/2023</a:t>
             </a:fld>
             <a:endParaRPr lang="en-US" dirty="0"/>
           </a:p>
@@ -6030,7 +6046,7 @@
           <a:p>
             <a:fld id="{A9DB9294-D83F-45CE-B910-2413C32C8D97}" type="datetimeFigureOut">
               <a:rPr lang="en-US" smtClean="0"/>
-              <a:t>5/13/2023</a:t>
+              <a:t>6/29/2023</a:t>
             </a:fld>
             <a:endParaRPr lang="en-US" dirty="0"/>
           </a:p>
@@ -6442,7 +6458,7 @@
           <a:p>
             <a:fld id="{A9DB9294-D83F-45CE-B910-2413C32C8D97}" type="datetimeFigureOut">
               <a:rPr lang="en-US" smtClean="0"/>
-              <a:t>5/13/2023</a:t>
+              <a:t>6/29/2023</a:t>
             </a:fld>
             <a:endParaRPr lang="en-US" dirty="0"/>
           </a:p>
@@ -6583,7 +6599,7 @@
           <a:p>
             <a:fld id="{A9DB9294-D83F-45CE-B910-2413C32C8D97}" type="datetimeFigureOut">
               <a:rPr lang="en-US" smtClean="0"/>
-              <a:t>5/13/2023</a:t>
+              <a:t>6/29/2023</a:t>
             </a:fld>
             <a:endParaRPr lang="en-US" dirty="0"/>
           </a:p>
@@ -6696,7 +6712,7 @@
           <a:p>
             <a:fld id="{A9DB9294-D83F-45CE-B910-2413C32C8D97}" type="datetimeFigureOut">
               <a:rPr lang="en-US" smtClean="0"/>
-              <a:t>5/13/2023</a:t>
+              <a:t>6/29/2023</a:t>
             </a:fld>
             <a:endParaRPr lang="en-US" dirty="0"/>
           </a:p>
@@ -7007,7 +7023,7 @@
           <a:p>
             <a:fld id="{A9DB9294-D83F-45CE-B910-2413C32C8D97}" type="datetimeFigureOut">
               <a:rPr lang="en-US" smtClean="0"/>
-              <a:t>5/13/2023</a:t>
+              <a:t>6/29/2023</a:t>
             </a:fld>
             <a:endParaRPr lang="en-US" dirty="0"/>
           </a:p>
@@ -7295,7 +7311,7 @@
           <a:p>
             <a:fld id="{A9DB9294-D83F-45CE-B910-2413C32C8D97}" type="datetimeFigureOut">
               <a:rPr lang="en-US" smtClean="0"/>
-              <a:t>5/13/2023</a:t>
+              <a:t>6/29/2023</a:t>
             </a:fld>
             <a:endParaRPr lang="en-US" dirty="0"/>
           </a:p>
@@ -7536,7 +7552,7 @@
           <a:p>
             <a:fld id="{A9DB9294-D83F-45CE-B910-2413C32C8D97}" type="datetimeFigureOut">
               <a:rPr lang="en-US" smtClean="0"/>
-              <a:t>5/13/2023</a:t>
+              <a:t>6/29/2023</a:t>
             </a:fld>
             <a:endParaRPr lang="en-US" dirty="0"/>
           </a:p>
@@ -8088,7 +8104,7 @@
           <a:p>
             <a:fld id="{A9DB9294-D83F-45CE-B910-2413C32C8D97}" type="datetimeFigureOut">
               <a:rPr lang="en-US" smtClean="0"/>
-              <a:t>5/13/2023</a:t>
+              <a:t>6/29/2023</a:t>
             </a:fld>
             <a:endParaRPr lang="en-US" dirty="0"/>
           </a:p>
@@ -8503,114 +8519,6 @@
       </p:grpSpPr>
       <p:sp>
         <p:nvSpPr>
-          <p:cNvPr id="13" name="Title Placeholder 1">
-            <a:extLst>
-              <a:ext uri="{FF2B5EF4-FFF2-40B4-BE49-F238E27FC236}">
-                <a16:creationId xmlns:a16="http://schemas.microsoft.com/office/drawing/2014/main" id="{7D1EE46A-C5E2-463F-B90E-4E432D61A80D}"/>
-              </a:ext>
-            </a:extLst>
-          </p:cNvPr>
-          <p:cNvSpPr txBox="1">
-            <a:spLocks/>
-          </p:cNvSpPr>
-          <p:nvPr/>
-        </p:nvSpPr>
-        <p:spPr>
-          <a:xfrm>
-            <a:off x="672633" y="635636"/>
-            <a:ext cx="29551779" cy="4673600"/>
-          </a:xfrm>
-          <a:prstGeom prst="rect">
-            <a:avLst/>
-          </a:prstGeom>
-          <a:noFill/>
-        </p:spPr>
-        <p:txBody>
-          <a:bodyPr vert="horz" lIns="274320" tIns="900000" rIns="274320" bIns="900000" rtlCol="0" anchor="ctr">
-            <a:noAutofit/>
-          </a:bodyPr>
-          <a:lstStyle>
-            <a:lvl1pPr algn="l" defTabSz="3027487" rtl="0" eaLnBrk="1" latinLnBrk="0" hangingPunct="1">
-              <a:lnSpc>
-                <a:spcPct val="90000"/>
-              </a:lnSpc>
-              <a:spcBef>
-                <a:spcPct val="0"/>
-              </a:spcBef>
-              <a:buNone/>
-              <a:defRPr sz="14000" b="1" kern="1200" baseline="0">
-                <a:ln>
-                  <a:noFill/>
-                </a:ln>
-                <a:solidFill>
-                  <a:schemeClr val="bg1"/>
-                </a:solidFill>
-                <a:latin typeface="+mj-lt"/>
-                <a:ea typeface="+mj-ea"/>
-                <a:cs typeface="+mj-cs"/>
-              </a:defRPr>
-            </a:lvl1pPr>
-          </a:lstStyle>
-          <a:p>
-            <a:r>
-              <a:rPr lang="en-US" sz="9600" i="1" spc="100" dirty="0">
-                <a:solidFill>
-                  <a:schemeClr val="tx1">
-                    <a:lumMod val="85000"/>
-                    <a:lumOff val="15000"/>
-                  </a:schemeClr>
-                </a:solidFill>
-                <a:latin typeface="Aharoni" panose="02010803020104030203" pitchFamily="2" charset="-79"/>
-                <a:cs typeface="Aharoni" panose="02010803020104030203" pitchFamily="2" charset="-79"/>
-              </a:rPr>
-              <a:t>DietR</a:t>
-            </a:r>
-            <a:r>
-              <a:rPr lang="en-US" sz="8800" dirty="0">
-                <a:solidFill>
-                  <a:schemeClr val="tx1">
-                    <a:lumMod val="85000"/>
-                    <a:lumOff val="15000"/>
-                  </a:schemeClr>
-                </a:solidFill>
-                <a:latin typeface="Aharoni" panose="02010803020104030203" pitchFamily="2" charset="-79"/>
-                <a:cs typeface="Aharoni" panose="02010803020104030203" pitchFamily="2" charset="-79"/>
-              </a:rPr>
-              <a:t> </a:t>
-            </a:r>
-            <a:r>
-              <a:rPr lang="en-US" sz="8800" dirty="0">
-                <a:solidFill>
-                  <a:schemeClr val="tx1">
-                    <a:lumMod val="85000"/>
-                    <a:lumOff val="15000"/>
-                  </a:schemeClr>
-                </a:solidFill>
-                <a:latin typeface="Arial" panose="020B0604020202020204" pitchFamily="34" charset="0"/>
-                <a:cs typeface="Arial" panose="020B0604020202020204" pitchFamily="34" charset="0"/>
-              </a:rPr>
-              <a:t>– </a:t>
-            </a:r>
-          </a:p>
-          <a:p>
-            <a:r>
-              <a:rPr lang="en-US" sz="8200" dirty="0">
-                <a:solidFill>
-                  <a:schemeClr val="tx1">
-                    <a:lumMod val="85000"/>
-                    <a:lumOff val="15000"/>
-                  </a:schemeClr>
-                </a:solidFill>
-                <a:latin typeface="Arial" panose="020B0604020202020204" pitchFamily="34" charset="0"/>
-                <a:cs typeface="Arial" panose="020B0604020202020204" pitchFamily="34" charset="0"/>
-              </a:rPr>
-              <a:t>A dietary analysis tool for ASA24 and NHANES in R</a:t>
-            </a:r>
-          </a:p>
-        </p:txBody>
-      </p:sp>
-      <p:sp>
-        <p:nvSpPr>
           <p:cNvPr id="130" name="Rectangle 129">
             <a:extLst>
               <a:ext uri="{FF2B5EF4-FFF2-40B4-BE49-F238E27FC236}">
@@ -8623,7 +8531,7 @@
         </p:nvSpPr>
         <p:spPr>
           <a:xfrm>
-            <a:off x="800678" y="22497584"/>
+            <a:off x="800465" y="22236328"/>
             <a:ext cx="19730993" cy="18080730"/>
           </a:xfrm>
           <a:prstGeom prst="rect">
@@ -8680,7 +8588,7 @@
         </p:nvSpPr>
         <p:spPr>
           <a:xfrm>
-            <a:off x="980057" y="4314893"/>
+            <a:off x="980057" y="4053637"/>
             <a:ext cx="23125676" cy="1810002"/>
           </a:xfrm>
           <a:prstGeom prst="rect">
@@ -8909,7 +8817,7 @@
         </p:nvSpPr>
         <p:spPr>
           <a:xfrm>
-            <a:off x="1205319" y="22668152"/>
+            <a:off x="1205319" y="22406896"/>
             <a:ext cx="19070931" cy="692497"/>
           </a:xfrm>
           <a:prstGeom prst="rect">
@@ -8950,7 +8858,7 @@
         </p:nvSpPr>
         <p:spPr>
           <a:xfrm>
-            <a:off x="20845034" y="22493315"/>
+            <a:off x="20845034" y="22232059"/>
             <a:ext cx="8807653" cy="6034514"/>
           </a:xfrm>
           <a:prstGeom prst="rect">
@@ -9010,7 +8918,7 @@
         </p:nvSpPr>
         <p:spPr>
           <a:xfrm>
-            <a:off x="21029909" y="22668396"/>
+            <a:off x="21050691" y="22407140"/>
             <a:ext cx="6822977" cy="707886"/>
           </a:xfrm>
           <a:prstGeom prst="rect">
@@ -9051,7 +8959,7 @@
         </p:nvSpPr>
         <p:spPr>
           <a:xfrm>
-            <a:off x="11432426" y="6507597"/>
+            <a:off x="11432426" y="6246341"/>
             <a:ext cx="18220260" cy="6754269"/>
           </a:xfrm>
           <a:prstGeom prst="rect">
@@ -9106,7 +9014,7 @@
         </p:nvSpPr>
         <p:spPr>
           <a:xfrm>
-            <a:off x="11781503" y="6596990"/>
+            <a:off x="11781503" y="6335734"/>
             <a:ext cx="7586840" cy="707886"/>
           </a:xfrm>
           <a:prstGeom prst="rect">
@@ -9147,7 +9055,7 @@
         </p:nvSpPr>
         <p:spPr>
           <a:xfrm>
-            <a:off x="794788" y="6507597"/>
+            <a:off x="794788" y="6246341"/>
             <a:ext cx="10265350" cy="6754269"/>
           </a:xfrm>
           <a:prstGeom prst="rect">
@@ -9202,7 +9110,7 @@
         </p:nvSpPr>
         <p:spPr>
           <a:xfrm>
-            <a:off x="1144926" y="6595634"/>
+            <a:off x="1144926" y="6334378"/>
             <a:ext cx="9252000" cy="707886"/>
           </a:xfrm>
           <a:prstGeom prst="rect">
@@ -9243,7 +9151,7 @@
         </p:nvSpPr>
         <p:spPr>
           <a:xfrm>
-            <a:off x="794788" y="13695762"/>
+            <a:off x="794788" y="13434506"/>
             <a:ext cx="28857898" cy="8368789"/>
           </a:xfrm>
           <a:prstGeom prst="rect">
@@ -9298,8 +9206,8 @@
         </p:nvSpPr>
         <p:spPr>
           <a:xfrm>
-            <a:off x="1210065" y="7381732"/>
-            <a:ext cx="9480435" cy="5660011"/>
+            <a:off x="1210065" y="7196676"/>
+            <a:ext cx="9480435" cy="5429179"/>
           </a:xfrm>
           <a:prstGeom prst="rect">
             <a:avLst/>
@@ -9314,20 +9222,21 @@
           </a:bodyPr>
           <a:lstStyle/>
           <a:p>
-            <a:pPr marL="571500" indent="-571500">
+            <a:pPr marL="742950" indent="-742950">
               <a:lnSpc>
                 <a:spcPct val="120000"/>
               </a:lnSpc>
               <a:spcAft>
-                <a:spcPts val="1800"/>
+                <a:spcPts val="1200"/>
               </a:spcAft>
               <a:buClr>
-                <a:schemeClr val="accent3">
+                <a:schemeClr val="accent4">
                   <a:lumMod val="75000"/>
                 </a:schemeClr>
               </a:buClr>
-              <a:buFont typeface="Calibri" panose="020F0502020204030204" pitchFamily="34" charset="0"/>
-              <a:buChar char="●"/>
+              <a:buBlip>
+                <a:blip r:embed="rId3"/>
+              </a:buBlip>
             </a:pPr>
             <a:r>
               <a:rPr lang="en-US" sz="3600" dirty="0">
@@ -9349,15 +9258,16 @@
                 <a:spcPct val="120000"/>
               </a:lnSpc>
               <a:spcAft>
-                <a:spcPts val="1800"/>
+                <a:spcPts val="1200"/>
               </a:spcAft>
               <a:buClr>
-                <a:schemeClr val="accent3">
+                <a:schemeClr val="accent4">
                   <a:lumMod val="75000"/>
                 </a:schemeClr>
               </a:buClr>
-              <a:buFont typeface="Calibri" panose="020F0502020204030204" pitchFamily="34" charset="0"/>
-              <a:buChar char="●"/>
+              <a:buBlip>
+                <a:blip r:embed="rId3"/>
+              </a:buBlip>
             </a:pPr>
             <a:r>
               <a:rPr lang="en-US" sz="3600" dirty="0">
@@ -9376,15 +9286,16 @@
           <a:p>
             <a:pPr marL="571500" indent="-571500">
               <a:spcAft>
-                <a:spcPts val="1800"/>
+                <a:spcPts val="1200"/>
               </a:spcAft>
               <a:buClr>
-                <a:schemeClr val="accent3">
+                <a:schemeClr val="accent4">
                   <a:lumMod val="75000"/>
                 </a:schemeClr>
               </a:buClr>
-              <a:buFont typeface="Calibri" panose="020F0502020204030204" pitchFamily="34" charset="0"/>
-              <a:buChar char="●"/>
+              <a:buBlip>
+                <a:blip r:embed="rId3"/>
+              </a:buBlip>
             </a:pPr>
             <a:r>
               <a:rPr lang="en-US" sz="3600" dirty="0">
@@ -9403,15 +9314,16 @@
           <a:p>
             <a:pPr marL="571500" indent="-571500">
               <a:spcAft>
-                <a:spcPts val="1800"/>
+                <a:spcPts val="1200"/>
               </a:spcAft>
               <a:buClr>
-                <a:schemeClr val="accent3">
+                <a:schemeClr val="accent4">
                   <a:lumMod val="75000"/>
                 </a:schemeClr>
               </a:buClr>
-              <a:buFont typeface="Calibri" panose="020F0502020204030204" pitchFamily="34" charset="0"/>
-              <a:buChar char="●"/>
+              <a:buBlip>
+                <a:blip r:embed="rId3"/>
+              </a:buBlip>
             </a:pPr>
             <a:r>
               <a:rPr lang="en-US" sz="3600" dirty="0">
@@ -9443,8 +9355,8 @@
         </p:nvSpPr>
         <p:spPr>
           <a:xfrm>
-            <a:off x="1326675" y="26457245"/>
-            <a:ext cx="9064799" cy="4247317"/>
+            <a:off x="1395063" y="26072551"/>
+            <a:ext cx="9064799" cy="4401205"/>
           </a:xfrm>
           <a:prstGeom prst="rect">
             <a:avLst/>
@@ -9458,6 +9370,9 @@
           <a:lstStyle/>
           <a:p>
             <a:pPr marL="457200" indent="-457200">
+              <a:spcAft>
+                <a:spcPts val="300"/>
+              </a:spcAft>
               <a:buClr>
                 <a:schemeClr val="accent3">
                   <a:lumMod val="75000"/>
@@ -9478,11 +9393,14 @@
                 <a:latin typeface="Arial" panose="020B0604020202020204" pitchFamily="34" charset="0"/>
                 <a:cs typeface="Arial" panose="020B0604020202020204" pitchFamily="34" charset="0"/>
               </a:rPr>
-              <a:t>NHANES15-16, n=4,038, 18+ yo, with waist circumference &amp; BMI.</a:t>
+              <a:t>NHANES 2015-16, n=3,641, 18+ yo, with waist circumference &amp; BMI.</a:t>
             </a:r>
           </a:p>
           <a:p>
             <a:pPr marL="457200" indent="-457200">
+              <a:spcAft>
+                <a:spcPts val="300"/>
+              </a:spcAft>
               <a:buClr>
                 <a:schemeClr val="accent3">
                   <a:lumMod val="75000"/>
@@ -9508,6 +9426,9 @@
           </a:p>
           <a:p>
             <a:pPr marL="457200" indent="-457200">
+              <a:spcAft>
+                <a:spcPts val="300"/>
+              </a:spcAft>
               <a:buClr>
                 <a:schemeClr val="accent3">
                   <a:lumMod val="75000"/>
@@ -9559,6 +9480,9 @@
           </a:p>
           <a:p>
             <a:pPr marL="457200" indent="-457200">
+              <a:spcAft>
+                <a:spcPts val="300"/>
+              </a:spcAft>
               <a:buClr>
                 <a:schemeClr val="accent3">
                   <a:lumMod val="75000"/>
@@ -9610,6 +9534,9 @@
           </a:p>
           <a:p>
             <a:pPr marL="457200" indent="-457200">
+              <a:spcAft>
+                <a:spcPts val="300"/>
+              </a:spcAft>
               <a:buClr>
                 <a:schemeClr val="accent3">
                   <a:lumMod val="75000"/>
@@ -9630,32 +9557,7 @@
                 <a:latin typeface="Arial" panose="020B0604020202020204" pitchFamily="34" charset="0"/>
                 <a:cs typeface="Arial" panose="020B0604020202020204" pitchFamily="34" charset="0"/>
               </a:rPr>
-              <a:t>Analysis of covariance (ANCOVA) with </a:t>
-            </a:r>
-            <a:br>
-              <a:rPr lang="en-US" sz="3000" dirty="0">
-                <a:solidFill>
-                  <a:schemeClr val="tx1">
-                    <a:lumMod val="85000"/>
-                    <a:lumOff val="15000"/>
-                  </a:schemeClr>
-                </a:solidFill>
-                <a:latin typeface="Arial" panose="020B0604020202020204" pitchFamily="34" charset="0"/>
-                <a:cs typeface="Arial" panose="020B0604020202020204" pitchFamily="34" charset="0"/>
-              </a:rPr>
-            </a:br>
-            <a:r>
-              <a:rPr lang="en-US" sz="3000" dirty="0">
-                <a:solidFill>
-                  <a:schemeClr val="tx1">
-                    <a:lumMod val="85000"/>
-                    <a:lumOff val="15000"/>
-                  </a:schemeClr>
-                </a:solidFill>
-                <a:latin typeface="Arial" panose="020B0604020202020204" pitchFamily="34" charset="0"/>
-                <a:cs typeface="Arial" panose="020B0604020202020204" pitchFamily="34" charset="0"/>
-              </a:rPr>
-              <a:t>Age + Gender + Fiber/1000kcal + PF_ALL</a:t>
+              <a:t>Analysis of covariance (ANCOVA) with Age, Gender, Income, Education, KCAL as covariates</a:t>
             </a:r>
           </a:p>
         </p:txBody>
@@ -9674,7 +9576,7 @@
         </p:nvSpPr>
         <p:spPr>
           <a:xfrm>
-            <a:off x="20845034" y="35605604"/>
+            <a:off x="20845034" y="35344348"/>
             <a:ext cx="8807653" cy="4972710"/>
           </a:xfrm>
           <a:prstGeom prst="rect">
@@ -9729,7 +9631,7 @@
         </p:nvSpPr>
         <p:spPr>
           <a:xfrm>
-            <a:off x="21029910" y="35751304"/>
+            <a:off x="21029910" y="35490048"/>
             <a:ext cx="6822977" cy="707886"/>
           </a:xfrm>
           <a:prstGeom prst="rect">
@@ -9770,7 +9672,7 @@
         </p:nvSpPr>
         <p:spPr>
           <a:xfrm>
-            <a:off x="21183245" y="36507189"/>
+            <a:off x="21183245" y="36245933"/>
             <a:ext cx="8103128" cy="3831818"/>
           </a:xfrm>
           <a:prstGeom prst="rect">
@@ -9799,7 +9701,7 @@
               <a:t>This project was supported by internal institutional start-up funds from the University of Minnesota. The authors would like to thank </a:t>
             </a:r>
             <a:r>
-              <a:rPr lang="en-US" sz="2700" u="sng" dirty="0">
+              <a:rPr lang="en-US" sz="2700" b="1" dirty="0">
                 <a:solidFill>
                   <a:schemeClr val="tx1">
                     <a:lumMod val="85000"/>
@@ -9825,7 +9727,7 @@
               <a:t> for the create_corr_frame function which generates a correlation table with ordination axes and variables; </a:t>
             </a:r>
             <a:r>
-              <a:rPr lang="en-US" sz="2700" u="sng" dirty="0">
+              <a:rPr lang="en-US" sz="2700" b="1" dirty="0">
                 <a:solidFill>
                   <a:schemeClr val="tx1">
                     <a:lumMod val="85000"/>
@@ -9851,7 +9753,7 @@
               <a:t> for the collapse_by_correlation function which removes correlated variables; and </a:t>
             </a:r>
             <a:r>
-              <a:rPr lang="en-US" sz="2700" u="sng" dirty="0">
+              <a:rPr lang="en-US" sz="2700" b="1" dirty="0">
                 <a:solidFill>
                   <a:schemeClr val="tx1">
                     <a:lumMod val="85000"/>
@@ -9861,7 +9763,7 @@
                 <a:latin typeface="Arial" panose="020B0604020202020204" pitchFamily="34" charset="0"/>
                 <a:cs typeface="Arial" panose="020B0604020202020204" pitchFamily="34" charset="0"/>
               </a:rPr>
-              <a:t>Suzie Hoops</a:t>
+              <a:t>Suzie Hoops </a:t>
             </a:r>
             <a:r>
               <a:rPr lang="en-US" sz="2700" dirty="0">
@@ -9874,7 +9776,7 @@
                 <a:latin typeface="Arial" panose="020B0604020202020204" pitchFamily="34" charset="0"/>
                 <a:cs typeface="Arial" panose="020B0604020202020204" pitchFamily="34" charset="0"/>
               </a:rPr>
-              <a:t> for the matrix multiplication operation and her insights into statistical analyses.</a:t>
+              <a:t>for the matrix multiplication operation and her insights into statistical analyses.</a:t>
             </a:r>
           </a:p>
         </p:txBody>
@@ -9893,7 +9795,7 @@
         </p:nvSpPr>
         <p:spPr>
           <a:xfrm>
-            <a:off x="20845034" y="28795641"/>
+            <a:off x="20845034" y="28534385"/>
             <a:ext cx="8807653" cy="6498116"/>
           </a:xfrm>
           <a:prstGeom prst="rect">
@@ -9948,7 +9850,7 @@
         </p:nvSpPr>
         <p:spPr>
           <a:xfrm>
-            <a:off x="21029909" y="28987866"/>
+            <a:off x="21029909" y="28726610"/>
             <a:ext cx="6822977" cy="707886"/>
           </a:xfrm>
           <a:prstGeom prst="rect">
@@ -9983,7 +9885,7 @@
         </p:nvSpPr>
         <p:spPr>
           <a:xfrm>
-            <a:off x="21183246" y="29721881"/>
+            <a:off x="21183246" y="29460625"/>
             <a:ext cx="7817655" cy="5324535"/>
           </a:xfrm>
           <a:prstGeom prst="rect">
@@ -10158,7 +10060,7 @@
         </p:nvSpPr>
         <p:spPr>
           <a:xfrm>
-            <a:off x="1392897" y="24315410"/>
+            <a:off x="1392897" y="24054154"/>
             <a:ext cx="17734308" cy="1054135"/>
           </a:xfrm>
           <a:prstGeom prst="rect">
@@ -10177,9 +10079,7 @@
                 <a:spcPts val="300"/>
               </a:spcAft>
               <a:buClr>
-                <a:schemeClr val="accent3">
-                  <a:lumMod val="75000"/>
-                </a:schemeClr>
+                <a:srgbClr val="81D31A"/>
               </a:buClr>
               <a:buSzPct val="130000"/>
               <a:buFont typeface="Arial" panose="020B0604020202020204" pitchFamily="34" charset="0"/>
@@ -10196,7 +10096,20 @@
                 <a:latin typeface="Arial" panose="020B0604020202020204" pitchFamily="34" charset="0"/>
                 <a:cs typeface="Arial" panose="020B0604020202020204" pitchFamily="34" charset="0"/>
               </a:rPr>
-              <a:t>Previous studies suggest nuts/seeds/legumes have positive impacts on health [3].</a:t>
+              <a:t>Previous studies suggest nuts/seeds/legumes have positive impacts on health [</a:t>
+            </a:r>
+            <a:r>
+              <a:rPr lang="en-AU" sz="3000">
+                <a:solidFill>
+                  <a:schemeClr val="tx1">
+                    <a:lumMod val="85000"/>
+                    <a:lumOff val="15000"/>
+                  </a:schemeClr>
+                </a:solidFill>
+                <a:latin typeface="Arial" panose="020B0604020202020204" pitchFamily="34" charset="0"/>
+                <a:cs typeface="Arial" panose="020B0604020202020204" pitchFamily="34" charset="0"/>
+              </a:rPr>
+              <a:t>3].</a:t>
             </a:r>
           </a:p>
           <a:p>
@@ -10205,14 +10118,25 @@
                 <a:spcPts val="300"/>
               </a:spcAft>
               <a:buClr>
-                <a:schemeClr val="accent3">
-                  <a:lumMod val="75000"/>
-                </a:schemeClr>
+                <a:srgbClr val="81D31A"/>
               </a:buClr>
               <a:buSzPct val="130000"/>
               <a:buFont typeface="Arial" panose="020B0604020202020204" pitchFamily="34" charset="0"/>
               <a:buChar char="•"/>
             </a:pPr>
+            <a:r>
+              <a:rPr lang="en-AU" sz="3000">
+                <a:solidFill>
+                  <a:schemeClr val="tx1">
+                    <a:lumMod val="85000"/>
+                    <a:lumOff val="15000"/>
+                  </a:schemeClr>
+                </a:solidFill>
+                <a:latin typeface="Arial" panose="020B0604020202020204" pitchFamily="34" charset="0"/>
+                <a:cs typeface="Arial" panose="020B0604020202020204" pitchFamily="34" charset="0"/>
+              </a:rPr>
+              <a:t>Is diversity </a:t>
+            </a:r>
             <a:r>
               <a:rPr lang="en-AU" sz="3000" dirty="0">
                 <a:solidFill>
@@ -10224,7 +10148,7 @@
                 <a:latin typeface="Arial" panose="020B0604020202020204" pitchFamily="34" charset="0"/>
                 <a:cs typeface="Arial" panose="020B0604020202020204" pitchFamily="34" charset="0"/>
               </a:rPr>
-              <a:t>Is diversity of nuts/seeds/legumes consumption related to body measures, e.g. BMI or waist size?</a:t>
+              <a:t>of nuts/seeds/legumes consumption related to body measures, e.g. BMI or waist size?</a:t>
             </a:r>
           </a:p>
         </p:txBody>
@@ -10243,7 +10167,7 @@
         </p:nvSpPr>
         <p:spPr>
           <a:xfrm>
-            <a:off x="21765132" y="23500093"/>
+            <a:off x="21258920" y="23431278"/>
             <a:ext cx="7041487" cy="646331"/>
           </a:xfrm>
           <a:prstGeom prst="rect">
@@ -10259,6 +10183,11 @@
           </a:bodyPr>
           <a:lstStyle/>
           <a:p>
+            <a:pPr marL="571500" indent="-571500">
+              <a:buBlip>
+                <a:blip r:embed="rId3"/>
+              </a:buBlip>
+            </a:pPr>
             <a:r>
               <a:rPr lang="en-AU" sz="3600" dirty="0">
                 <a:solidFill>
@@ -10272,166 +10201,6 @@
               </a:rPr>
               <a:t>GitHub repo</a:t>
             </a:r>
-          </a:p>
-        </p:txBody>
-      </p:sp>
-      <p:sp>
-        <p:nvSpPr>
-          <p:cNvPr id="95" name="TextBox 94">
-            <a:extLst>
-              <a:ext uri="{FF2B5EF4-FFF2-40B4-BE49-F238E27FC236}">
-                <a16:creationId xmlns:a16="http://schemas.microsoft.com/office/drawing/2014/main" id="{FBB508FA-D535-4E10-A369-1E254953510F}"/>
-              </a:ext>
-            </a:extLst>
-          </p:cNvPr>
-          <p:cNvSpPr txBox="1"/>
-          <p:nvPr/>
-        </p:nvSpPr>
-        <p:spPr>
-          <a:xfrm>
-            <a:off x="21765132" y="25051023"/>
-            <a:ext cx="7041487" cy="646331"/>
-          </a:xfrm>
-          <a:prstGeom prst="rect">
-            <a:avLst/>
-          </a:prstGeom>
-          <a:solidFill>
-            <a:schemeClr val="bg1"/>
-          </a:solidFill>
-        </p:spPr>
-        <p:txBody>
-          <a:bodyPr wrap="square" rtlCol="0">
-            <a:spAutoFit/>
-          </a:bodyPr>
-          <a:lstStyle/>
-          <a:p>
-            <a:r>
-              <a:rPr lang="en-AU" sz="3600" dirty="0">
-                <a:solidFill>
-                  <a:schemeClr val="tx1">
-                    <a:lumMod val="85000"/>
-                    <a:lumOff val="15000"/>
-                  </a:schemeClr>
-                </a:solidFill>
-                <a:latin typeface="Arial" panose="020B0604020202020204" pitchFamily="34" charset="0"/>
-                <a:cs typeface="Arial" panose="020B0604020202020204" pitchFamily="34" charset="0"/>
-              </a:rPr>
-              <a:t>Website with tutorials</a:t>
-            </a:r>
-            <a:endParaRPr lang="en-US" sz="3600" dirty="0">
-              <a:solidFill>
-                <a:schemeClr val="tx1">
-                  <a:lumMod val="85000"/>
-                  <a:lumOff val="15000"/>
-                </a:schemeClr>
-              </a:solidFill>
-              <a:latin typeface="Arial" panose="020B0604020202020204" pitchFamily="34" charset="0"/>
-              <a:cs typeface="Arial" panose="020B0604020202020204" pitchFamily="34" charset="0"/>
-            </a:endParaRPr>
-          </a:p>
-        </p:txBody>
-      </p:sp>
-      <p:sp>
-        <p:nvSpPr>
-          <p:cNvPr id="198" name="Right Arrow 197"/>
-          <p:cNvSpPr/>
-          <p:nvPr/>
-        </p:nvSpPr>
-        <p:spPr>
-          <a:xfrm>
-            <a:off x="21292691" y="25119516"/>
-            <a:ext cx="396512" cy="531672"/>
-          </a:xfrm>
-          <a:prstGeom prst="rightArrow">
-            <a:avLst/>
-          </a:prstGeom>
-          <a:ln>
-            <a:noFill/>
-          </a:ln>
-        </p:spPr>
-        <p:style>
-          <a:lnRef idx="2">
-            <a:schemeClr val="accent3">
-              <a:shade val="50000"/>
-            </a:schemeClr>
-          </a:lnRef>
-          <a:fillRef idx="1">
-            <a:schemeClr val="accent3"/>
-          </a:fillRef>
-          <a:effectRef idx="0">
-            <a:schemeClr val="accent3"/>
-          </a:effectRef>
-          <a:fontRef idx="minor">
-            <a:schemeClr val="lt1"/>
-          </a:fontRef>
-        </p:style>
-        <p:txBody>
-          <a:bodyPr rtlCol="0" anchor="ctr"/>
-          <a:lstStyle/>
-          <a:p>
-            <a:pPr algn="ctr"/>
-            <a:endParaRPr lang="en-AU" sz="1600" dirty="0">
-              <a:solidFill>
-                <a:schemeClr val="tx1">
-                  <a:lumMod val="85000"/>
-                  <a:lumOff val="15000"/>
-                </a:schemeClr>
-              </a:solidFill>
-              <a:latin typeface="Arial" panose="020B0604020202020204" pitchFamily="34" charset="0"/>
-              <a:cs typeface="Arial" panose="020B0604020202020204" pitchFamily="34" charset="0"/>
-            </a:endParaRPr>
-          </a:p>
-        </p:txBody>
-      </p:sp>
-      <p:sp>
-        <p:nvSpPr>
-          <p:cNvPr id="199" name="Right Arrow 198"/>
-          <p:cNvSpPr/>
-          <p:nvPr/>
-        </p:nvSpPr>
-        <p:spPr>
-          <a:xfrm>
-            <a:off x="21292691" y="23584227"/>
-            <a:ext cx="396512" cy="531672"/>
-          </a:xfrm>
-          <a:prstGeom prst="rightArrow">
-            <a:avLst/>
-          </a:prstGeom>
-          <a:ln>
-            <a:noFill/>
-          </a:ln>
-        </p:spPr>
-        <p:style>
-          <a:lnRef idx="2">
-            <a:schemeClr val="accent3">
-              <a:shade val="50000"/>
-            </a:schemeClr>
-          </a:lnRef>
-          <a:fillRef idx="1">
-            <a:schemeClr val="accent3"/>
-          </a:fillRef>
-          <a:effectRef idx="0">
-            <a:schemeClr val="accent3"/>
-          </a:effectRef>
-          <a:fontRef idx="minor">
-            <a:schemeClr val="lt1"/>
-          </a:fontRef>
-        </p:style>
-        <p:txBody>
-          <a:bodyPr rtlCol="0" anchor="ctr"/>
-          <a:lstStyle/>
-          <a:p>
-            <a:pPr algn="ctr"/>
-            <a:endParaRPr lang="en-AU" sz="1600" dirty="0">
-              <a:solidFill>
-                <a:schemeClr val="tx1">
-                  <a:lumMod val="85000"/>
-                  <a:lumOff val="15000"/>
-                </a:schemeClr>
-              </a:solidFill>
-              <a:latin typeface="Arial" panose="020B0604020202020204" pitchFamily="34" charset="0"/>
-              <a:cs typeface="Arial" panose="020B0604020202020204" pitchFamily="34" charset="0"/>
-            </a:endParaRPr>
           </a:p>
         </p:txBody>
       </p:sp>
@@ -10450,7 +10219,7 @@
           <p:nvPr/>
         </p:nvPicPr>
         <p:blipFill>
-          <a:blip r:embed="rId3">
+          <a:blip r:embed="rId4">
             <a:extLst>
               <a:ext uri="{28A0092B-C50C-407E-A947-70E740481C1C}">
                 <a14:useLocalDpi xmlns:a14="http://schemas.microsoft.com/office/drawing/2010/main" val="0"/>
@@ -10463,7 +10232,7 @@
         </p:blipFill>
         <p:spPr>
           <a:xfrm>
-            <a:off x="24867456" y="4515559"/>
+            <a:off x="25285875" y="4016616"/>
             <a:ext cx="1836341" cy="1422911"/>
           </a:xfrm>
           <a:prstGeom prst="rect">
@@ -10486,13 +10255,13 @@
           <p:nvPr>
             <p:extLst>
               <p:ext uri="{D42A27DB-BD31-4B8C-83A1-F6EECF244321}">
-                <p14:modId xmlns:p14="http://schemas.microsoft.com/office/powerpoint/2010/main" val="544230665"/>
+                <p14:modId xmlns:p14="http://schemas.microsoft.com/office/powerpoint/2010/main" val="1733191483"/>
               </p:ext>
             </p:extLst>
           </p:nvPr>
         </p:nvGraphicFramePr>
         <p:xfrm>
-          <a:off x="12033544" y="7595649"/>
+          <a:off x="12033544" y="7334393"/>
           <a:ext cx="16967357" cy="5218218"/>
         </p:xfrm>
         <a:graphic>
@@ -10608,9 +10377,7 @@
                       <a:r>
                         <a:rPr lang="en-GB" sz="3000" b="1" dirty="0">
                           <a:solidFill>
-                            <a:schemeClr val="accent3">
-                              <a:lumMod val="75000"/>
-                            </a:schemeClr>
+                            <a:schemeClr val="accent5"/>
                           </a:solidFill>
                           <a:latin typeface="Arial" panose="020B0604020202020204" pitchFamily="34" charset="0"/>
                           <a:cs typeface="Arial" panose="020B0604020202020204" pitchFamily="34" charset="0"/>
@@ -10685,7 +10452,7 @@
                       <a:r>
                         <a:rPr lang="en-GB" sz="3000" b="1" dirty="0">
                           <a:solidFill>
-                            <a:schemeClr val="accent4">
+                            <a:schemeClr val="accent3">
                               <a:lumMod val="75000"/>
                             </a:schemeClr>
                           </a:solidFill>
@@ -11050,13 +10817,13 @@
           <p:nvPr>
             <p:extLst>
               <p:ext uri="{D42A27DB-BD31-4B8C-83A1-F6EECF244321}">
-                <p14:modId xmlns:p14="http://schemas.microsoft.com/office/powerpoint/2010/main" val="3850367232"/>
+                <p14:modId xmlns:p14="http://schemas.microsoft.com/office/powerpoint/2010/main" val="1491710271"/>
               </p:ext>
             </p:extLst>
           </p:nvPr>
         </p:nvGraphicFramePr>
         <p:xfrm>
-          <a:off x="10586494" y="26367681"/>
+          <a:off x="10913064" y="26106425"/>
           <a:ext cx="9064799" cy="3097204"/>
         </p:xfrm>
         <a:graphic>
@@ -11284,7 +11051,7 @@
                           <a:latin typeface="Arial" panose="020B0604020202020204" pitchFamily="34" charset="0"/>
                           <a:cs typeface="Arial" panose="020B0604020202020204" pitchFamily="34" charset="0"/>
                         </a:rPr>
-                        <a:t>2,012</a:t>
+                        <a:t>1,819</a:t>
                       </a:r>
                       <a:endParaRPr lang="en-US" sz="3000" b="0" i="0" u="none" strike="noStrike" dirty="0">
                         <a:solidFill>
@@ -11395,7 +11162,7 @@
                           <a:latin typeface="Arial" panose="020B0604020202020204" pitchFamily="34" charset="0"/>
                           <a:cs typeface="Arial" panose="020B0604020202020204" pitchFamily="34" charset="0"/>
                         </a:rPr>
-                        <a:t>1,246</a:t>
+                        <a:t>1,105</a:t>
                       </a:r>
                       <a:endParaRPr lang="en-US" sz="3000" b="0" i="0" u="none" strike="noStrike" dirty="0">
                         <a:solidFill>
@@ -11506,7 +11273,7 @@
                           <a:latin typeface="Arial" panose="020B0604020202020204" pitchFamily="34" charset="0"/>
                           <a:cs typeface="Arial" panose="020B0604020202020204" pitchFamily="34" charset="0"/>
                         </a:rPr>
-                        <a:t>387</a:t>
+                        <a:t>360</a:t>
                       </a:r>
                       <a:endParaRPr lang="en-US" sz="3000" b="0" i="0" u="none" strike="noStrike" dirty="0">
                         <a:solidFill>
@@ -11617,7 +11384,7 @@
                           <a:latin typeface="Arial" panose="020B0604020202020204" pitchFamily="34" charset="0"/>
                           <a:cs typeface="Arial" panose="020B0604020202020204" pitchFamily="34" charset="0"/>
                         </a:rPr>
-                        <a:t>393</a:t>
+                        <a:t>357</a:t>
                       </a:r>
                       <a:endParaRPr lang="en-US" sz="3000" b="0" i="0" u="none" strike="noStrike" dirty="0">
                         <a:solidFill>
@@ -11707,7 +11474,7 @@
         </p:nvSpPr>
         <p:spPr>
           <a:xfrm>
-            <a:off x="2636366" y="14468735"/>
+            <a:off x="2636366" y="14207479"/>
             <a:ext cx="3560473" cy="584775"/>
           </a:xfrm>
           <a:prstGeom prst="rect">
@@ -11727,9 +11494,7 @@
             <a:r>
               <a:rPr lang="en-GB" sz="3200" b="1" dirty="0">
                 <a:solidFill>
-                  <a:schemeClr val="accent3">
-                    <a:lumMod val="75000"/>
-                  </a:schemeClr>
+                  <a:schemeClr val="accent5"/>
                 </a:solidFill>
                 <a:latin typeface="Arial" panose="020B0604020202020204" pitchFamily="34" charset="0"/>
                 <a:cs typeface="Arial" panose="020B0604020202020204" pitchFamily="34" charset="0"/>
@@ -11753,7 +11518,7 @@
         </p:nvSpPr>
         <p:spPr>
           <a:xfrm>
-            <a:off x="9556707" y="14468734"/>
+            <a:off x="9556707" y="14207478"/>
             <a:ext cx="4306369" cy="584775"/>
           </a:xfrm>
           <a:prstGeom prst="rect">
@@ -11799,8 +11564,8 @@
         </p:nvSpPr>
         <p:spPr>
           <a:xfrm>
-            <a:off x="17737188" y="14373484"/>
-            <a:ext cx="2178142" cy="584775"/>
+            <a:off x="17597744" y="14112228"/>
+            <a:ext cx="2317586" cy="584775"/>
           </a:xfrm>
           <a:prstGeom prst="rect">
             <a:avLst/>
@@ -11845,7 +11610,7 @@
         </p:nvSpPr>
         <p:spPr>
           <a:xfrm>
-            <a:off x="23829210" y="14534691"/>
+            <a:off x="23829210" y="14273435"/>
             <a:ext cx="2957143" cy="584775"/>
           </a:xfrm>
           <a:prstGeom prst="rect">
@@ -11890,7 +11655,7 @@
           <p:nvPr/>
         </p:nvPicPr>
         <p:blipFill rotWithShape="1">
-          <a:blip r:embed="rId4">
+          <a:blip r:embed="rId5">
             <a:extLst>
               <a:ext uri="{28A0092B-C50C-407E-A947-70E740481C1C}">
                 <a14:useLocalDpi xmlns:a14="http://schemas.microsoft.com/office/drawing/2010/main" val="0"/>
@@ -11902,7 +11667,7 @@
         </p:blipFill>
         <p:spPr>
           <a:xfrm>
-            <a:off x="16073080" y="15023296"/>
+            <a:off x="16073080" y="14762040"/>
             <a:ext cx="5506358" cy="4929286"/>
           </a:xfrm>
           <a:prstGeom prst="rect">
@@ -11925,7 +11690,7 @@
           <p:nvPr/>
         </p:nvPicPr>
         <p:blipFill>
-          <a:blip r:embed="rId5">
+          <a:blip r:embed="rId6">
             <a:extLst>
               <a:ext uri="{28A0092B-C50C-407E-A947-70E740481C1C}">
                 <a14:useLocalDpi xmlns:a14="http://schemas.microsoft.com/office/drawing/2010/main" val="0"/>
@@ -11938,7 +11703,7 @@
         </p:blipFill>
         <p:spPr>
           <a:xfrm>
-            <a:off x="1561359" y="15192875"/>
+            <a:off x="1561359" y="14931619"/>
             <a:ext cx="6845484" cy="4747674"/>
           </a:xfrm>
           <a:prstGeom prst="rect">
@@ -11960,7 +11725,7 @@
         </p:nvSpPr>
         <p:spPr>
           <a:xfrm>
-            <a:off x="21259514" y="24246857"/>
+            <a:off x="21259514" y="24195151"/>
             <a:ext cx="8096537" cy="461665"/>
           </a:xfrm>
           <a:prstGeom prst="rect">
@@ -11980,7 +11745,7 @@
                   <a:srgbClr val="000000"/>
                 </a:solidFill>
                 <a:latin typeface="Arial" panose="020B0604020202020204" pitchFamily="34" charset="0"/>
-                <a:hlinkClick r:id="rId6"/>
+                <a:hlinkClick r:id="rId7"/>
               </a:rPr>
               <a:t>https://github.com/computational-nutrition-lab/DietR</a:t>
             </a:r>
@@ -12007,7 +11772,7 @@
         </p:nvSpPr>
         <p:spPr>
           <a:xfrm>
-            <a:off x="21258920" y="25728202"/>
+            <a:off x="21258920" y="25676496"/>
             <a:ext cx="7741980" cy="461665"/>
           </a:xfrm>
           <a:prstGeom prst="rect">
@@ -12027,7 +11792,7 @@
                   <a:srgbClr val="1155CC"/>
                 </a:solidFill>
                 <a:latin typeface="Arial" panose="020B0604020202020204" pitchFamily="34" charset="0"/>
-                <a:hlinkClick r:id="rId7"/>
+                <a:hlinkClick r:id="rId8"/>
               </a:rPr>
               <a:t>https://computational-nutrition-lab.github.io/DietR/</a:t>
             </a:r>
@@ -12050,13 +11815,13 @@
           <p:nvPr/>
         </p:nvPicPr>
         <p:blipFill>
-          <a:blip r:embed="rId8">
+          <a:blip r:embed="rId9">
             <a:extLst>
               <a:ext uri="{28A0092B-C50C-407E-A947-70E740481C1C}">
                 <a14:useLocalDpi xmlns:a14="http://schemas.microsoft.com/office/drawing/2010/main" val="0"/>
               </a:ext>
               <a:ext uri="{96DAC541-7B7A-43D3-8B79-37D633B846F1}">
-                <asvg:svgBlip xmlns:asvg="http://schemas.microsoft.com/office/drawing/2016/SVG/main" r:embed="rId9"/>
+                <asvg:svgBlip xmlns:asvg="http://schemas.microsoft.com/office/drawing/2016/SVG/main" r:embed="rId10"/>
               </a:ext>
             </a:extLst>
           </a:blip>
@@ -12066,7 +11831,7 @@
         </p:blipFill>
         <p:spPr>
           <a:xfrm rot="11541664">
-            <a:off x="28441335" y="27141120"/>
+            <a:off x="28441335" y="26879864"/>
             <a:ext cx="1013692" cy="1013692"/>
           </a:xfrm>
           <a:prstGeom prst="rect">
@@ -12088,7 +11853,7 @@
         </p:nvSpPr>
         <p:spPr>
           <a:xfrm>
-            <a:off x="794789" y="23599224"/>
+            <a:off x="794789" y="23337968"/>
             <a:ext cx="9016137" cy="584775"/>
           </a:xfrm>
           <a:prstGeom prst="homePlate">
@@ -12140,7 +11905,7 @@
         </p:nvSpPr>
         <p:spPr>
           <a:xfrm>
-            <a:off x="782840" y="25721862"/>
+            <a:off x="782840" y="25361750"/>
             <a:ext cx="2989060" cy="584775"/>
           </a:xfrm>
           <a:prstGeom prst="homePlate">
@@ -12193,7 +11958,7 @@
           <p:nvPr/>
         </p:nvPicPr>
         <p:blipFill>
-          <a:blip r:embed="rId10">
+          <a:blip r:embed="rId11">
             <a:extLst>
               <a:ext uri="{28A0092B-C50C-407E-A947-70E740481C1C}">
                 <a14:useLocalDpi xmlns:a14="http://schemas.microsoft.com/office/drawing/2010/main" val="0"/>
@@ -12206,7 +11971,7 @@
         </p:blipFill>
         <p:spPr>
           <a:xfrm>
-            <a:off x="26774586" y="1614925"/>
+            <a:off x="26774586" y="1353669"/>
             <a:ext cx="2777193" cy="3201468"/>
           </a:xfrm>
           <a:prstGeom prst="rect">
@@ -12229,7 +11994,7 @@
           <p:nvPr/>
         </p:nvPicPr>
         <p:blipFill rotWithShape="1">
-          <a:blip r:embed="rId11">
+          <a:blip r:embed="rId12">
             <a:extLst>
               <a:ext uri="{28A0092B-C50C-407E-A947-70E740481C1C}">
                 <a14:useLocalDpi xmlns:a14="http://schemas.microsoft.com/office/drawing/2010/main" val="0"/>
@@ -12241,43 +12006,8 @@
         </p:blipFill>
         <p:spPr>
           <a:xfrm>
-            <a:off x="8847094" y="15164221"/>
+            <a:off x="8847094" y="14902965"/>
             <a:ext cx="6626758" cy="4776328"/>
-          </a:xfrm>
-          <a:prstGeom prst="rect">
-            <a:avLst/>
-          </a:prstGeom>
-        </p:spPr>
-      </p:pic>
-      <p:pic>
-        <p:nvPicPr>
-          <p:cNvPr id="27" name="Picture 26" descr="Diagram&#10;&#10;Description automatically generated">
-            <a:extLst>
-              <a:ext uri="{FF2B5EF4-FFF2-40B4-BE49-F238E27FC236}">
-                <a16:creationId xmlns:a16="http://schemas.microsoft.com/office/drawing/2014/main" id="{00E2B377-AE6F-36E6-DF19-B3FE96E6B702}"/>
-              </a:ext>
-            </a:extLst>
-          </p:cNvPr>
-          <p:cNvPicPr>
-            <a:picLocks noChangeAspect="1"/>
-          </p:cNvPicPr>
-          <p:nvPr/>
-        </p:nvPicPr>
-        <p:blipFill rotWithShape="1">
-          <a:blip r:embed="rId12">
-            <a:extLst>
-              <a:ext uri="{28A0092B-C50C-407E-A947-70E740481C1C}">
-                <a14:useLocalDpi xmlns:a14="http://schemas.microsoft.com/office/drawing/2010/main" val="0"/>
-              </a:ext>
-            </a:extLst>
-          </a:blip>
-          <a:srcRect t="10799" b="10799"/>
-          <a:stretch/>
-        </p:blipFill>
-        <p:spPr>
-          <a:xfrm>
-            <a:off x="22632161" y="15157973"/>
-            <a:ext cx="6400813" cy="4659935"/>
           </a:xfrm>
           <a:prstGeom prst="rect">
             <a:avLst/>
@@ -12298,7 +12028,7 @@
         </p:nvSpPr>
         <p:spPr>
           <a:xfrm>
-            <a:off x="1392897" y="21110589"/>
+            <a:off x="1392897" y="20849333"/>
             <a:ext cx="28006202" cy="830997"/>
           </a:xfrm>
           <a:prstGeom prst="rect">
@@ -12355,7 +12085,7 @@
         </p:nvSpPr>
         <p:spPr>
           <a:xfrm>
-            <a:off x="1144926" y="13782057"/>
+            <a:off x="1144926" y="13520801"/>
             <a:ext cx="4157930" cy="707886"/>
           </a:xfrm>
           <a:prstGeom prst="rect">
@@ -12396,7 +12126,7 @@
         </p:nvSpPr>
         <p:spPr>
           <a:xfrm>
-            <a:off x="1755571" y="19946752"/>
+            <a:off x="1542280" y="19726460"/>
             <a:ext cx="5748643" cy="954107"/>
           </a:xfrm>
           <a:prstGeom prst="rect">
@@ -12410,7 +12140,7 @@
           </a:bodyPr>
           <a:lstStyle/>
           <a:p>
-            <a:pPr>
+            <a:pPr algn="ctr">
               <a:buClr>
                 <a:schemeClr val="accent3">
                   <a:lumMod val="75000"/>
@@ -12449,7 +12179,7 @@
         </p:nvSpPr>
         <p:spPr>
           <a:xfrm>
-            <a:off x="9111609" y="19983547"/>
+            <a:off x="9155255" y="19723322"/>
             <a:ext cx="5414973" cy="954107"/>
           </a:xfrm>
           <a:prstGeom prst="rect">
@@ -12463,7 +12193,7 @@
           </a:bodyPr>
           <a:lstStyle/>
           <a:p>
-            <a:pPr>
+            <a:pPr algn="ctr">
               <a:buClr>
                 <a:schemeClr val="accent3">
                   <a:lumMod val="75000"/>
@@ -12502,7 +12232,7 @@
         </p:nvSpPr>
         <p:spPr>
           <a:xfrm>
-            <a:off x="16530384" y="20040670"/>
+            <a:off x="16151562" y="19779414"/>
             <a:ext cx="5414973" cy="954107"/>
           </a:xfrm>
           <a:prstGeom prst="rect">
@@ -12516,7 +12246,7 @@
           </a:bodyPr>
           <a:lstStyle/>
           <a:p>
-            <a:pPr>
+            <a:pPr algn="ctr">
               <a:buClr>
                 <a:schemeClr val="accent3">
                   <a:lumMod val="75000"/>
@@ -12555,8 +12285,8 @@
         </p:nvSpPr>
         <p:spPr>
           <a:xfrm>
-            <a:off x="22764298" y="19908998"/>
-            <a:ext cx="6146182" cy="954107"/>
+            <a:off x="22764298" y="19726461"/>
+            <a:ext cx="5414973" cy="954107"/>
           </a:xfrm>
           <a:prstGeom prst="rect">
             <a:avLst/>
@@ -12569,7 +12299,7 @@
           </a:bodyPr>
           <a:lstStyle/>
           <a:p>
-            <a:pPr>
+            <a:pPr algn="ctr">
               <a:buClr>
                 <a:schemeClr val="accent3">
                   <a:lumMod val="75000"/>
@@ -12608,7 +12338,7 @@
         </p:nvSpPr>
         <p:spPr>
           <a:xfrm>
-            <a:off x="794788" y="30957941"/>
+            <a:off x="794788" y="30696685"/>
             <a:ext cx="6083392" cy="584775"/>
           </a:xfrm>
           <a:prstGeom prst="homePlate">
@@ -12648,120 +12378,6 @@
       </p:sp>
       <p:sp>
         <p:nvSpPr>
-          <p:cNvPr id="37" name="TextBox 36">
-            <a:extLst>
-              <a:ext uri="{FF2B5EF4-FFF2-40B4-BE49-F238E27FC236}">
-                <a16:creationId xmlns:a16="http://schemas.microsoft.com/office/drawing/2014/main" id="{7B20BC46-1C0B-8138-7D75-F8A6A0778E40}"/>
-              </a:ext>
-            </a:extLst>
-          </p:cNvPr>
-          <p:cNvSpPr txBox="1"/>
-          <p:nvPr/>
-        </p:nvSpPr>
-        <p:spPr>
-          <a:xfrm>
-            <a:off x="21799622" y="26457679"/>
-            <a:ext cx="4974965" cy="646331"/>
-          </a:xfrm>
-          <a:prstGeom prst="rect">
-            <a:avLst/>
-          </a:prstGeom>
-          <a:solidFill>
-            <a:schemeClr val="bg1"/>
-          </a:solidFill>
-        </p:spPr>
-        <p:txBody>
-          <a:bodyPr wrap="square" rtlCol="0">
-            <a:spAutoFit/>
-          </a:bodyPr>
-          <a:lstStyle/>
-          <a:p>
-            <a:r>
-              <a:rPr lang="en-AU" sz="3600" dirty="0">
-                <a:solidFill>
-                  <a:schemeClr val="tx1">
-                    <a:lumMod val="85000"/>
-                    <a:lumOff val="15000"/>
-                  </a:schemeClr>
-                </a:solidFill>
-                <a:latin typeface="Arial" panose="020B0604020202020204" pitchFamily="34" charset="0"/>
-                <a:cs typeface="Arial" panose="020B0604020202020204" pitchFamily="34" charset="0"/>
-              </a:rPr>
-              <a:t>Preprint</a:t>
-            </a:r>
-            <a:endParaRPr lang="en-US" sz="3600" dirty="0">
-              <a:solidFill>
-                <a:schemeClr val="tx1">
-                  <a:lumMod val="85000"/>
-                  <a:lumOff val="15000"/>
-                </a:schemeClr>
-              </a:solidFill>
-              <a:latin typeface="Arial" panose="020B0604020202020204" pitchFamily="34" charset="0"/>
-              <a:cs typeface="Arial" panose="020B0604020202020204" pitchFamily="34" charset="0"/>
-            </a:endParaRPr>
-          </a:p>
-        </p:txBody>
-      </p:sp>
-      <p:sp>
-        <p:nvSpPr>
-          <p:cNvPr id="38" name="Right Arrow 197">
-            <a:extLst>
-              <a:ext uri="{FF2B5EF4-FFF2-40B4-BE49-F238E27FC236}">
-                <a16:creationId xmlns:a16="http://schemas.microsoft.com/office/drawing/2014/main" id="{AA43F4F4-C3F7-E051-1BDF-7AD485A9F282}"/>
-              </a:ext>
-            </a:extLst>
-          </p:cNvPr>
-          <p:cNvSpPr/>
-          <p:nvPr/>
-        </p:nvSpPr>
-        <p:spPr>
-          <a:xfrm>
-            <a:off x="21327181" y="26526172"/>
-            <a:ext cx="396512" cy="531672"/>
-          </a:xfrm>
-          <a:prstGeom prst="rightArrow">
-            <a:avLst/>
-          </a:prstGeom>
-          <a:ln>
-            <a:noFill/>
-          </a:ln>
-        </p:spPr>
-        <p:style>
-          <a:lnRef idx="2">
-            <a:schemeClr val="accent3">
-              <a:shade val="50000"/>
-            </a:schemeClr>
-          </a:lnRef>
-          <a:fillRef idx="1">
-            <a:schemeClr val="accent3"/>
-          </a:fillRef>
-          <a:effectRef idx="0">
-            <a:schemeClr val="accent3"/>
-          </a:effectRef>
-          <a:fontRef idx="minor">
-            <a:schemeClr val="lt1"/>
-          </a:fontRef>
-        </p:style>
-        <p:txBody>
-          <a:bodyPr rtlCol="0" anchor="ctr"/>
-          <a:lstStyle/>
-          <a:p>
-            <a:pPr algn="ctr"/>
-            <a:endParaRPr lang="en-AU" sz="1600" dirty="0">
-              <a:solidFill>
-                <a:schemeClr val="tx1">
-                  <a:lumMod val="85000"/>
-                  <a:lumOff val="15000"/>
-                </a:schemeClr>
-              </a:solidFill>
-              <a:latin typeface="Arial" panose="020B0604020202020204" pitchFamily="34" charset="0"/>
-              <a:cs typeface="Arial" panose="020B0604020202020204" pitchFamily="34" charset="0"/>
-            </a:endParaRPr>
-          </a:p>
-        </p:txBody>
-      </p:sp>
-      <p:sp>
-        <p:nvSpPr>
           <p:cNvPr id="39" name="TextBox 38">
             <a:extLst>
               <a:ext uri="{FF2B5EF4-FFF2-40B4-BE49-F238E27FC236}">
@@ -12774,7 +12390,7 @@
         </p:nvSpPr>
         <p:spPr>
           <a:xfrm>
-            <a:off x="21258921" y="27168328"/>
+            <a:off x="21258921" y="27116622"/>
             <a:ext cx="5805487" cy="461665"/>
           </a:xfrm>
           <a:prstGeom prst="rect">
@@ -12794,7 +12410,7 @@
                   <a:srgbClr val="1155CC"/>
                 </a:solidFill>
                 <a:latin typeface="Arial" panose="020B0604020202020204" pitchFamily="34" charset="0"/>
-                <a:hlinkClick r:id="rId7"/>
+                <a:hlinkClick r:id="rId8"/>
               </a:rPr>
               <a:t>https://</a:t>
             </a:r>
@@ -12816,8 +12432,8 @@
         </p:nvSpPr>
         <p:spPr>
           <a:xfrm>
-            <a:off x="1326674" y="31662539"/>
-            <a:ext cx="18510354" cy="1477328"/>
+            <a:off x="1326674" y="31425997"/>
+            <a:ext cx="18510354" cy="1938992"/>
           </a:xfrm>
           <a:prstGeom prst="rect">
             <a:avLst/>
@@ -12831,6 +12447,9 @@
           <a:lstStyle/>
           <a:p>
             <a:pPr marL="457200" indent="-457200">
+              <a:spcAft>
+                <a:spcPts val="200"/>
+              </a:spcAft>
               <a:buClr>
                 <a:schemeClr val="accent3">
                   <a:lumMod val="75000"/>
@@ -12841,7 +12460,7 @@
               <a:buChar char="•"/>
             </a:pPr>
             <a:r>
-              <a:rPr lang="en-US" sz="3000" dirty="0">
+              <a:rPr lang="en-US" sz="2900" dirty="0">
                 <a:solidFill>
                   <a:schemeClr val="tx1">
                     <a:lumMod val="85000"/>
@@ -12856,6 +12475,9 @@
           </a:p>
           <a:p>
             <a:pPr marL="457200" indent="-457200">
+              <a:spcAft>
+                <a:spcPts val="200"/>
+              </a:spcAft>
               <a:buClr>
                 <a:schemeClr val="accent3">
                   <a:lumMod val="75000"/>
@@ -12866,7 +12488,7 @@
               <a:buChar char="•"/>
             </a:pPr>
             <a:r>
-              <a:rPr lang="en-US" sz="3000" dirty="0">
+              <a:rPr lang="en-US" sz="2900" dirty="0">
                 <a:solidFill>
                   <a:schemeClr val="tx1">
                     <a:lumMod val="85000"/>
@@ -12876,36 +12498,10 @@
                 <a:latin typeface="Arial" panose="020B0604020202020204" pitchFamily="34" charset="0"/>
                 <a:cs typeface="Arial" panose="020B0604020202020204" pitchFamily="34" charset="0"/>
               </a:rPr>
-              <a:t>BMI was the same except for: Div1 ≈ Div2 (confidence interval of difference: </a:t>
-            </a:r>
-            <a:r>
-              <a:rPr lang="el-GR" sz="3000">
-                <a:solidFill>
-                  <a:schemeClr val="tx1">
-                    <a:lumMod val="85000"/>
-                    <a:lumOff val="15000"/>
-                  </a:schemeClr>
-                </a:solidFill>
-                <a:latin typeface="Arial" panose="020B0604020202020204" pitchFamily="34" charset="0"/>
-                <a:cs typeface="Arial" panose="020B0604020202020204" pitchFamily="34" charset="0"/>
-              </a:rPr>
-              <a:t>−</a:t>
-            </a:r>
-            <a:r>
-              <a:rPr lang="en-AU" sz="3000" dirty="0">
-                <a:solidFill>
-                  <a:schemeClr val="tx1">
-                    <a:lumMod val="85000"/>
-                    <a:lumOff val="15000"/>
-                  </a:schemeClr>
-                </a:solidFill>
-                <a:latin typeface="Arial" panose="020B0604020202020204" pitchFamily="34" charset="0"/>
-                <a:cs typeface="Arial" panose="020B0604020202020204" pitchFamily="34" charset="0"/>
-              </a:rPr>
-              <a:t>0.2-2.6; </a:t>
-            </a:r>
-            <a:r>
-              <a:rPr lang="en-AU" sz="3000" i="1" dirty="0">
+              <a:t>Div2 had 3.8 cm lower waist circumference than DivNA (</a:t>
+            </a:r>
+            <a:r>
+              <a:rPr lang="en-US" sz="2900" i="1" dirty="0">
                 <a:solidFill>
                   <a:schemeClr val="tx1">
                     <a:lumMod val="85000"/>
@@ -12918,7 +12514,7 @@
               <a:t>p</a:t>
             </a:r>
             <a:r>
-              <a:rPr lang="en-AU" sz="3000">
+              <a:rPr lang="en-US" sz="2900" dirty="0">
                 <a:solidFill>
                   <a:schemeClr val="tx1">
                     <a:lumMod val="85000"/>
@@ -12928,10 +12524,10 @@
                 <a:latin typeface="Arial" panose="020B0604020202020204" pitchFamily="34" charset="0"/>
                 <a:cs typeface="Arial" panose="020B0604020202020204" pitchFamily="34" charset="0"/>
               </a:rPr>
-              <a:t>=0.07</a:t>
-            </a:r>
-            <a:r>
-              <a:rPr lang="en-US" sz="3000">
+              <a:t>&lt;0.001) and 3.4 cm lower than Div0 (</a:t>
+            </a:r>
+            <a:r>
+              <a:rPr lang="en-US" sz="2900" i="1" dirty="0">
                 <a:solidFill>
                   <a:schemeClr val="tx1">
                     <a:lumMod val="85000"/>
@@ -12941,21 +12537,27 @@
                 <a:latin typeface="Arial" panose="020B0604020202020204" pitchFamily="34" charset="0"/>
                 <a:cs typeface="Arial" panose="020B0604020202020204" pitchFamily="34" charset="0"/>
               </a:rPr>
-              <a:t>).</a:t>
-            </a:r>
-            <a:endParaRPr lang="en-US" sz="3000" dirty="0">
-              <a:solidFill>
-                <a:schemeClr val="tx1">
-                  <a:lumMod val="85000"/>
-                  <a:lumOff val="15000"/>
-                </a:schemeClr>
-              </a:solidFill>
-              <a:latin typeface="Arial" panose="020B0604020202020204" pitchFamily="34" charset="0"/>
-              <a:cs typeface="Arial" panose="020B0604020202020204" pitchFamily="34" charset="0"/>
-            </a:endParaRPr>
+              <a:t>p</a:t>
+            </a:r>
+            <a:r>
+              <a:rPr lang="en-US" sz="2900" dirty="0">
+                <a:solidFill>
+                  <a:schemeClr val="tx1">
+                    <a:lumMod val="85000"/>
+                    <a:lumOff val="15000"/>
+                  </a:schemeClr>
+                </a:solidFill>
+                <a:latin typeface="Arial" panose="020B0604020202020204" pitchFamily="34" charset="0"/>
+                <a:cs typeface="Arial" panose="020B0604020202020204" pitchFamily="34" charset="0"/>
+              </a:rPr>
+              <a:t>&lt;0.01).</a:t>
+            </a:r>
           </a:p>
           <a:p>
             <a:pPr marL="457200" indent="-457200">
+              <a:spcAft>
+                <a:spcPts val="200"/>
+              </a:spcAft>
               <a:buClr>
                 <a:schemeClr val="accent3">
                   <a:lumMod val="75000"/>
@@ -12966,7 +12568,61 @@
               <a:buChar char="•"/>
             </a:pPr>
             <a:r>
-              <a:rPr lang="en-US" sz="3000" dirty="0">
+              <a:rPr lang="en-US" sz="2900" dirty="0">
+                <a:solidFill>
+                  <a:schemeClr val="tx1">
+                    <a:lumMod val="85000"/>
+                    <a:lumOff val="15000"/>
+                  </a:schemeClr>
+                </a:solidFill>
+                <a:latin typeface="Arial" panose="020B0604020202020204" pitchFamily="34" charset="0"/>
+                <a:cs typeface="Arial" panose="020B0604020202020204" pitchFamily="34" charset="0"/>
+              </a:rPr>
+              <a:t>Div2 had 1.4 lower BMI than DivNA and Div0 (</a:t>
+            </a:r>
+            <a:r>
+              <a:rPr lang="en-US" sz="2900" i="1" dirty="0">
+                <a:solidFill>
+                  <a:schemeClr val="tx1">
+                    <a:lumMod val="85000"/>
+                    <a:lumOff val="15000"/>
+                  </a:schemeClr>
+                </a:solidFill>
+                <a:latin typeface="Arial" panose="020B0604020202020204" pitchFamily="34" charset="0"/>
+                <a:cs typeface="Arial" panose="020B0604020202020204" pitchFamily="34" charset="0"/>
+              </a:rPr>
+              <a:t>p</a:t>
+            </a:r>
+            <a:r>
+              <a:rPr lang="en-US" sz="2900" dirty="0">
+                <a:solidFill>
+                  <a:schemeClr val="tx1">
+                    <a:lumMod val="85000"/>
+                    <a:lumOff val="15000"/>
+                  </a:schemeClr>
+                </a:solidFill>
+                <a:latin typeface="Arial" panose="020B0604020202020204" pitchFamily="34" charset="0"/>
+                <a:cs typeface="Arial" panose="020B0604020202020204" pitchFamily="34" charset="0"/>
+              </a:rPr>
+              <a:t>&lt;0.01 for both).</a:t>
+            </a:r>
+          </a:p>
+          <a:p>
+            <a:pPr marL="457200" indent="-457200">
+              <a:spcAft>
+                <a:spcPts val="200"/>
+              </a:spcAft>
+              <a:buClr>
+                <a:schemeClr val="accent3">
+                  <a:lumMod val="75000"/>
+                </a:schemeClr>
+              </a:buClr>
+              <a:buSzPct val="130000"/>
+              <a:buFont typeface="Arial" panose="020B0604020202020204" pitchFamily="34" charset="0"/>
+              <a:buChar char="•"/>
+            </a:pPr>
+            <a:r>
+              <a:rPr lang="en-US" sz="2900" dirty="0">
                 <a:solidFill>
                   <a:schemeClr val="tx1">
                     <a:lumMod val="85000"/>
@@ -12983,10 +12639,10 @@
       </p:sp>
       <p:sp>
         <p:nvSpPr>
-          <p:cNvPr id="43" name="TextBox 42">
+          <p:cNvPr id="63" name="TextBox 62">
             <a:extLst>
               <a:ext uri="{FF2B5EF4-FFF2-40B4-BE49-F238E27FC236}">
-                <a16:creationId xmlns:a16="http://schemas.microsoft.com/office/drawing/2014/main" id="{2F322650-376B-37E8-09DA-2F113CD1A0C7}"/>
+                <a16:creationId xmlns:a16="http://schemas.microsoft.com/office/drawing/2014/main" id="{AB64E999-9451-81AF-50F4-B26674E63BB1}"/>
               </a:ext>
             </a:extLst>
           </p:cNvPr>
@@ -12995,8 +12651,8 @@
         </p:nvSpPr>
         <p:spPr>
           <a:xfrm>
-            <a:off x="7504213" y="39362231"/>
-            <a:ext cx="12996174" cy="840945"/>
+            <a:off x="1310962" y="33333647"/>
+            <a:ext cx="6097680" cy="5970865"/>
           </a:xfrm>
           <a:prstGeom prst="rect">
             <a:avLst/>
@@ -13009,7 +12665,299 @@
           </a:bodyPr>
           <a:lstStyle/>
           <a:p>
+            <a:pPr marL="457200" indent="-457200">
+              <a:spcAft>
+                <a:spcPts val="300"/>
+              </a:spcAft>
+              <a:buClr>
+                <a:schemeClr val="accent3">
+                  <a:lumMod val="75000"/>
+                </a:schemeClr>
+              </a:buClr>
+              <a:buSzPct val="130000"/>
+              <a:buFont typeface="Arial" panose="020B0604020202020204" pitchFamily="34" charset="0"/>
+              <a:buChar char="•"/>
+            </a:pPr>
+            <a:r>
+              <a:rPr lang="en-US" sz="2900">
+                <a:solidFill>
+                  <a:schemeClr val="tx1">
+                    <a:lumMod val="85000"/>
+                    <a:lumOff val="15000"/>
+                  </a:schemeClr>
+                </a:solidFill>
+                <a:latin typeface="Arial" panose="020B0604020202020204" pitchFamily="34" charset="0"/>
+                <a:cs typeface="Arial" panose="020B0604020202020204" pitchFamily="34" charset="0"/>
+              </a:rPr>
+              <a:t>Pulse intake in NHANES is associated with better quality diets [4]. Thus, nuts/seeds/ legumes diversity could be a useful index to explore the health-promoting effects of this food group.</a:t>
+            </a:r>
+            <a:endParaRPr lang="en-US" sz="2900" dirty="0">
+              <a:solidFill>
+                <a:schemeClr val="tx1">
+                  <a:lumMod val="85000"/>
+                  <a:lumOff val="15000"/>
+                </a:schemeClr>
+              </a:solidFill>
+              <a:latin typeface="Arial" panose="020B0604020202020204" pitchFamily="34" charset="0"/>
+              <a:cs typeface="Arial" panose="020B0604020202020204" pitchFamily="34" charset="0"/>
+            </a:endParaRPr>
+          </a:p>
+          <a:p>
+            <a:pPr marL="457200" indent="-457200">
+              <a:spcAft>
+                <a:spcPts val="300"/>
+              </a:spcAft>
+              <a:buClr>
+                <a:schemeClr val="accent3">
+                  <a:lumMod val="75000"/>
+                </a:schemeClr>
+              </a:buClr>
+              <a:buSzPct val="130000"/>
+              <a:buFont typeface="Arial" panose="020B0604020202020204" pitchFamily="34" charset="0"/>
+              <a:buChar char="•"/>
+            </a:pPr>
+            <a:r>
+              <a:rPr lang="en-US" sz="2900">
+                <a:solidFill>
+                  <a:schemeClr val="tx1">
+                    <a:lumMod val="85000"/>
+                    <a:lumOff val="15000"/>
+                  </a:schemeClr>
+                </a:solidFill>
+                <a:latin typeface="Arial" panose="020B0604020202020204" pitchFamily="34" charset="0"/>
+                <a:cs typeface="Arial" panose="020B0604020202020204" pitchFamily="34" charset="0"/>
+              </a:rPr>
+              <a:t>Physical exercise, drinking, </a:t>
+            </a:r>
+            <a:r>
+              <a:rPr lang="en-US" sz="2900" dirty="0">
+                <a:solidFill>
+                  <a:schemeClr val="tx1">
+                    <a:lumMod val="85000"/>
+                    <a:lumOff val="15000"/>
+                  </a:schemeClr>
+                </a:solidFill>
+                <a:latin typeface="Arial" panose="020B0604020202020204" pitchFamily="34" charset="0"/>
+                <a:cs typeface="Arial" panose="020B0604020202020204" pitchFamily="34" charset="0"/>
+              </a:rPr>
+              <a:t>and smoking </a:t>
+            </a:r>
+            <a:r>
+              <a:rPr lang="en-US" sz="2900">
+                <a:solidFill>
+                  <a:schemeClr val="tx1">
+                    <a:lumMod val="85000"/>
+                    <a:lumOff val="15000"/>
+                  </a:schemeClr>
+                </a:solidFill>
+                <a:latin typeface="Arial" panose="020B0604020202020204" pitchFamily="34" charset="0"/>
+                <a:cs typeface="Arial" panose="020B0604020202020204" pitchFamily="34" charset="0"/>
+              </a:rPr>
+              <a:t>habits may be confounders.</a:t>
+            </a:r>
+            <a:endParaRPr lang="en-US" sz="2900" dirty="0">
+              <a:solidFill>
+                <a:schemeClr val="tx1">
+                  <a:lumMod val="85000"/>
+                  <a:lumOff val="15000"/>
+                </a:schemeClr>
+              </a:solidFill>
+              <a:latin typeface="Arial" panose="020B0604020202020204" pitchFamily="34" charset="0"/>
+              <a:cs typeface="Arial" panose="020B0604020202020204" pitchFamily="34" charset="0"/>
+            </a:endParaRPr>
+          </a:p>
+          <a:p>
+            <a:pPr marL="457200" indent="-457200">
+              <a:spcAft>
+                <a:spcPts val="300"/>
+              </a:spcAft>
+              <a:buClr>
+                <a:schemeClr val="accent3">
+                  <a:lumMod val="75000"/>
+                </a:schemeClr>
+              </a:buClr>
+              <a:buSzPct val="130000"/>
+              <a:buFont typeface="Arial" panose="020B0604020202020204" pitchFamily="34" charset="0"/>
+              <a:buChar char="•"/>
+            </a:pPr>
+            <a:r>
+              <a:rPr lang="en-US" sz="2900">
+                <a:solidFill>
+                  <a:schemeClr val="tx1">
+                    <a:lumMod val="85000"/>
+                    <a:lumOff val="15000"/>
+                  </a:schemeClr>
+                </a:solidFill>
+                <a:latin typeface="Arial" panose="020B0604020202020204" pitchFamily="34" charset="0"/>
+                <a:cs typeface="Arial" panose="020B0604020202020204" pitchFamily="34" charset="0"/>
+              </a:rPr>
+              <a:t>2 day-data may have been </a:t>
+            </a:r>
+            <a:r>
+              <a:rPr lang="en-US" sz="2900" dirty="0">
+                <a:solidFill>
+                  <a:schemeClr val="tx1">
+                    <a:lumMod val="85000"/>
+                    <a:lumOff val="15000"/>
+                  </a:schemeClr>
+                </a:solidFill>
+                <a:latin typeface="Arial" panose="020B0604020202020204" pitchFamily="34" charset="0"/>
+                <a:cs typeface="Arial" panose="020B0604020202020204" pitchFamily="34" charset="0"/>
+              </a:rPr>
+              <a:t>insufficient to capture nuts/seeds/legumes diversity.</a:t>
+            </a:r>
+          </a:p>
+        </p:txBody>
+      </p:sp>
+      <p:pic>
+        <p:nvPicPr>
+          <p:cNvPr id="69" name="Graphic 68" descr="Weight Loss with solid fill">
+            <a:extLst>
+              <a:ext uri="{FF2B5EF4-FFF2-40B4-BE49-F238E27FC236}">
+                <a16:creationId xmlns:a16="http://schemas.microsoft.com/office/drawing/2014/main" id="{1262E031-BC08-AFBD-CE8A-2A2DE607FBC3}"/>
+              </a:ext>
+            </a:extLst>
+          </p:cNvPr>
+          <p:cNvPicPr>
+            <a:picLocks noChangeAspect="1"/>
+          </p:cNvPicPr>
+          <p:nvPr/>
+        </p:nvPicPr>
+        <p:blipFill>
+          <a:blip r:embed="rId13">
+            <a:extLst>
+              <a:ext uri="{28A0092B-C50C-407E-A947-70E740481C1C}">
+                <a14:useLocalDpi xmlns:a14="http://schemas.microsoft.com/office/drawing/2010/main" val="0"/>
+              </a:ext>
+              <a:ext uri="{96DAC541-7B7A-43D3-8B79-37D633B846F1}">
+                <asvg:svgBlip xmlns:asvg="http://schemas.microsoft.com/office/drawing/2016/SVG/main" r:embed="rId14"/>
+              </a:ext>
+            </a:extLst>
+          </a:blip>
+          <a:stretch>
+            <a:fillRect/>
+          </a:stretch>
+        </p:blipFill>
+        <p:spPr>
+          <a:xfrm rot="21069619">
+            <a:off x="18643894" y="24692008"/>
+            <a:ext cx="1071025" cy="1071025"/>
+          </a:xfrm>
+          <a:prstGeom prst="rect">
+            <a:avLst/>
+          </a:prstGeom>
+        </p:spPr>
+      </p:pic>
+      <p:pic>
+        <p:nvPicPr>
+          <p:cNvPr id="75" name="Graphic 74" descr="Alterations &amp; Tailoring outline">
+            <a:extLst>
+              <a:ext uri="{FF2B5EF4-FFF2-40B4-BE49-F238E27FC236}">
+                <a16:creationId xmlns:a16="http://schemas.microsoft.com/office/drawing/2014/main" id="{6C25C715-2B8C-99AE-B98F-4B59CE76718B}"/>
+              </a:ext>
+            </a:extLst>
+          </p:cNvPr>
+          <p:cNvPicPr>
+            <a:picLocks noChangeAspect="1"/>
+          </p:cNvPicPr>
+          <p:nvPr/>
+        </p:nvPicPr>
+        <p:blipFill>
+          <a:blip r:embed="rId15">
+            <a:extLst>
+              <a:ext uri="{28A0092B-C50C-407E-A947-70E740481C1C}">
+                <a14:useLocalDpi xmlns:a14="http://schemas.microsoft.com/office/drawing/2010/main" val="0"/>
+              </a:ext>
+              <a:ext uri="{96DAC541-7B7A-43D3-8B79-37D633B846F1}">
+                <asvg:svgBlip xmlns:asvg="http://schemas.microsoft.com/office/drawing/2016/SVG/main" r:embed="rId16"/>
+              </a:ext>
+            </a:extLst>
+          </a:blip>
+          <a:stretch>
+            <a:fillRect/>
+          </a:stretch>
+        </p:blipFill>
+        <p:spPr>
+          <a:xfrm rot="21005103">
+            <a:off x="19124838" y="23731789"/>
+            <a:ext cx="914400" cy="914400"/>
+          </a:xfrm>
+          <a:prstGeom prst="rect">
+            <a:avLst/>
+          </a:prstGeom>
+        </p:spPr>
+      </p:pic>
+      <p:pic>
+        <p:nvPicPr>
+          <p:cNvPr id="22" name="Graphic 21">
+            <a:extLst>
+              <a:ext uri="{FF2B5EF4-FFF2-40B4-BE49-F238E27FC236}">
+                <a16:creationId xmlns:a16="http://schemas.microsoft.com/office/drawing/2014/main" id="{F5EAA6B5-AF94-9269-1236-D8F0432591EE}"/>
+              </a:ext>
+            </a:extLst>
+          </p:cNvPr>
+          <p:cNvPicPr>
+            <a:picLocks noChangeAspect="1"/>
+          </p:cNvPicPr>
+          <p:nvPr/>
+        </p:nvPicPr>
+        <p:blipFill>
+          <a:blip r:embed="rId17">
+            <a:extLst>
+              <a:ext uri="{28A0092B-C50C-407E-A947-70E740481C1C}">
+                <a14:useLocalDpi xmlns:a14="http://schemas.microsoft.com/office/drawing/2010/main" val="0"/>
+              </a:ext>
+              <a:ext uri="{96DAC541-7B7A-43D3-8B79-37D633B846F1}">
+                <asvg:svgBlip xmlns:asvg="http://schemas.microsoft.com/office/drawing/2016/SVG/main" r:embed="rId18"/>
+              </a:ext>
+            </a:extLst>
+          </a:blip>
+          <a:stretch>
+            <a:fillRect/>
+          </a:stretch>
+        </p:blipFill>
+        <p:spPr>
+          <a:xfrm>
+            <a:off x="24470830" y="23349258"/>
+            <a:ext cx="815045" cy="815045"/>
+          </a:xfrm>
+          <a:prstGeom prst="rect">
+            <a:avLst/>
+          </a:prstGeom>
+        </p:spPr>
+      </p:pic>
+      <p:sp>
+        <p:nvSpPr>
+          <p:cNvPr id="12" name="TextBox 11">
+            <a:extLst>
+              <a:ext uri="{FF2B5EF4-FFF2-40B4-BE49-F238E27FC236}">
+                <a16:creationId xmlns:a16="http://schemas.microsoft.com/office/drawing/2014/main" id="{F5F30681-B389-FD63-DD7B-28A407814827}"/>
+              </a:ext>
+            </a:extLst>
+          </p:cNvPr>
+          <p:cNvSpPr txBox="1"/>
+          <p:nvPr/>
+        </p:nvSpPr>
+        <p:spPr>
+          <a:xfrm>
+            <a:off x="10902919" y="29327341"/>
+            <a:ext cx="9064799" cy="1569660"/>
+          </a:xfrm>
+          <a:prstGeom prst="rect">
+            <a:avLst/>
+          </a:prstGeom>
+          <a:noFill/>
+        </p:spPr>
+        <p:txBody>
+          <a:bodyPr wrap="square" rtlCol="0">
+            <a:spAutoFit/>
+          </a:bodyPr>
+          <a:lstStyle/>
+          <a:p>
             <a:pPr>
+              <a:spcAft>
+                <a:spcPts val="300"/>
+              </a:spcAft>
               <a:buClr>
                 <a:schemeClr val="accent3">
                   <a:lumMod val="75000"/>
@@ -13018,66 +12966,177 @@
               <a:buSzPct val="130000"/>
             </a:pPr>
             <a:r>
-              <a:rPr lang="en-US" sz="2400" b="1" dirty="0">
+              <a:rPr lang="en-AU" sz="2400" b="1" dirty="0">
                 <a:solidFill>
                   <a:schemeClr val="tx1">
-                    <a:lumMod val="75000"/>
-                    <a:lumOff val="25000"/>
+                    <a:lumMod val="85000"/>
+                    <a:lumOff val="15000"/>
                   </a:schemeClr>
                 </a:solidFill>
                 <a:latin typeface="Arial" panose="020B0604020202020204" pitchFamily="34" charset="0"/>
                 <a:cs typeface="Arial" panose="020B0604020202020204" pitchFamily="34" charset="0"/>
               </a:rPr>
-              <a:t>Figure 2: </a:t>
-            </a:r>
-            <a:r>
-              <a:rPr lang="en-US" sz="2400" dirty="0">
+              <a:t>Table 1:</a:t>
+            </a:r>
+            <a:r>
+              <a:rPr lang="en-AU" sz="2400" dirty="0">
                 <a:solidFill>
                   <a:schemeClr val="tx1">
-                    <a:lumMod val="75000"/>
-                    <a:lumOff val="25000"/>
+                    <a:lumMod val="85000"/>
+                    <a:lumOff val="15000"/>
                   </a:schemeClr>
                 </a:solidFill>
                 <a:latin typeface="Arial" panose="020B0604020202020204" pitchFamily="34" charset="0"/>
                 <a:cs typeface="Arial" panose="020B0604020202020204" pitchFamily="34" charset="0"/>
               </a:rPr>
-              <a:t>Bar charts showing Emmeans ± SE for ANCOVA models for (A) waist circumference and (B) KCAL; pairwise comparisons with no </a:t>
-            </a:r>
-            <a:r>
-              <a:rPr lang="en-US" sz="2400" i="1" dirty="0">
+              <a:t> </a:t>
+            </a:r>
+            <a:r>
+              <a:rPr lang="el-GR" sz="2400">
                 <a:solidFill>
                   <a:schemeClr val="tx1">
-                    <a:lumMod val="75000"/>
-                    <a:lumOff val="25000"/>
+                    <a:lumMod val="85000"/>
+                    <a:lumOff val="15000"/>
                   </a:schemeClr>
                 </a:solidFill>
                 <a:latin typeface="Arial" panose="020B0604020202020204" pitchFamily="34" charset="0"/>
                 <a:cs typeface="Arial" panose="020B0604020202020204" pitchFamily="34" charset="0"/>
               </a:rPr>
-              <a:t>p</a:t>
-            </a:r>
-            <a:r>
-              <a:rPr lang="en-US" sz="2400" dirty="0">
+              <a:t>α−</a:t>
+            </a:r>
+            <a:r>
+              <a:rPr lang="en-AU" sz="2400" dirty="0">
                 <a:solidFill>
                   <a:schemeClr val="tx1">
-                    <a:lumMod val="75000"/>
-                    <a:lumOff val="25000"/>
+                    <a:lumMod val="85000"/>
+                    <a:lumOff val="15000"/>
                   </a:schemeClr>
                 </a:solidFill>
                 <a:latin typeface="Arial" panose="020B0604020202020204" pitchFamily="34" charset="0"/>
                 <a:cs typeface="Arial" panose="020B0604020202020204" pitchFamily="34" charset="0"/>
               </a:rPr>
-              <a:t>-values are not significantly different.</a:t>
+              <a:t>diversity groups. DivNA represents no intake of nuts/seeds/legumes. Div0 are individuals who consumed 1 type of nuts/seeds/legumes. Div1 and Div2 consumed more than 1 type of nuts/seeds/legumes. </a:t>
+            </a:r>
+            <a:endParaRPr lang="en-AU" sz="2400" b="1" dirty="0">
+              <a:solidFill>
+                <a:schemeClr val="tx1">
+                  <a:lumMod val="85000"/>
+                  <a:lumOff val="15000"/>
+                </a:schemeClr>
+              </a:solidFill>
+              <a:latin typeface="Arial" panose="020B0604020202020204" pitchFamily="34" charset="0"/>
+              <a:cs typeface="Arial" panose="020B0604020202020204" pitchFamily="34" charset="0"/>
+            </a:endParaRPr>
+          </a:p>
+        </p:txBody>
+      </p:sp>
+      <p:sp>
+        <p:nvSpPr>
+          <p:cNvPr id="15" name="TextBox 14">
+            <a:extLst>
+              <a:ext uri="{FF2B5EF4-FFF2-40B4-BE49-F238E27FC236}">
+                <a16:creationId xmlns:a16="http://schemas.microsoft.com/office/drawing/2014/main" id="{D6F46FFA-0D84-2D64-34EA-7333A474EE0B}"/>
+              </a:ext>
+            </a:extLst>
+          </p:cNvPr>
+          <p:cNvSpPr txBox="1"/>
+          <p:nvPr/>
+        </p:nvSpPr>
+        <p:spPr>
+          <a:xfrm>
+            <a:off x="-4402627" y="33364989"/>
+            <a:ext cx="3914825" cy="584775"/>
+          </a:xfrm>
+          <a:prstGeom prst="homePlate">
+            <a:avLst/>
+          </a:prstGeom>
+          <a:solidFill>
+            <a:schemeClr val="accent4">
+              <a:lumMod val="40000"/>
+              <a:lumOff val="60000"/>
+            </a:schemeClr>
+          </a:solidFill>
+        </p:spPr>
+        <p:txBody>
+          <a:bodyPr wrap="square">
+            <a:spAutoFit/>
+          </a:bodyPr>
+          <a:lstStyle/>
+          <a:p>
+            <a:pPr defTabSz="3027487">
+              <a:defRPr/>
+            </a:pPr>
+            <a:r>
+              <a:rPr lang="en-GB" sz="3200" b="1" dirty="0">
+                <a:solidFill>
+                  <a:schemeClr val="tx1">
+                    <a:lumMod val="85000"/>
+                    <a:lumOff val="15000"/>
+                  </a:schemeClr>
+                </a:solidFill>
+                <a:latin typeface="Lucida Console" panose="020B0609040504020204" pitchFamily="49" charset="0"/>
+                <a:cs typeface="Arial" panose="020B0604020202020204" pitchFamily="34" charset="0"/>
+              </a:rPr>
+              <a:t>  Limitations</a:t>
+            </a:r>
+          </a:p>
+        </p:txBody>
+      </p:sp>
+      <p:sp>
+        <p:nvSpPr>
+          <p:cNvPr id="23" name="TextBox 22">
+            <a:extLst>
+              <a:ext uri="{FF2B5EF4-FFF2-40B4-BE49-F238E27FC236}">
+                <a16:creationId xmlns:a16="http://schemas.microsoft.com/office/drawing/2014/main" id="{2A8DAE09-4C65-6861-CD9E-78146668952D}"/>
+              </a:ext>
+            </a:extLst>
+          </p:cNvPr>
+          <p:cNvSpPr txBox="1"/>
+          <p:nvPr/>
+        </p:nvSpPr>
+        <p:spPr>
+          <a:xfrm rot="10800000">
+            <a:off x="29011787" y="4524688"/>
+            <a:ext cx="821031" cy="584775"/>
+          </a:xfrm>
+          <a:prstGeom prst="homePlate">
+            <a:avLst/>
+          </a:prstGeom>
+          <a:solidFill>
+            <a:srgbClr val="D8EBCD"/>
+          </a:solidFill>
+        </p:spPr>
+        <p:txBody>
+          <a:bodyPr wrap="square">
+            <a:spAutoFit/>
+          </a:bodyPr>
+          <a:lstStyle/>
+          <a:p>
+            <a:pPr defTabSz="3027487">
+              <a:defRPr/>
+            </a:pPr>
+            <a:r>
+              <a:rPr lang="en-GB" sz="3200" b="1" dirty="0">
+                <a:solidFill>
+                  <a:schemeClr val="tx1">
+                    <a:lumMod val="85000"/>
+                    <a:lumOff val="15000"/>
+                  </a:schemeClr>
+                </a:solidFill>
+                <a:latin typeface="Lucida Console" panose="020B0609040504020204" pitchFamily="49" charset="0"/>
+                <a:cs typeface="Arial" panose="020B0604020202020204" pitchFamily="34" charset="0"/>
+              </a:rPr>
+              <a:t>  </a:t>
             </a:r>
           </a:p>
         </p:txBody>
       </p:sp>
       <p:grpSp>
         <p:nvGrpSpPr>
-          <p:cNvPr id="61" name="Group 60">
+          <p:cNvPr id="44" name="Group 43">
             <a:extLst>
               <a:ext uri="{FF2B5EF4-FFF2-40B4-BE49-F238E27FC236}">
-                <a16:creationId xmlns:a16="http://schemas.microsoft.com/office/drawing/2014/main" id="{9A616480-4108-2600-3E6B-8049A0EE2009}"/>
+                <a16:creationId xmlns:a16="http://schemas.microsoft.com/office/drawing/2014/main" id="{45C713E8-8F71-C181-DBA3-91E244B90F24}"/>
               </a:ext>
             </a:extLst>
           </p:cNvPr>
@@ -13086,18 +13145,164 @@
         </p:nvGrpSpPr>
         <p:grpSpPr>
           <a:xfrm>
-            <a:off x="7401714" y="33777938"/>
-            <a:ext cx="6378780" cy="5554754"/>
-            <a:chOff x="1755570" y="32169043"/>
-            <a:chExt cx="6378780" cy="5554754"/>
+            <a:off x="879679" y="39316157"/>
+            <a:ext cx="3909718" cy="972388"/>
+            <a:chOff x="831860" y="39270312"/>
+            <a:chExt cx="4496664" cy="1118367"/>
+          </a:xfrm>
+        </p:grpSpPr>
+        <p:sp>
+          <p:nvSpPr>
+            <p:cNvPr id="24" name="Rectangle 23">
+              <a:extLst>
+                <a:ext uri="{FF2B5EF4-FFF2-40B4-BE49-F238E27FC236}">
+                  <a16:creationId xmlns:a16="http://schemas.microsoft.com/office/drawing/2014/main" id="{D4B39FE3-1CD7-799F-9022-4E6FAF36174C}"/>
+                </a:ext>
+              </a:extLst>
+            </p:cNvPr>
+            <p:cNvSpPr/>
+            <p:nvPr/>
+          </p:nvSpPr>
+          <p:spPr>
+            <a:xfrm>
+              <a:off x="962773" y="39382073"/>
+              <a:ext cx="4365751" cy="896483"/>
+            </a:xfrm>
+            <a:prstGeom prst="rect">
+              <a:avLst/>
+            </a:prstGeom>
+            <a:solidFill>
+              <a:schemeClr val="bg1"/>
+            </a:solidFill>
+            <a:ln>
+              <a:noFill/>
+            </a:ln>
+          </p:spPr>
+          <p:style>
+            <a:lnRef idx="2">
+              <a:schemeClr val="accent1">
+                <a:shade val="50000"/>
+              </a:schemeClr>
+            </a:lnRef>
+            <a:fillRef idx="1">
+              <a:schemeClr val="accent1"/>
+            </a:fillRef>
+            <a:effectRef idx="0">
+              <a:schemeClr val="accent1"/>
+            </a:effectRef>
+            <a:fontRef idx="minor">
+              <a:schemeClr val="lt1"/>
+            </a:fontRef>
+          </p:style>
+          <p:txBody>
+            <a:bodyPr rtlCol="0" anchor="ctr"/>
+            <a:lstStyle/>
+            <a:p>
+              <a:pPr algn="ctr"/>
+              <a:endParaRPr lang="en-AU" dirty="0">
+                <a:latin typeface="Arial" panose="020B0604020202020204" pitchFamily="34" charset="0"/>
+                <a:cs typeface="Arial" panose="020B0604020202020204" pitchFamily="34" charset="0"/>
+              </a:endParaRPr>
+            </a:p>
+          </p:txBody>
+        </p:sp>
+        <p:pic>
+          <p:nvPicPr>
+            <p:cNvPr id="28" name="Picture 27" descr="Shape&#10;&#10;Description automatically generated">
+              <a:extLst>
+                <a:ext uri="{FF2B5EF4-FFF2-40B4-BE49-F238E27FC236}">
+                  <a16:creationId xmlns:a16="http://schemas.microsoft.com/office/drawing/2014/main" id="{7E003BDE-F26E-8538-C0A4-991A8B73943F}"/>
+                </a:ext>
+              </a:extLst>
+            </p:cNvPr>
+            <p:cNvPicPr>
+              <a:picLocks noChangeAspect="1"/>
+            </p:cNvPicPr>
+            <p:nvPr/>
+          </p:nvPicPr>
+          <p:blipFill rotWithShape="1">
+            <a:blip r:embed="rId19">
+              <a:extLst>
+                <a:ext uri="{28A0092B-C50C-407E-A947-70E740481C1C}">
+                  <a14:useLocalDpi xmlns:a14="http://schemas.microsoft.com/office/drawing/2010/main" val="0"/>
+                </a:ext>
+              </a:extLst>
+            </a:blip>
+            <a:srcRect b="31344"/>
+            <a:stretch/>
+          </p:blipFill>
+          <p:spPr>
+            <a:xfrm>
+              <a:off x="831860" y="39356831"/>
+              <a:ext cx="1253125" cy="1024817"/>
+            </a:xfrm>
+            <a:prstGeom prst="rect">
+              <a:avLst/>
+            </a:prstGeom>
+          </p:spPr>
+        </p:pic>
+        <p:pic>
+          <p:nvPicPr>
+            <p:cNvPr id="40" name="Picture 39" descr="Shape&#10;&#10;Description automatically generated">
+              <a:extLst>
+                <a:ext uri="{FF2B5EF4-FFF2-40B4-BE49-F238E27FC236}">
+                  <a16:creationId xmlns:a16="http://schemas.microsoft.com/office/drawing/2014/main" id="{E5E351A6-DFBB-B0DC-0902-209551451312}"/>
+                </a:ext>
+              </a:extLst>
+            </p:cNvPr>
+            <p:cNvPicPr>
+              <a:picLocks noChangeAspect="1"/>
+            </p:cNvPicPr>
+            <p:nvPr/>
+          </p:nvPicPr>
+          <p:blipFill rotWithShape="1">
+            <a:blip r:embed="rId19">
+              <a:extLst>
+                <a:ext uri="{28A0092B-C50C-407E-A947-70E740481C1C}">
+                  <a14:useLocalDpi xmlns:a14="http://schemas.microsoft.com/office/drawing/2010/main" val="0"/>
+                </a:ext>
+              </a:extLst>
+            </a:blip>
+            <a:srcRect t="66071"/>
+            <a:stretch/>
+          </p:blipFill>
+          <p:spPr>
+            <a:xfrm>
+              <a:off x="2075722" y="39270312"/>
+              <a:ext cx="2767160" cy="1118367"/>
+            </a:xfrm>
+            <a:prstGeom prst="rect">
+              <a:avLst/>
+            </a:prstGeom>
+          </p:spPr>
+        </p:pic>
+      </p:grpSp>
+      <p:grpSp>
+        <p:nvGrpSpPr>
+          <p:cNvPr id="60" name="Group 59">
+            <a:extLst>
+              <a:ext uri="{FF2B5EF4-FFF2-40B4-BE49-F238E27FC236}">
+                <a16:creationId xmlns:a16="http://schemas.microsoft.com/office/drawing/2014/main" id="{EFB4AC10-8779-30D0-7F06-9B12E471939D}"/>
+              </a:ext>
+            </a:extLst>
+          </p:cNvPr>
+          <p:cNvGrpSpPr/>
+          <p:nvPr/>
+        </p:nvGrpSpPr>
+        <p:grpSpPr>
+          <a:xfrm>
+            <a:off x="7460075" y="33567016"/>
+            <a:ext cx="13040312" cy="6626000"/>
+            <a:chOff x="7460075" y="33567016"/>
+            <a:chExt cx="13040312" cy="6626000"/>
           </a:xfrm>
         </p:grpSpPr>
         <p:graphicFrame>
           <p:nvGraphicFramePr>
-            <p:cNvPr id="42" name="Chart 41">
+            <p:cNvPr id="55" name="Chart 54">
               <a:extLst>
                 <a:ext uri="{FF2B5EF4-FFF2-40B4-BE49-F238E27FC236}">
-                  <a16:creationId xmlns:a16="http://schemas.microsoft.com/office/drawing/2014/main" id="{AE7405E0-8F3D-0A59-0DF4-74E398A0D401}"/>
+                  <a16:creationId xmlns:a16="http://schemas.microsoft.com/office/drawing/2014/main" id="{4D535927-A1F8-4FFC-A1B7-6297A959B02A}"/>
                 </a:ext>
               </a:extLst>
             </p:cNvPr>
@@ -13107,18 +13312,48 @@
             <p:nvPr>
               <p:extLst>
                 <p:ext uri="{D42A27DB-BD31-4B8C-83A1-F6EECF244321}">
-                  <p14:modId xmlns:p14="http://schemas.microsoft.com/office/powerpoint/2010/main" val="828613778"/>
+                  <p14:modId xmlns:p14="http://schemas.microsoft.com/office/powerpoint/2010/main" val="3987744188"/>
                 </p:ext>
               </p:extLst>
             </p:nvPr>
           </p:nvGraphicFramePr>
           <p:xfrm>
-            <a:off x="1755570" y="32169043"/>
-            <a:ext cx="6378780" cy="5554754"/>
+            <a:off x="7460075" y="33629870"/>
+            <a:ext cx="6411771" cy="5539018"/>
           </p:xfrm>
           <a:graphic>
             <a:graphicData uri="http://schemas.openxmlformats.org/drawingml/2006/chart">
-              <c:chart xmlns:c="http://schemas.openxmlformats.org/drawingml/2006/chart" xmlns:r="http://schemas.openxmlformats.org/officeDocument/2006/relationships" r:id="rId13"/>
+              <c:chart xmlns:c="http://schemas.openxmlformats.org/drawingml/2006/chart" xmlns:r="http://schemas.openxmlformats.org/officeDocument/2006/relationships" r:id="rId20"/>
+            </a:graphicData>
+          </a:graphic>
+        </p:graphicFrame>
+        <p:graphicFrame>
+          <p:nvGraphicFramePr>
+            <p:cNvPr id="45" name="Chart 44">
+              <a:extLst>
+                <a:ext uri="{FF2B5EF4-FFF2-40B4-BE49-F238E27FC236}">
+                  <a16:creationId xmlns:a16="http://schemas.microsoft.com/office/drawing/2014/main" id="{1DCFE03F-C47B-4B91-B798-11BFFC114D90}"/>
+                </a:ext>
+              </a:extLst>
+            </p:cNvPr>
+            <p:cNvGraphicFramePr>
+              <a:graphicFrameLocks/>
+            </p:cNvGraphicFramePr>
+            <p:nvPr>
+              <p:extLst>
+                <p:ext uri="{D42A27DB-BD31-4B8C-83A1-F6EECF244321}">
+                  <p14:modId xmlns:p14="http://schemas.microsoft.com/office/powerpoint/2010/main" val="1034805545"/>
+                </p:ext>
+              </p:extLst>
+            </p:nvPr>
+          </p:nvGraphicFramePr>
+          <p:xfrm>
+            <a:off x="14048665" y="33629870"/>
+            <a:ext cx="6411771" cy="5539018"/>
+          </p:xfrm>
+          <a:graphic>
+            <a:graphicData uri="http://schemas.openxmlformats.org/drawingml/2006/chart">
+              <c:chart xmlns:c="http://schemas.openxmlformats.org/drawingml/2006/chart" xmlns:r="http://schemas.openxmlformats.org/officeDocument/2006/relationships" r:id="rId21"/>
             </a:graphicData>
           </a:graphic>
         </p:graphicFrame>
@@ -13136,8 +13371,8 @@
           </p:nvSpPr>
           <p:spPr>
             <a:xfrm rot="5400000">
-              <a:off x="6683999" y="33586174"/>
-              <a:ext cx="189006" cy="1282144"/>
+              <a:off x="12499759" y="34546540"/>
+              <a:ext cx="189006" cy="1463040"/>
             </a:xfrm>
             <a:prstGeom prst="leftBracket">
               <a:avLst/>
@@ -13169,58 +13404,6 @@
         </p:sp>
         <p:sp>
           <p:nvSpPr>
-            <p:cNvPr id="48" name="TextBox 47">
-              <a:extLst>
-                <a:ext uri="{FF2B5EF4-FFF2-40B4-BE49-F238E27FC236}">
-                  <a16:creationId xmlns:a16="http://schemas.microsoft.com/office/drawing/2014/main" id="{C25D8AD9-F0C7-EFC3-59CF-1D1C1D43FEF2}"/>
-                </a:ext>
-              </a:extLst>
-            </p:cNvPr>
-            <p:cNvSpPr txBox="1"/>
-            <p:nvPr/>
-          </p:nvSpPr>
-          <p:spPr>
-            <a:xfrm>
-              <a:off x="5260001" y="33183896"/>
-              <a:ext cx="1754858" cy="461665"/>
-            </a:xfrm>
-            <a:prstGeom prst="rect">
-              <a:avLst/>
-            </a:prstGeom>
-            <a:noFill/>
-          </p:spPr>
-          <p:txBody>
-            <a:bodyPr wrap="square" rtlCol="0">
-              <a:spAutoFit/>
-            </a:bodyPr>
-            <a:lstStyle/>
-            <a:p>
-              <a:pPr algn="ctr">
-                <a:buClr>
-                  <a:schemeClr val="accent3">
-                    <a:lumMod val="75000"/>
-                  </a:schemeClr>
-                </a:buClr>
-                <a:buSzPct val="130000"/>
-              </a:pPr>
-              <a:r>
-                <a:rPr lang="en-US" sz="2400" dirty="0">
-                  <a:solidFill>
-                    <a:schemeClr val="tx1">
-                      <a:lumMod val="65000"/>
-                      <a:lumOff val="35000"/>
-                    </a:schemeClr>
-                  </a:solidFill>
-                  <a:latin typeface="Arial" panose="020B0604020202020204" pitchFamily="34" charset="0"/>
-                  <a:cs typeface="Arial" panose="020B0604020202020204" pitchFamily="34" charset="0"/>
-                </a:rPr>
-                <a:t>&lt; 0.0001</a:t>
-              </a:r>
-            </a:p>
-          </p:txBody>
-        </p:sp>
-        <p:sp>
-          <p:nvSpPr>
             <p:cNvPr id="49" name="Left Bracket 48">
               <a:extLst>
                 <a:ext uri="{FF2B5EF4-FFF2-40B4-BE49-F238E27FC236}">
@@ -13233,7 +13416,7 @@
           </p:nvSpPr>
           <p:spPr>
             <a:xfrm rot="5400000">
-              <a:off x="6044911" y="32409418"/>
+              <a:off x="11951119" y="33508359"/>
               <a:ext cx="189006" cy="2560320"/>
             </a:xfrm>
             <a:prstGeom prst="leftBracket">
@@ -13266,58 +13449,6 @@
         </p:sp>
         <p:sp>
           <p:nvSpPr>
-            <p:cNvPr id="50" name="TextBox 49">
-              <a:extLst>
-                <a:ext uri="{FF2B5EF4-FFF2-40B4-BE49-F238E27FC236}">
-                  <a16:creationId xmlns:a16="http://schemas.microsoft.com/office/drawing/2014/main" id="{EA8C56F0-BF9C-9382-F6F4-0674593C60C1}"/>
-                </a:ext>
-              </a:extLst>
-            </p:cNvPr>
-            <p:cNvSpPr txBox="1"/>
-            <p:nvPr/>
-          </p:nvSpPr>
-          <p:spPr>
-            <a:xfrm>
-              <a:off x="4667625" y="32643363"/>
-              <a:ext cx="1754858" cy="461665"/>
-            </a:xfrm>
-            <a:prstGeom prst="rect">
-              <a:avLst/>
-            </a:prstGeom>
-            <a:noFill/>
-          </p:spPr>
-          <p:txBody>
-            <a:bodyPr wrap="square" rtlCol="0">
-              <a:spAutoFit/>
-            </a:bodyPr>
-            <a:lstStyle/>
-            <a:p>
-              <a:pPr algn="ctr">
-                <a:buClr>
-                  <a:schemeClr val="accent3">
-                    <a:lumMod val="75000"/>
-                  </a:schemeClr>
-                </a:buClr>
-                <a:buSzPct val="130000"/>
-              </a:pPr>
-              <a:r>
-                <a:rPr lang="en-US" sz="2400" dirty="0">
-                  <a:solidFill>
-                    <a:schemeClr val="tx1">
-                      <a:lumMod val="65000"/>
-                      <a:lumOff val="35000"/>
-                    </a:schemeClr>
-                  </a:solidFill>
-                  <a:latin typeface="Arial" panose="020B0604020202020204" pitchFamily="34" charset="0"/>
-                  <a:cs typeface="Arial" panose="020B0604020202020204" pitchFamily="34" charset="0"/>
-                </a:rPr>
-                <a:t>&lt; 0.0001</a:t>
-              </a:r>
-            </a:p>
-          </p:txBody>
-        </p:sp>
-        <p:sp>
-          <p:nvSpPr>
             <p:cNvPr id="51" name="Left Bracket 50">
               <a:extLst>
                 <a:ext uri="{FF2B5EF4-FFF2-40B4-BE49-F238E27FC236}">
@@ -13330,7 +13461,7 @@
           </p:nvSpPr>
           <p:spPr>
             <a:xfrm rot="5400000">
-              <a:off x="5450551" y="31296213"/>
+              <a:off x="11356759" y="32491410"/>
               <a:ext cx="189006" cy="3749040"/>
             </a:xfrm>
             <a:prstGeom prst="leftBracket">
@@ -13363,10 +13494,10 @@
         </p:sp>
         <p:sp>
           <p:nvSpPr>
-            <p:cNvPr id="52" name="TextBox 51">
+            <p:cNvPr id="7" name="TextBox 6">
               <a:extLst>
                 <a:ext uri="{FF2B5EF4-FFF2-40B4-BE49-F238E27FC236}">
-                  <a16:creationId xmlns:a16="http://schemas.microsoft.com/office/drawing/2014/main" id="{A764576E-4576-A9A2-09C1-6CF4C57BD0EE}"/>
+                  <a16:creationId xmlns:a16="http://schemas.microsoft.com/office/drawing/2014/main" id="{78BB649A-5C07-01FB-D4FC-819E0AAC6C99}"/>
                 </a:ext>
               </a:extLst>
             </p:cNvPr>
@@ -13375,7 +13506,7 @@
           </p:nvSpPr>
           <p:spPr>
             <a:xfrm>
-              <a:off x="5901073" y="33735953"/>
+              <a:off x="17597744" y="34762615"/>
               <a:ext cx="1754858" cy="461665"/>
             </a:xfrm>
             <a:prstGeom prst="rect">
@@ -13398,7 +13529,20 @@
                 <a:buSzPct val="130000"/>
               </a:pPr>
               <a:r>
-                <a:rPr lang="en-US" sz="2400" dirty="0">
+                <a:rPr lang="en-US" sz="2400">
+                  <a:solidFill>
+                    <a:schemeClr val="tx1">
+                      <a:lumMod val="85000"/>
+                      <a:lumOff val="15000"/>
+                    </a:schemeClr>
+                  </a:solidFill>
+                  <a:latin typeface="Arial" panose="020B0604020202020204" pitchFamily="34" charset="0"/>
+                  <a:cs typeface="Arial" panose="020B0604020202020204" pitchFamily="34" charset="0"/>
+                </a:rPr>
+                <a:t>−1.4 </a:t>
+              </a:r>
+              <a:r>
+                <a:rPr lang="en-US" sz="2400">
                   <a:solidFill>
                     <a:schemeClr val="tx1">
                       <a:lumMod val="65000"/>
@@ -13408,7 +13552,668 @@
                   <a:latin typeface="Arial" panose="020B0604020202020204" pitchFamily="34" charset="0"/>
                   <a:cs typeface="Arial" panose="020B0604020202020204" pitchFamily="34" charset="0"/>
                 </a:rPr>
-                <a:t>0.04</a:t>
+                <a:t>**</a:t>
+              </a:r>
+              <a:endParaRPr lang="en-US" sz="2400" dirty="0">
+                <a:solidFill>
+                  <a:schemeClr val="tx1">
+                    <a:lumMod val="65000"/>
+                    <a:lumOff val="35000"/>
+                  </a:schemeClr>
+                </a:solidFill>
+                <a:latin typeface="Arial" panose="020B0604020202020204" pitchFamily="34" charset="0"/>
+                <a:cs typeface="Arial" panose="020B0604020202020204" pitchFamily="34" charset="0"/>
+              </a:endParaRPr>
+            </a:p>
+          </p:txBody>
+        </p:sp>
+        <p:sp>
+          <p:nvSpPr>
+            <p:cNvPr id="8" name="Left Bracket 7">
+              <a:extLst>
+                <a:ext uri="{FF2B5EF4-FFF2-40B4-BE49-F238E27FC236}">
+                  <a16:creationId xmlns:a16="http://schemas.microsoft.com/office/drawing/2014/main" id="{B21C22B8-D487-A195-285A-E8F4B166AC29}"/>
+                </a:ext>
+              </a:extLst>
+            </p:cNvPr>
+            <p:cNvSpPr/>
+            <p:nvPr/>
+          </p:nvSpPr>
+          <p:spPr>
+            <a:xfrm rot="5400000">
+              <a:off x="18382654" y="33988136"/>
+              <a:ext cx="189006" cy="2560320"/>
+            </a:xfrm>
+            <a:prstGeom prst="leftBracket">
+              <a:avLst/>
+            </a:prstGeom>
+            <a:ln w="22225">
+              <a:solidFill>
+                <a:schemeClr val="accent5">
+                  <a:lumMod val="90000"/>
+                </a:schemeClr>
+              </a:solidFill>
+            </a:ln>
+          </p:spPr>
+          <p:style>
+            <a:lnRef idx="1">
+              <a:schemeClr val="accent1"/>
+            </a:lnRef>
+            <a:fillRef idx="0">
+              <a:schemeClr val="accent1"/>
+            </a:fillRef>
+            <a:effectRef idx="0">
+              <a:schemeClr val="accent1"/>
+            </a:effectRef>
+            <a:fontRef idx="minor">
+              <a:schemeClr val="tx1"/>
+            </a:fontRef>
+          </p:style>
+          <p:txBody>
+            <a:bodyPr rtlCol="0" anchor="ctr"/>
+            <a:lstStyle/>
+            <a:p>
+              <a:pPr algn="ctr"/>
+              <a:endParaRPr lang="en-US" dirty="0"/>
+            </a:p>
+          </p:txBody>
+        </p:sp>
+        <p:sp>
+          <p:nvSpPr>
+            <p:cNvPr id="9" name="TextBox 8">
+              <a:extLst>
+                <a:ext uri="{FF2B5EF4-FFF2-40B4-BE49-F238E27FC236}">
+                  <a16:creationId xmlns:a16="http://schemas.microsoft.com/office/drawing/2014/main" id="{EFF95C0A-29A4-AC70-68F1-B8387A37400C}"/>
+                </a:ext>
+              </a:extLst>
+            </p:cNvPr>
+            <p:cNvSpPr txBox="1"/>
+            <p:nvPr/>
+          </p:nvSpPr>
+          <p:spPr>
+            <a:xfrm>
+              <a:off x="17005368" y="34098987"/>
+              <a:ext cx="1754858" cy="461665"/>
+            </a:xfrm>
+            <a:prstGeom prst="rect">
+              <a:avLst/>
+            </a:prstGeom>
+            <a:noFill/>
+          </p:spPr>
+          <p:txBody>
+            <a:bodyPr wrap="square" rtlCol="0">
+              <a:spAutoFit/>
+            </a:bodyPr>
+            <a:lstStyle/>
+            <a:p>
+              <a:pPr algn="ctr">
+                <a:buClr>
+                  <a:schemeClr val="accent3">
+                    <a:lumMod val="75000"/>
+                  </a:schemeClr>
+                </a:buClr>
+                <a:buSzPct val="130000"/>
+              </a:pPr>
+              <a:r>
+                <a:rPr lang="en-US" sz="2400">
+                  <a:solidFill>
+                    <a:schemeClr val="tx1">
+                      <a:lumMod val="85000"/>
+                      <a:lumOff val="15000"/>
+                    </a:schemeClr>
+                  </a:solidFill>
+                  <a:latin typeface="Arial" panose="020B0604020202020204" pitchFamily="34" charset="0"/>
+                  <a:cs typeface="Arial" panose="020B0604020202020204" pitchFamily="34" charset="0"/>
+                </a:rPr>
+                <a:t>−1.4 </a:t>
+              </a:r>
+              <a:r>
+                <a:rPr lang="en-US" sz="2400">
+                  <a:solidFill>
+                    <a:schemeClr val="tx1">
+                      <a:lumMod val="65000"/>
+                      <a:lumOff val="35000"/>
+                    </a:schemeClr>
+                  </a:solidFill>
+                  <a:latin typeface="Arial" panose="020B0604020202020204" pitchFamily="34" charset="0"/>
+                  <a:cs typeface="Arial" panose="020B0604020202020204" pitchFamily="34" charset="0"/>
+                </a:rPr>
+                <a:t>**</a:t>
+              </a:r>
+              <a:endParaRPr lang="en-US" sz="2400" dirty="0">
+                <a:solidFill>
+                  <a:schemeClr val="tx1">
+                    <a:lumMod val="65000"/>
+                    <a:lumOff val="35000"/>
+                  </a:schemeClr>
+                </a:solidFill>
+                <a:latin typeface="Arial" panose="020B0604020202020204" pitchFamily="34" charset="0"/>
+                <a:cs typeface="Arial" panose="020B0604020202020204" pitchFamily="34" charset="0"/>
+              </a:endParaRPr>
+            </a:p>
+          </p:txBody>
+        </p:sp>
+        <p:sp>
+          <p:nvSpPr>
+            <p:cNvPr id="10" name="Left Bracket 9">
+              <a:extLst>
+                <a:ext uri="{FF2B5EF4-FFF2-40B4-BE49-F238E27FC236}">
+                  <a16:creationId xmlns:a16="http://schemas.microsoft.com/office/drawing/2014/main" id="{7E611113-E16D-3E37-7FEB-E3167B1045F6}"/>
+                </a:ext>
+              </a:extLst>
+            </p:cNvPr>
+            <p:cNvSpPr/>
+            <p:nvPr/>
+          </p:nvSpPr>
+          <p:spPr>
+            <a:xfrm rot="5400000">
+              <a:off x="17788294" y="32751836"/>
+              <a:ext cx="189006" cy="3749040"/>
+            </a:xfrm>
+            <a:prstGeom prst="leftBracket">
+              <a:avLst/>
+            </a:prstGeom>
+            <a:ln w="22225">
+              <a:solidFill>
+                <a:schemeClr val="accent5">
+                  <a:lumMod val="90000"/>
+                </a:schemeClr>
+              </a:solidFill>
+            </a:ln>
+          </p:spPr>
+          <p:style>
+            <a:lnRef idx="1">
+              <a:schemeClr val="accent1"/>
+            </a:lnRef>
+            <a:fillRef idx="0">
+              <a:schemeClr val="accent1"/>
+            </a:fillRef>
+            <a:effectRef idx="0">
+              <a:schemeClr val="accent1"/>
+            </a:effectRef>
+            <a:fontRef idx="minor">
+              <a:schemeClr val="tx1"/>
+            </a:fontRef>
+          </p:style>
+          <p:txBody>
+            <a:bodyPr rtlCol="0" anchor="ctr"/>
+            <a:lstStyle/>
+            <a:p>
+              <a:pPr algn="ctr"/>
+              <a:endParaRPr lang="en-US" dirty="0"/>
+            </a:p>
+          </p:txBody>
+        </p:sp>
+        <p:sp>
+          <p:nvSpPr>
+            <p:cNvPr id="18" name="TextBox 17">
+              <a:extLst>
+                <a:ext uri="{FF2B5EF4-FFF2-40B4-BE49-F238E27FC236}">
+                  <a16:creationId xmlns:a16="http://schemas.microsoft.com/office/drawing/2014/main" id="{A012D5DD-18E1-6061-F0D2-B8CED78E00FC}"/>
+                </a:ext>
+              </a:extLst>
+            </p:cNvPr>
+            <p:cNvSpPr txBox="1"/>
+            <p:nvPr/>
+          </p:nvSpPr>
+          <p:spPr>
+            <a:xfrm>
+              <a:off x="7504213" y="33567016"/>
+              <a:ext cx="669455" cy="523220"/>
+            </a:xfrm>
+            <a:prstGeom prst="rect">
+              <a:avLst/>
+            </a:prstGeom>
+            <a:noFill/>
+          </p:spPr>
+          <p:txBody>
+            <a:bodyPr wrap="square" rtlCol="0">
+              <a:spAutoFit/>
+            </a:bodyPr>
+            <a:lstStyle/>
+            <a:p>
+              <a:r>
+                <a:rPr lang="en-US" sz="2800" b="1" dirty="0">
+                  <a:latin typeface="Arial" panose="020B0604020202020204" pitchFamily="34" charset="0"/>
+                  <a:cs typeface="Arial" panose="020B0604020202020204" pitchFamily="34" charset="0"/>
+                </a:rPr>
+                <a:t>A</a:t>
+              </a:r>
+              <a:endParaRPr lang="en-US" b="1" dirty="0">
+                <a:latin typeface="Arial" panose="020B0604020202020204" pitchFamily="34" charset="0"/>
+                <a:cs typeface="Arial" panose="020B0604020202020204" pitchFamily="34" charset="0"/>
+              </a:endParaRPr>
+            </a:p>
+          </p:txBody>
+        </p:sp>
+        <p:sp>
+          <p:nvSpPr>
+            <p:cNvPr id="21" name="TextBox 20">
+              <a:extLst>
+                <a:ext uri="{FF2B5EF4-FFF2-40B4-BE49-F238E27FC236}">
+                  <a16:creationId xmlns:a16="http://schemas.microsoft.com/office/drawing/2014/main" id="{430C162C-BCE6-ED77-A829-B474C998F443}"/>
+                </a:ext>
+              </a:extLst>
+            </p:cNvPr>
+            <p:cNvSpPr txBox="1"/>
+            <p:nvPr/>
+          </p:nvSpPr>
+          <p:spPr>
+            <a:xfrm>
+              <a:off x="14084480" y="33567016"/>
+              <a:ext cx="669455" cy="523220"/>
+            </a:xfrm>
+            <a:prstGeom prst="rect">
+              <a:avLst/>
+            </a:prstGeom>
+            <a:noFill/>
+          </p:spPr>
+          <p:txBody>
+            <a:bodyPr wrap="square" rtlCol="0">
+              <a:spAutoFit/>
+            </a:bodyPr>
+            <a:lstStyle/>
+            <a:p>
+              <a:r>
+                <a:rPr lang="en-US" sz="2800" b="1" dirty="0">
+                  <a:latin typeface="Arial" panose="020B0604020202020204" pitchFamily="34" charset="0"/>
+                  <a:cs typeface="Arial" panose="020B0604020202020204" pitchFamily="34" charset="0"/>
+                </a:rPr>
+                <a:t>B</a:t>
+              </a:r>
+              <a:endParaRPr lang="en-US" b="1" dirty="0">
+                <a:latin typeface="Arial" panose="020B0604020202020204" pitchFamily="34" charset="0"/>
+                <a:cs typeface="Arial" panose="020B0604020202020204" pitchFamily="34" charset="0"/>
+              </a:endParaRPr>
+            </a:p>
+          </p:txBody>
+        </p:sp>
+        <p:sp>
+          <p:nvSpPr>
+            <p:cNvPr id="43" name="TextBox 42">
+              <a:extLst>
+                <a:ext uri="{FF2B5EF4-FFF2-40B4-BE49-F238E27FC236}">
+                  <a16:creationId xmlns:a16="http://schemas.microsoft.com/office/drawing/2014/main" id="{2F322650-376B-37E8-09DA-2F113CD1A0C7}"/>
+                </a:ext>
+              </a:extLst>
+            </p:cNvPr>
+            <p:cNvSpPr txBox="1"/>
+            <p:nvPr/>
+          </p:nvSpPr>
+          <p:spPr>
+            <a:xfrm>
+              <a:off x="7504213" y="38992687"/>
+              <a:ext cx="12996174" cy="1200329"/>
+            </a:xfrm>
+            <a:prstGeom prst="rect">
+              <a:avLst/>
+            </a:prstGeom>
+            <a:noFill/>
+          </p:spPr>
+          <p:txBody>
+            <a:bodyPr wrap="square" rtlCol="0">
+              <a:spAutoFit/>
+            </a:bodyPr>
+            <a:lstStyle/>
+            <a:p>
+              <a:pPr>
+                <a:buClr>
+                  <a:schemeClr val="accent3">
+                    <a:lumMod val="75000"/>
+                  </a:schemeClr>
+                </a:buClr>
+                <a:buSzPct val="130000"/>
+              </a:pPr>
+              <a:r>
+                <a:rPr lang="en-US" sz="2400" b="1" dirty="0">
+                  <a:solidFill>
+                    <a:schemeClr val="tx1">
+                      <a:lumMod val="85000"/>
+                      <a:lumOff val="15000"/>
+                    </a:schemeClr>
+                  </a:solidFill>
+                  <a:latin typeface="Arial" panose="020B0604020202020204" pitchFamily="34" charset="0"/>
+                  <a:cs typeface="Arial" panose="020B0604020202020204" pitchFamily="34" charset="0"/>
+                </a:rPr>
+                <a:t>Figure 2: </a:t>
+              </a:r>
+              <a:r>
+                <a:rPr lang="en-US" sz="2400" dirty="0">
+                  <a:solidFill>
+                    <a:schemeClr val="tx1">
+                      <a:lumMod val="85000"/>
+                      <a:lumOff val="15000"/>
+                    </a:schemeClr>
+                  </a:solidFill>
+                  <a:latin typeface="Arial" panose="020B0604020202020204" pitchFamily="34" charset="0"/>
+                  <a:cs typeface="Arial" panose="020B0604020202020204" pitchFamily="34" charset="0"/>
+                </a:rPr>
+                <a:t>Bar charts showing Emmeans ± SE for ANCOVA models for (A) waist circumference and (B</a:t>
+              </a:r>
+              <a:r>
+                <a:rPr lang="en-US" sz="2400">
+                  <a:solidFill>
+                    <a:schemeClr val="tx1">
+                      <a:lumMod val="85000"/>
+                      <a:lumOff val="15000"/>
+                    </a:schemeClr>
+                  </a:solidFill>
+                  <a:latin typeface="Arial" panose="020B0604020202020204" pitchFamily="34" charset="0"/>
+                  <a:cs typeface="Arial" panose="020B0604020202020204" pitchFamily="34" charset="0"/>
+                </a:rPr>
+                <a:t>) BMI; pairwise differences shown are significantly different. </a:t>
+              </a:r>
+            </a:p>
+            <a:p>
+              <a:pPr>
+                <a:buClr>
+                  <a:schemeClr val="accent3">
+                    <a:lumMod val="75000"/>
+                  </a:schemeClr>
+                </a:buClr>
+                <a:buSzPct val="130000"/>
+              </a:pPr>
+              <a:r>
+                <a:rPr lang="en-US" sz="2400">
+                  <a:solidFill>
+                    <a:schemeClr val="tx1">
+                      <a:lumMod val="85000"/>
+                      <a:lumOff val="15000"/>
+                    </a:schemeClr>
+                  </a:solidFill>
+                  <a:latin typeface="Arial" panose="020B0604020202020204" pitchFamily="34" charset="0"/>
+                  <a:cs typeface="Arial" panose="020B0604020202020204" pitchFamily="34" charset="0"/>
+                </a:rPr>
+                <a:t>***: </a:t>
+              </a:r>
+              <a:r>
+                <a:rPr lang="en-US" sz="2400" i="1">
+                  <a:solidFill>
+                    <a:schemeClr val="tx1">
+                      <a:lumMod val="85000"/>
+                      <a:lumOff val="15000"/>
+                    </a:schemeClr>
+                  </a:solidFill>
+                  <a:latin typeface="Arial" panose="020B0604020202020204" pitchFamily="34" charset="0"/>
+                  <a:cs typeface="Arial" panose="020B0604020202020204" pitchFamily="34" charset="0"/>
+                </a:rPr>
+                <a:t>p</a:t>
+              </a:r>
+              <a:r>
+                <a:rPr lang="en-US" sz="2400">
+                  <a:solidFill>
+                    <a:schemeClr val="tx1">
+                      <a:lumMod val="85000"/>
+                      <a:lumOff val="15000"/>
+                    </a:schemeClr>
+                  </a:solidFill>
+                  <a:latin typeface="Arial" panose="020B0604020202020204" pitchFamily="34" charset="0"/>
+                  <a:cs typeface="Arial" panose="020B0604020202020204" pitchFamily="34" charset="0"/>
+                </a:rPr>
+                <a:t>&lt;0.001, **: </a:t>
+              </a:r>
+              <a:r>
+                <a:rPr lang="en-US" sz="2400" i="1">
+                  <a:solidFill>
+                    <a:schemeClr val="tx1">
+                      <a:lumMod val="85000"/>
+                      <a:lumOff val="15000"/>
+                    </a:schemeClr>
+                  </a:solidFill>
+                  <a:latin typeface="Arial" panose="020B0604020202020204" pitchFamily="34" charset="0"/>
+                  <a:cs typeface="Arial" panose="020B0604020202020204" pitchFamily="34" charset="0"/>
+                </a:rPr>
+                <a:t>p</a:t>
+              </a:r>
+              <a:r>
+                <a:rPr lang="en-US" sz="2400">
+                  <a:solidFill>
+                    <a:schemeClr val="tx1">
+                      <a:lumMod val="85000"/>
+                      <a:lumOff val="15000"/>
+                    </a:schemeClr>
+                  </a:solidFill>
+                  <a:latin typeface="Arial" panose="020B0604020202020204" pitchFamily="34" charset="0"/>
+                  <a:cs typeface="Arial" panose="020B0604020202020204" pitchFamily="34" charset="0"/>
+                </a:rPr>
+                <a:t>&lt;0.01, *: </a:t>
+              </a:r>
+              <a:r>
+                <a:rPr lang="en-US" sz="2400" i="1">
+                  <a:solidFill>
+                    <a:schemeClr val="tx1">
+                      <a:lumMod val="85000"/>
+                      <a:lumOff val="15000"/>
+                    </a:schemeClr>
+                  </a:solidFill>
+                  <a:latin typeface="Arial" panose="020B0604020202020204" pitchFamily="34" charset="0"/>
+                  <a:cs typeface="Arial" panose="020B0604020202020204" pitchFamily="34" charset="0"/>
+                </a:rPr>
+                <a:t>p</a:t>
+              </a:r>
+              <a:r>
+                <a:rPr lang="en-US" sz="2400">
+                  <a:solidFill>
+                    <a:schemeClr val="tx1">
+                      <a:lumMod val="85000"/>
+                      <a:lumOff val="15000"/>
+                    </a:schemeClr>
+                  </a:solidFill>
+                  <a:latin typeface="Arial" panose="020B0604020202020204" pitchFamily="34" charset="0"/>
+                  <a:cs typeface="Arial" panose="020B0604020202020204" pitchFamily="34" charset="0"/>
+                </a:rPr>
+                <a:t>&lt;0.05.</a:t>
+              </a:r>
+              <a:endParaRPr lang="en-US" sz="2400" dirty="0">
+                <a:solidFill>
+                  <a:schemeClr val="tx1">
+                    <a:lumMod val="85000"/>
+                    <a:lumOff val="15000"/>
+                  </a:schemeClr>
+                </a:solidFill>
+                <a:latin typeface="Arial" panose="020B0604020202020204" pitchFamily="34" charset="0"/>
+                <a:cs typeface="Arial" panose="020B0604020202020204" pitchFamily="34" charset="0"/>
+              </a:endParaRPr>
+            </a:p>
+          </p:txBody>
+        </p:sp>
+        <p:sp>
+          <p:nvSpPr>
+            <p:cNvPr id="50" name="TextBox 49">
+              <a:extLst>
+                <a:ext uri="{FF2B5EF4-FFF2-40B4-BE49-F238E27FC236}">
+                  <a16:creationId xmlns:a16="http://schemas.microsoft.com/office/drawing/2014/main" id="{EA8C56F0-BF9C-9382-F6F4-0674593C60C1}"/>
+                </a:ext>
+              </a:extLst>
+            </p:cNvPr>
+            <p:cNvSpPr txBox="1"/>
+            <p:nvPr/>
+          </p:nvSpPr>
+          <p:spPr>
+            <a:xfrm>
+              <a:off x="10573833" y="34026256"/>
+              <a:ext cx="1754858" cy="461665"/>
+            </a:xfrm>
+            <a:prstGeom prst="rect">
+              <a:avLst/>
+            </a:prstGeom>
+            <a:solidFill>
+              <a:schemeClr val="bg1"/>
+            </a:solidFill>
+          </p:spPr>
+          <p:txBody>
+            <a:bodyPr wrap="square" rtlCol="0">
+              <a:spAutoFit/>
+            </a:bodyPr>
+            <a:lstStyle/>
+            <a:p>
+              <a:pPr algn="ctr">
+                <a:buClr>
+                  <a:schemeClr val="accent3">
+                    <a:lumMod val="75000"/>
+                  </a:schemeClr>
+                </a:buClr>
+                <a:buSzPct val="130000"/>
+              </a:pPr>
+              <a:r>
+                <a:rPr lang="en-US" sz="2400">
+                  <a:solidFill>
+                    <a:schemeClr val="tx1">
+                      <a:lumMod val="85000"/>
+                      <a:lumOff val="15000"/>
+                    </a:schemeClr>
+                  </a:solidFill>
+                  <a:latin typeface="Arial" panose="020B0604020202020204" pitchFamily="34" charset="0"/>
+                  <a:cs typeface="Arial" panose="020B0604020202020204" pitchFamily="34" charset="0"/>
+                </a:rPr>
+                <a:t>−3.8 </a:t>
+              </a:r>
+              <a:r>
+                <a:rPr lang="en-US" sz="2400">
+                  <a:solidFill>
+                    <a:schemeClr val="tx1">
+                      <a:lumMod val="65000"/>
+                      <a:lumOff val="35000"/>
+                    </a:schemeClr>
+                  </a:solidFill>
+                  <a:latin typeface="Arial" panose="020B0604020202020204" pitchFamily="34" charset="0"/>
+                  <a:cs typeface="Arial" panose="020B0604020202020204" pitchFamily="34" charset="0"/>
+                </a:rPr>
+                <a:t>***</a:t>
+              </a:r>
+            </a:p>
+          </p:txBody>
+        </p:sp>
+        <p:sp>
+          <p:nvSpPr>
+            <p:cNvPr id="48" name="TextBox 47">
+              <a:extLst>
+                <a:ext uri="{FF2B5EF4-FFF2-40B4-BE49-F238E27FC236}">
+                  <a16:creationId xmlns:a16="http://schemas.microsoft.com/office/drawing/2014/main" id="{C25D8AD9-F0C7-EFC3-59CF-1D1C1D43FEF2}"/>
+                </a:ext>
+              </a:extLst>
+            </p:cNvPr>
+            <p:cNvSpPr txBox="1"/>
+            <p:nvPr/>
+          </p:nvSpPr>
+          <p:spPr>
+            <a:xfrm>
+              <a:off x="11417966" y="34463317"/>
+              <a:ext cx="1346688" cy="461665"/>
+            </a:xfrm>
+            <a:prstGeom prst="rect">
+              <a:avLst/>
+            </a:prstGeom>
+            <a:solidFill>
+              <a:schemeClr val="bg1"/>
+            </a:solidFill>
+          </p:spPr>
+          <p:txBody>
+            <a:bodyPr wrap="square" rtlCol="0">
+              <a:spAutoFit/>
+            </a:bodyPr>
+            <a:lstStyle/>
+            <a:p>
+              <a:pPr algn="ctr">
+                <a:buClr>
+                  <a:schemeClr val="accent3">
+                    <a:lumMod val="75000"/>
+                  </a:schemeClr>
+                </a:buClr>
+                <a:buSzPct val="130000"/>
+              </a:pPr>
+              <a:r>
+                <a:rPr lang="en-US" sz="2400">
+                  <a:solidFill>
+                    <a:schemeClr val="tx1">
+                      <a:lumMod val="85000"/>
+                      <a:lumOff val="15000"/>
+                    </a:schemeClr>
+                  </a:solidFill>
+                  <a:latin typeface="Arial" panose="020B0604020202020204" pitchFamily="34" charset="0"/>
+                  <a:cs typeface="Arial" panose="020B0604020202020204" pitchFamily="34" charset="0"/>
+                </a:rPr>
+                <a:t>−3.4 </a:t>
+              </a:r>
+              <a:r>
+                <a:rPr lang="en-US" sz="2400">
+                  <a:solidFill>
+                    <a:schemeClr val="tx1">
+                      <a:lumMod val="65000"/>
+                      <a:lumOff val="35000"/>
+                    </a:schemeClr>
+                  </a:solidFill>
+                  <a:latin typeface="Arial" panose="020B0604020202020204" pitchFamily="34" charset="0"/>
+                  <a:cs typeface="Arial" panose="020B0604020202020204" pitchFamily="34" charset="0"/>
+                </a:rPr>
+                <a:t>**</a:t>
+              </a:r>
+            </a:p>
+          </p:txBody>
+        </p:sp>
+        <p:sp>
+          <p:nvSpPr>
+            <p:cNvPr id="52" name="TextBox 51">
+              <a:extLst>
+                <a:ext uri="{FF2B5EF4-FFF2-40B4-BE49-F238E27FC236}">
+                  <a16:creationId xmlns:a16="http://schemas.microsoft.com/office/drawing/2014/main" id="{A764576E-4576-A9A2-09C1-6CF4C57BD0EE}"/>
+                </a:ext>
+              </a:extLst>
+            </p:cNvPr>
+            <p:cNvSpPr txBox="1"/>
+            <p:nvPr/>
+          </p:nvSpPr>
+          <p:spPr>
+            <a:xfrm>
+              <a:off x="12117766" y="34943182"/>
+              <a:ext cx="996656" cy="461665"/>
+            </a:xfrm>
+            <a:prstGeom prst="rect">
+              <a:avLst/>
+            </a:prstGeom>
+            <a:solidFill>
+              <a:schemeClr val="bg1"/>
+            </a:solidFill>
+          </p:spPr>
+          <p:txBody>
+            <a:bodyPr wrap="square" rtlCol="0">
+              <a:spAutoFit/>
+            </a:bodyPr>
+            <a:lstStyle/>
+            <a:p>
+              <a:pPr algn="ctr">
+                <a:buClr>
+                  <a:schemeClr val="accent3">
+                    <a:lumMod val="75000"/>
+                  </a:schemeClr>
+                </a:buClr>
+                <a:buSzPct val="130000"/>
+              </a:pPr>
+              <a:r>
+                <a:rPr lang="en-US" sz="2400">
+                  <a:solidFill>
+                    <a:schemeClr val="tx1">
+                      <a:lumMod val="85000"/>
+                      <a:lumOff val="15000"/>
+                    </a:schemeClr>
+                  </a:solidFill>
+                  <a:latin typeface="Arial" panose="020B0604020202020204" pitchFamily="34" charset="0"/>
+                  <a:cs typeface="Arial" panose="020B0604020202020204" pitchFamily="34" charset="0"/>
+                </a:rPr>
+                <a:t>−3.2 </a:t>
+              </a:r>
+              <a:r>
+                <a:rPr lang="en-US" sz="2400">
+                  <a:solidFill>
+                    <a:schemeClr val="tx1">
+                      <a:lumMod val="65000"/>
+                      <a:lumOff val="35000"/>
+                    </a:schemeClr>
+                  </a:solidFill>
+                  <a:latin typeface="Arial" panose="020B0604020202020204" pitchFamily="34" charset="0"/>
+                  <a:cs typeface="Arial" panose="020B0604020202020204" pitchFamily="34" charset="0"/>
+                </a:rPr>
+                <a:t>*</a:t>
               </a:r>
             </a:p>
           </p:txBody>
@@ -13416,10 +14221,10 @@
       </p:grpSp>
       <p:sp>
         <p:nvSpPr>
-          <p:cNvPr id="63" name="TextBox 62">
+          <p:cNvPr id="58" name="TextBox 57">
             <a:extLst>
               <a:ext uri="{FF2B5EF4-FFF2-40B4-BE49-F238E27FC236}">
-                <a16:creationId xmlns:a16="http://schemas.microsoft.com/office/drawing/2014/main" id="{AB64E999-9451-81AF-50F4-B26674E63BB1}"/>
+                <a16:creationId xmlns:a16="http://schemas.microsoft.com/office/drawing/2014/main" id="{6D4D0A43-804A-9AF6-AC09-72DB6D167ACE}"/>
               </a:ext>
             </a:extLst>
           </p:cNvPr>
@@ -13428,13 +14233,15 @@
         </p:nvSpPr>
         <p:spPr>
           <a:xfrm>
-            <a:off x="1311159" y="34229643"/>
-            <a:ext cx="5872420" cy="4555093"/>
+            <a:off x="21258920" y="24994673"/>
+            <a:ext cx="5805488" cy="646331"/>
           </a:xfrm>
           <a:prstGeom prst="rect">
             <a:avLst/>
           </a:prstGeom>
-          <a:noFill/>
+          <a:solidFill>
+            <a:schemeClr val="bg1"/>
+          </a:solidFill>
         </p:spPr>
         <p:txBody>
           <a:bodyPr wrap="square" rtlCol="0">
@@ -13442,21 +14249,13 @@
           </a:bodyPr>
           <a:lstStyle/>
           <a:p>
-            <a:pPr marL="457200" indent="-457200">
-              <a:spcAft>
-                <a:spcPts val="1200"/>
-              </a:spcAft>
-              <a:buClr>
-                <a:schemeClr val="accent3">
-                  <a:lumMod val="75000"/>
-                </a:schemeClr>
-              </a:buClr>
-              <a:buSzPct val="130000"/>
-              <a:buFont typeface="Arial" panose="020B0604020202020204" pitchFamily="34" charset="0"/>
-              <a:buChar char="•"/>
+            <a:pPr marL="571500" indent="-571500">
+              <a:buBlip>
+                <a:blip r:embed="rId3"/>
+              </a:buBlip>
             </a:pPr>
             <a:r>
-              <a:rPr lang="en-US" sz="3000" dirty="0">
+              <a:rPr lang="en-AU" sz="3600">
                 <a:solidFill>
                   <a:schemeClr val="tx1">
                     <a:lumMod val="85000"/>
@@ -13466,78 +14265,9 @@
                 <a:latin typeface="Arial" panose="020B0604020202020204" pitchFamily="34" charset="0"/>
                 <a:cs typeface="Arial" panose="020B0604020202020204" pitchFamily="34" charset="0"/>
               </a:rPr>
-              <a:t>Pulse intake in NHANES is associated with better quality diets [4].</a:t>
-            </a:r>
-          </a:p>
-          <a:p>
-            <a:pPr marL="457200" indent="-457200">
-              <a:spcAft>
-                <a:spcPts val="1200"/>
-              </a:spcAft>
-              <a:buClr>
-                <a:schemeClr val="accent3">
-                  <a:lumMod val="75000"/>
-                </a:schemeClr>
-              </a:buClr>
-              <a:buSzPct val="130000"/>
-              <a:buFont typeface="Arial" panose="020B0604020202020204" pitchFamily="34" charset="0"/>
-              <a:buChar char="•"/>
-            </a:pPr>
-            <a:r>
-              <a:rPr lang="en-US" sz="3000" dirty="0">
-                <a:solidFill>
-                  <a:schemeClr val="tx1">
-                    <a:lumMod val="85000"/>
-                    <a:lumOff val="15000"/>
-                  </a:schemeClr>
-                </a:solidFill>
-                <a:latin typeface="Arial" panose="020B0604020202020204" pitchFamily="34" charset="0"/>
-                <a:cs typeface="Arial" panose="020B0604020202020204" pitchFamily="34" charset="0"/>
-              </a:rPr>
-              <a:t>Physical exercise levels were not included (too few samples had data for this study).</a:t>
-            </a:r>
-          </a:p>
-          <a:p>
-            <a:pPr marL="457200" indent="-457200">
-              <a:spcAft>
-                <a:spcPts val="1200"/>
-              </a:spcAft>
-              <a:buClr>
-                <a:schemeClr val="accent3">
-                  <a:lumMod val="75000"/>
-                </a:schemeClr>
-              </a:buClr>
-              <a:buSzPct val="130000"/>
-              <a:buFont typeface="Arial" panose="020B0604020202020204" pitchFamily="34" charset="0"/>
-              <a:buChar char="•"/>
-            </a:pPr>
-            <a:r>
-              <a:rPr lang="en-US" sz="3000" dirty="0">
-                <a:solidFill>
-                  <a:schemeClr val="tx1">
-                    <a:lumMod val="85000"/>
-                    <a:lumOff val="15000"/>
-                  </a:schemeClr>
-                </a:solidFill>
-                <a:latin typeface="Arial" panose="020B0604020202020204" pitchFamily="34" charset="0"/>
-                <a:cs typeface="Arial" panose="020B0604020202020204" pitchFamily="34" charset="0"/>
-              </a:rPr>
-              <a:t>Two days of dietary recalls may be insufficient to capture nuts/seeds/</a:t>
-            </a:r>
-            <a:r>
-              <a:rPr lang="en-US" sz="3000">
-                <a:solidFill>
-                  <a:schemeClr val="tx1">
-                    <a:lumMod val="85000"/>
-                    <a:lumOff val="15000"/>
-                  </a:schemeClr>
-                </a:solidFill>
-                <a:latin typeface="Arial" panose="020B0604020202020204" pitchFamily="34" charset="0"/>
-                <a:cs typeface="Arial" panose="020B0604020202020204" pitchFamily="34" charset="0"/>
-              </a:rPr>
-              <a:t>legumes diversity.</a:t>
-            </a:r>
-            <a:endParaRPr lang="en-US" sz="3000" dirty="0">
+              <a:t>Website with tutorials</a:t>
+            </a:r>
+            <a:endParaRPr lang="en-US" sz="3600">
               <a:solidFill>
                 <a:schemeClr val="tx1">
                   <a:lumMod val="85000"/>
@@ -13547,423 +14277,6 @@
               <a:latin typeface="Arial" panose="020B0604020202020204" pitchFamily="34" charset="0"/>
               <a:cs typeface="Arial" panose="020B0604020202020204" pitchFamily="34" charset="0"/>
             </a:endParaRPr>
-          </a:p>
-        </p:txBody>
-      </p:sp>
-      <p:pic>
-        <p:nvPicPr>
-          <p:cNvPr id="69" name="Graphic 68" descr="Weight Loss with solid fill">
-            <a:extLst>
-              <a:ext uri="{FF2B5EF4-FFF2-40B4-BE49-F238E27FC236}">
-                <a16:creationId xmlns:a16="http://schemas.microsoft.com/office/drawing/2014/main" id="{1262E031-BC08-AFBD-CE8A-2A2DE607FBC3}"/>
-              </a:ext>
-            </a:extLst>
-          </p:cNvPr>
-          <p:cNvPicPr>
-            <a:picLocks noChangeAspect="1"/>
-          </p:cNvPicPr>
-          <p:nvPr/>
-        </p:nvPicPr>
-        <p:blipFill>
-          <a:blip r:embed="rId14">
-            <a:extLst>
-              <a:ext uri="{28A0092B-C50C-407E-A947-70E740481C1C}">
-                <a14:useLocalDpi xmlns:a14="http://schemas.microsoft.com/office/drawing/2010/main" val="0"/>
-              </a:ext>
-              <a:ext uri="{96DAC541-7B7A-43D3-8B79-37D633B846F1}">
-                <asvg:svgBlip xmlns:asvg="http://schemas.microsoft.com/office/drawing/2016/SVG/main" r:embed="rId15"/>
-              </a:ext>
-            </a:extLst>
-          </a:blip>
-          <a:stretch>
-            <a:fillRect/>
-          </a:stretch>
-        </p:blipFill>
-        <p:spPr>
-          <a:xfrm rot="21069619">
-            <a:off x="18643894" y="24953264"/>
-            <a:ext cx="1071025" cy="1071025"/>
-          </a:xfrm>
-          <a:prstGeom prst="rect">
-            <a:avLst/>
-          </a:prstGeom>
-        </p:spPr>
-      </p:pic>
-      <p:pic>
-        <p:nvPicPr>
-          <p:cNvPr id="75" name="Graphic 74" descr="Alterations &amp; Tailoring outline">
-            <a:extLst>
-              <a:ext uri="{FF2B5EF4-FFF2-40B4-BE49-F238E27FC236}">
-                <a16:creationId xmlns:a16="http://schemas.microsoft.com/office/drawing/2014/main" id="{6C25C715-2B8C-99AE-B98F-4B59CE76718B}"/>
-              </a:ext>
-            </a:extLst>
-          </p:cNvPr>
-          <p:cNvPicPr>
-            <a:picLocks noChangeAspect="1"/>
-          </p:cNvPicPr>
-          <p:nvPr/>
-        </p:nvPicPr>
-        <p:blipFill>
-          <a:blip r:embed="rId16">
-            <a:extLst>
-              <a:ext uri="{28A0092B-C50C-407E-A947-70E740481C1C}">
-                <a14:useLocalDpi xmlns:a14="http://schemas.microsoft.com/office/drawing/2010/main" val="0"/>
-              </a:ext>
-              <a:ext uri="{96DAC541-7B7A-43D3-8B79-37D633B846F1}">
-                <asvg:svgBlip xmlns:asvg="http://schemas.microsoft.com/office/drawing/2016/SVG/main" r:embed="rId17"/>
-              </a:ext>
-            </a:extLst>
-          </a:blip>
-          <a:stretch>
-            <a:fillRect/>
-          </a:stretch>
-        </p:blipFill>
-        <p:spPr>
-          <a:xfrm rot="21005103">
-            <a:off x="19124838" y="23993045"/>
-            <a:ext cx="914400" cy="914400"/>
-          </a:xfrm>
-          <a:prstGeom prst="rect">
-            <a:avLst/>
-          </a:prstGeom>
-        </p:spPr>
-      </p:pic>
-      <p:graphicFrame>
-        <p:nvGraphicFramePr>
-          <p:cNvPr id="2" name="Chart 1">
-            <a:extLst>
-              <a:ext uri="{FF2B5EF4-FFF2-40B4-BE49-F238E27FC236}">
-                <a16:creationId xmlns:a16="http://schemas.microsoft.com/office/drawing/2014/main" id="{15262AAC-7F9E-471F-824B-3345F7EA2A23}"/>
-              </a:ext>
-            </a:extLst>
-          </p:cNvPr>
-          <p:cNvGraphicFramePr>
-            <a:graphicFrameLocks/>
-          </p:cNvGraphicFramePr>
-          <p:nvPr>
-            <p:extLst>
-              <p:ext uri="{D42A27DB-BD31-4B8C-83A1-F6EECF244321}">
-                <p14:modId xmlns:p14="http://schemas.microsoft.com/office/powerpoint/2010/main" val="2888651155"/>
-              </p:ext>
-            </p:extLst>
-          </p:nvPr>
-        </p:nvGraphicFramePr>
-        <p:xfrm>
-          <a:off x="13668473" y="33735036"/>
-          <a:ext cx="6378779" cy="5560952"/>
-        </p:xfrm>
-        <a:graphic>
-          <a:graphicData uri="http://schemas.openxmlformats.org/drawingml/2006/chart">
-            <c:chart xmlns:c="http://schemas.openxmlformats.org/drawingml/2006/chart" xmlns:r="http://schemas.openxmlformats.org/officeDocument/2006/relationships" r:id="rId18"/>
-          </a:graphicData>
-        </a:graphic>
-      </p:graphicFrame>
-      <p:sp>
-        <p:nvSpPr>
-          <p:cNvPr id="3" name="Left Bracket 2">
-            <a:extLst>
-              <a:ext uri="{FF2B5EF4-FFF2-40B4-BE49-F238E27FC236}">
-                <a16:creationId xmlns:a16="http://schemas.microsoft.com/office/drawing/2014/main" id="{02B07DC6-000D-A5BC-390C-F413CB7EB779}"/>
-              </a:ext>
-            </a:extLst>
-          </p:cNvPr>
-          <p:cNvSpPr/>
-          <p:nvPr/>
-        </p:nvSpPr>
-        <p:spPr>
-          <a:xfrm rot="5400000">
-            <a:off x="16274872" y="35313184"/>
-            <a:ext cx="189006" cy="1282144"/>
-          </a:xfrm>
-          <a:prstGeom prst="leftBracket">
-            <a:avLst/>
-          </a:prstGeom>
-          <a:ln w="22225">
-            <a:solidFill>
-              <a:schemeClr val="accent5">
-                <a:lumMod val="90000"/>
-              </a:schemeClr>
-            </a:solidFill>
-          </a:ln>
-        </p:spPr>
-        <p:style>
-          <a:lnRef idx="1">
-            <a:schemeClr val="accent1"/>
-          </a:lnRef>
-          <a:fillRef idx="0">
-            <a:schemeClr val="accent1"/>
-          </a:fillRef>
-          <a:effectRef idx="0">
-            <a:schemeClr val="accent1"/>
-          </a:effectRef>
-          <a:fontRef idx="minor">
-            <a:schemeClr val="tx1"/>
-          </a:fontRef>
-        </p:style>
-        <p:txBody>
-          <a:bodyPr rtlCol="0" anchor="ctr"/>
-          <a:lstStyle/>
-          <a:p>
-            <a:pPr algn="ctr"/>
-            <a:endParaRPr lang="en-US" dirty="0"/>
-          </a:p>
-        </p:txBody>
-      </p:sp>
-      <p:sp>
-        <p:nvSpPr>
-          <p:cNvPr id="7" name="TextBox 6">
-            <a:extLst>
-              <a:ext uri="{FF2B5EF4-FFF2-40B4-BE49-F238E27FC236}">
-                <a16:creationId xmlns:a16="http://schemas.microsoft.com/office/drawing/2014/main" id="{78BB649A-5C07-01FB-D4FC-819E0AAC6C99}"/>
-              </a:ext>
-            </a:extLst>
-          </p:cNvPr>
-          <p:cNvSpPr txBox="1"/>
-          <p:nvPr/>
-        </p:nvSpPr>
-        <p:spPr>
-          <a:xfrm>
-            <a:off x="17284925" y="34803324"/>
-            <a:ext cx="1754858" cy="461665"/>
-          </a:xfrm>
-          <a:prstGeom prst="rect">
-            <a:avLst/>
-          </a:prstGeom>
-          <a:noFill/>
-        </p:spPr>
-        <p:txBody>
-          <a:bodyPr wrap="square" rtlCol="0">
-            <a:spAutoFit/>
-          </a:bodyPr>
-          <a:lstStyle/>
-          <a:p>
-            <a:pPr algn="ctr">
-              <a:buClr>
-                <a:schemeClr val="accent3">
-                  <a:lumMod val="75000"/>
-                </a:schemeClr>
-              </a:buClr>
-              <a:buSzPct val="130000"/>
-            </a:pPr>
-            <a:r>
-              <a:rPr lang="en-US" sz="2400" dirty="0">
-                <a:solidFill>
-                  <a:schemeClr val="tx1">
-                    <a:lumMod val="65000"/>
-                    <a:lumOff val="35000"/>
-                  </a:schemeClr>
-                </a:solidFill>
-                <a:latin typeface="Arial" panose="020B0604020202020204" pitchFamily="34" charset="0"/>
-                <a:cs typeface="Arial" panose="020B0604020202020204" pitchFamily="34" charset="0"/>
-              </a:rPr>
-              <a:t>&lt; 0.001</a:t>
-            </a:r>
-          </a:p>
-        </p:txBody>
-      </p:sp>
-      <p:sp>
-        <p:nvSpPr>
-          <p:cNvPr id="8" name="Left Bracket 7">
-            <a:extLst>
-              <a:ext uri="{FF2B5EF4-FFF2-40B4-BE49-F238E27FC236}">
-                <a16:creationId xmlns:a16="http://schemas.microsoft.com/office/drawing/2014/main" id="{B21C22B8-D487-A195-285A-E8F4B166AC29}"/>
-              </a:ext>
-            </a:extLst>
-          </p:cNvPr>
-          <p:cNvSpPr/>
-          <p:nvPr/>
-        </p:nvSpPr>
-        <p:spPr>
-          <a:xfrm rot="5400000">
-            <a:off x="18069835" y="34028845"/>
-            <a:ext cx="189006" cy="2560320"/>
-          </a:xfrm>
-          <a:prstGeom prst="leftBracket">
-            <a:avLst/>
-          </a:prstGeom>
-          <a:ln w="22225">
-            <a:solidFill>
-              <a:schemeClr val="accent5">
-                <a:lumMod val="90000"/>
-              </a:schemeClr>
-            </a:solidFill>
-          </a:ln>
-        </p:spPr>
-        <p:style>
-          <a:lnRef idx="1">
-            <a:schemeClr val="accent1"/>
-          </a:lnRef>
-          <a:fillRef idx="0">
-            <a:schemeClr val="accent1"/>
-          </a:fillRef>
-          <a:effectRef idx="0">
-            <a:schemeClr val="accent1"/>
-          </a:effectRef>
-          <a:fontRef idx="minor">
-            <a:schemeClr val="tx1"/>
-          </a:fontRef>
-        </p:style>
-        <p:txBody>
-          <a:bodyPr rtlCol="0" anchor="ctr"/>
-          <a:lstStyle/>
-          <a:p>
-            <a:pPr algn="ctr"/>
-            <a:endParaRPr lang="en-US" dirty="0"/>
-          </a:p>
-        </p:txBody>
-      </p:sp>
-      <p:sp>
-        <p:nvSpPr>
-          <p:cNvPr id="9" name="TextBox 8">
-            <a:extLst>
-              <a:ext uri="{FF2B5EF4-FFF2-40B4-BE49-F238E27FC236}">
-                <a16:creationId xmlns:a16="http://schemas.microsoft.com/office/drawing/2014/main" id="{EFF95C0A-29A4-AC70-68F1-B8387A37400C}"/>
-              </a:ext>
-            </a:extLst>
-          </p:cNvPr>
-          <p:cNvSpPr txBox="1"/>
-          <p:nvPr/>
-        </p:nvSpPr>
-        <p:spPr>
-          <a:xfrm>
-            <a:off x="16692549" y="34262791"/>
-            <a:ext cx="1754858" cy="461665"/>
-          </a:xfrm>
-          <a:prstGeom prst="rect">
-            <a:avLst/>
-          </a:prstGeom>
-          <a:noFill/>
-        </p:spPr>
-        <p:txBody>
-          <a:bodyPr wrap="square" rtlCol="0">
-            <a:spAutoFit/>
-          </a:bodyPr>
-          <a:lstStyle/>
-          <a:p>
-            <a:pPr algn="ctr">
-              <a:buClr>
-                <a:schemeClr val="accent3">
-                  <a:lumMod val="75000"/>
-                </a:schemeClr>
-              </a:buClr>
-              <a:buSzPct val="130000"/>
-            </a:pPr>
-            <a:r>
-              <a:rPr lang="en-US" sz="2400" dirty="0">
-                <a:solidFill>
-                  <a:schemeClr val="tx1">
-                    <a:lumMod val="65000"/>
-                    <a:lumOff val="35000"/>
-                  </a:schemeClr>
-                </a:solidFill>
-                <a:latin typeface="Arial" panose="020B0604020202020204" pitchFamily="34" charset="0"/>
-                <a:cs typeface="Arial" panose="020B0604020202020204" pitchFamily="34" charset="0"/>
-              </a:rPr>
-              <a:t>&lt; 0.0001</a:t>
-            </a:r>
-          </a:p>
-        </p:txBody>
-      </p:sp>
-      <p:sp>
-        <p:nvSpPr>
-          <p:cNvPr id="10" name="Left Bracket 9">
-            <a:extLst>
-              <a:ext uri="{FF2B5EF4-FFF2-40B4-BE49-F238E27FC236}">
-                <a16:creationId xmlns:a16="http://schemas.microsoft.com/office/drawing/2014/main" id="{7E611113-E16D-3E37-7FEB-E3167B1045F6}"/>
-              </a:ext>
-            </a:extLst>
-          </p:cNvPr>
-          <p:cNvSpPr/>
-          <p:nvPr/>
-        </p:nvSpPr>
-        <p:spPr>
-          <a:xfrm rot="5400000">
-            <a:off x="17475475" y="32915640"/>
-            <a:ext cx="189006" cy="3749040"/>
-          </a:xfrm>
-          <a:prstGeom prst="leftBracket">
-            <a:avLst/>
-          </a:prstGeom>
-          <a:ln w="22225">
-            <a:solidFill>
-              <a:schemeClr val="accent5">
-                <a:lumMod val="90000"/>
-              </a:schemeClr>
-            </a:solidFill>
-          </a:ln>
-        </p:spPr>
-        <p:style>
-          <a:lnRef idx="1">
-            <a:schemeClr val="accent1"/>
-          </a:lnRef>
-          <a:fillRef idx="0">
-            <a:schemeClr val="accent1"/>
-          </a:fillRef>
-          <a:effectRef idx="0">
-            <a:schemeClr val="accent1"/>
-          </a:effectRef>
-          <a:fontRef idx="minor">
-            <a:schemeClr val="tx1"/>
-          </a:fontRef>
-        </p:style>
-        <p:txBody>
-          <a:bodyPr rtlCol="0" anchor="ctr"/>
-          <a:lstStyle/>
-          <a:p>
-            <a:pPr algn="ctr"/>
-            <a:endParaRPr lang="en-US" dirty="0"/>
-          </a:p>
-        </p:txBody>
-      </p:sp>
-      <p:sp>
-        <p:nvSpPr>
-          <p:cNvPr id="11" name="TextBox 10">
-            <a:extLst>
-              <a:ext uri="{FF2B5EF4-FFF2-40B4-BE49-F238E27FC236}">
-                <a16:creationId xmlns:a16="http://schemas.microsoft.com/office/drawing/2014/main" id="{1A0980CA-DF5F-651D-F935-3495B1B438CF}"/>
-              </a:ext>
-            </a:extLst>
-          </p:cNvPr>
-          <p:cNvSpPr txBox="1"/>
-          <p:nvPr/>
-        </p:nvSpPr>
-        <p:spPr>
-          <a:xfrm>
-            <a:off x="15488979" y="35455006"/>
-            <a:ext cx="1754858" cy="461665"/>
-          </a:xfrm>
-          <a:prstGeom prst="rect">
-            <a:avLst/>
-          </a:prstGeom>
-          <a:noFill/>
-        </p:spPr>
-        <p:txBody>
-          <a:bodyPr wrap="square" rtlCol="0">
-            <a:spAutoFit/>
-          </a:bodyPr>
-          <a:lstStyle/>
-          <a:p>
-            <a:pPr algn="ctr">
-              <a:buClr>
-                <a:schemeClr val="accent3">
-                  <a:lumMod val="75000"/>
-                </a:schemeClr>
-              </a:buClr>
-              <a:buSzPct val="130000"/>
-            </a:pPr>
-            <a:r>
-              <a:rPr lang="en-US" sz="2400" dirty="0">
-                <a:solidFill>
-                  <a:schemeClr val="tx1">
-                    <a:lumMod val="65000"/>
-                    <a:lumOff val="35000"/>
-                  </a:schemeClr>
-                </a:solidFill>
-                <a:latin typeface="Arial" panose="020B0604020202020204" pitchFamily="34" charset="0"/>
-                <a:cs typeface="Arial" panose="020B0604020202020204" pitchFamily="34" charset="0"/>
-              </a:rPr>
-              <a:t>&lt; 0.01</a:t>
-            </a:r>
           </a:p>
         </p:txBody>
       </p:sp>
@@ -13982,13 +14295,13 @@
           <p:nvPr/>
         </p:nvPicPr>
         <p:blipFill>
-          <a:blip r:embed="rId19">
+          <a:blip r:embed="rId22">
             <a:extLst>
               <a:ext uri="{28A0092B-C50C-407E-A947-70E740481C1C}">
                 <a14:useLocalDpi xmlns:a14="http://schemas.microsoft.com/office/drawing/2010/main" val="0"/>
               </a:ext>
               <a:ext uri="{96DAC541-7B7A-43D3-8B79-37D633B846F1}">
-                <asvg:svgBlip xmlns:asvg="http://schemas.microsoft.com/office/drawing/2016/SVG/main" r:embed="rId20"/>
+                <asvg:svgBlip xmlns:asvg="http://schemas.microsoft.com/office/drawing/2016/SVG/main" r:embed="rId23"/>
               </a:ext>
             </a:extLst>
           </a:blip>
@@ -13998,7 +14311,7 @@
         </p:blipFill>
         <p:spPr>
           <a:xfrm>
-            <a:off x="26282645" y="24943864"/>
+            <a:off x="26415995" y="24854058"/>
             <a:ext cx="819863" cy="819863"/>
           </a:xfrm>
           <a:prstGeom prst="rect">
@@ -14006,12 +14319,417 @@
           </a:prstGeom>
         </p:spPr>
       </p:pic>
+      <p:sp>
+        <p:nvSpPr>
+          <p:cNvPr id="59" name="TextBox 58">
+            <a:extLst>
+              <a:ext uri="{FF2B5EF4-FFF2-40B4-BE49-F238E27FC236}">
+                <a16:creationId xmlns:a16="http://schemas.microsoft.com/office/drawing/2014/main" id="{AC557D89-8C69-2995-31C9-76A1636AF81E}"/>
+              </a:ext>
+            </a:extLst>
+          </p:cNvPr>
+          <p:cNvSpPr txBox="1"/>
+          <p:nvPr/>
+        </p:nvSpPr>
+        <p:spPr>
+          <a:xfrm>
+            <a:off x="21258920" y="26439397"/>
+            <a:ext cx="5805488" cy="646331"/>
+          </a:xfrm>
+          <a:prstGeom prst="rect">
+            <a:avLst/>
+          </a:prstGeom>
+          <a:solidFill>
+            <a:schemeClr val="bg1"/>
+          </a:solidFill>
+        </p:spPr>
+        <p:txBody>
+          <a:bodyPr wrap="square" rtlCol="0">
+            <a:spAutoFit/>
+          </a:bodyPr>
+          <a:lstStyle/>
+          <a:p>
+            <a:pPr marL="571500" indent="-571500">
+              <a:buBlip>
+                <a:blip r:embed="rId3"/>
+              </a:buBlip>
+            </a:pPr>
+            <a:r>
+              <a:rPr lang="en-AU" sz="3600">
+                <a:solidFill>
+                  <a:schemeClr val="tx1">
+                    <a:lumMod val="85000"/>
+                    <a:lumOff val="15000"/>
+                  </a:schemeClr>
+                </a:solidFill>
+                <a:latin typeface="Arial" panose="020B0604020202020204" pitchFamily="34" charset="0"/>
+                <a:cs typeface="Arial" panose="020B0604020202020204" pitchFamily="34" charset="0"/>
+              </a:rPr>
+              <a:t>Preprint</a:t>
+            </a:r>
+            <a:endParaRPr lang="en-US" sz="3600">
+              <a:solidFill>
+                <a:schemeClr val="tx1">
+                  <a:lumMod val="85000"/>
+                  <a:lumOff val="15000"/>
+                </a:schemeClr>
+              </a:solidFill>
+              <a:latin typeface="Arial" panose="020B0604020202020204" pitchFamily="34" charset="0"/>
+              <a:cs typeface="Arial" panose="020B0604020202020204" pitchFamily="34" charset="0"/>
+            </a:endParaRPr>
+          </a:p>
+        </p:txBody>
+      </p:sp>
+      <p:sp>
+        <p:nvSpPr>
+          <p:cNvPr id="62" name="Hexagon 61">
+            <a:extLst>
+              <a:ext uri="{FF2B5EF4-FFF2-40B4-BE49-F238E27FC236}">
+                <a16:creationId xmlns:a16="http://schemas.microsoft.com/office/drawing/2014/main" id="{05CFDE8A-F6EC-C9DB-0AF6-CDFE78BCBA1C}"/>
+              </a:ext>
+            </a:extLst>
+          </p:cNvPr>
+          <p:cNvSpPr/>
+          <p:nvPr/>
+        </p:nvSpPr>
+        <p:spPr>
+          <a:xfrm rot="5575133">
+            <a:off x="-2983649" y="678045"/>
+            <a:ext cx="1229261" cy="1066195"/>
+          </a:xfrm>
+          <a:prstGeom prst="hexagon">
+            <a:avLst>
+              <a:gd name="adj" fmla="val 28824"/>
+              <a:gd name="vf" fmla="val 115470"/>
+            </a:avLst>
+          </a:prstGeom>
+          <a:solidFill>
+            <a:srgbClr val="81D31A"/>
+          </a:solidFill>
+          <a:ln>
+            <a:noFill/>
+          </a:ln>
+        </p:spPr>
+        <p:style>
+          <a:lnRef idx="2">
+            <a:schemeClr val="accent1">
+              <a:shade val="50000"/>
+            </a:schemeClr>
+          </a:lnRef>
+          <a:fillRef idx="1">
+            <a:schemeClr val="accent1"/>
+          </a:fillRef>
+          <a:effectRef idx="0">
+            <a:schemeClr val="accent1"/>
+          </a:effectRef>
+          <a:fontRef idx="minor">
+            <a:schemeClr val="lt1"/>
+          </a:fontRef>
+        </p:style>
+        <p:txBody>
+          <a:bodyPr rtlCol="0" anchor="ctr"/>
+          <a:lstStyle/>
+          <a:p>
+            <a:pPr algn="ctr"/>
+            <a:endParaRPr lang="en-US">
+              <a:solidFill>
+                <a:srgbClr val="81D31A"/>
+              </a:solidFill>
+            </a:endParaRPr>
+          </a:p>
+        </p:txBody>
+      </p:sp>
+      <p:sp>
+        <p:nvSpPr>
+          <p:cNvPr id="64" name="Hexagon 63">
+            <a:extLst>
+              <a:ext uri="{FF2B5EF4-FFF2-40B4-BE49-F238E27FC236}">
+                <a16:creationId xmlns:a16="http://schemas.microsoft.com/office/drawing/2014/main" id="{D2B68FDF-E17A-5BFF-DAF5-DAFE819A1333}"/>
+              </a:ext>
+            </a:extLst>
+          </p:cNvPr>
+          <p:cNvSpPr/>
+          <p:nvPr/>
+        </p:nvSpPr>
+        <p:spPr>
+          <a:xfrm rot="4516511">
+            <a:off x="-2311834" y="926795"/>
+            <a:ext cx="1229261" cy="1066195"/>
+          </a:xfrm>
+          <a:prstGeom prst="hexagon">
+            <a:avLst>
+              <a:gd name="adj" fmla="val 28824"/>
+              <a:gd name="vf" fmla="val 115470"/>
+            </a:avLst>
+          </a:prstGeom>
+          <a:solidFill>
+            <a:srgbClr val="C5EB8F"/>
+          </a:solidFill>
+          <a:ln>
+            <a:noFill/>
+          </a:ln>
+        </p:spPr>
+        <p:style>
+          <a:lnRef idx="2">
+            <a:schemeClr val="accent1">
+              <a:shade val="50000"/>
+            </a:schemeClr>
+          </a:lnRef>
+          <a:fillRef idx="1">
+            <a:schemeClr val="accent1"/>
+          </a:fillRef>
+          <a:effectRef idx="0">
+            <a:schemeClr val="accent1"/>
+          </a:effectRef>
+          <a:fontRef idx="minor">
+            <a:schemeClr val="lt1"/>
+          </a:fontRef>
+        </p:style>
+        <p:txBody>
+          <a:bodyPr rtlCol="0" anchor="ctr"/>
+          <a:lstStyle/>
+          <a:p>
+            <a:pPr algn="ctr"/>
+            <a:endParaRPr lang="en-US">
+              <a:solidFill>
+                <a:srgbClr val="81D31A"/>
+              </a:solidFill>
+            </a:endParaRPr>
+          </a:p>
+        </p:txBody>
+      </p:sp>
+      <p:sp>
+        <p:nvSpPr>
+          <p:cNvPr id="67" name="Hexagon 66">
+            <a:extLst>
+              <a:ext uri="{FF2B5EF4-FFF2-40B4-BE49-F238E27FC236}">
+                <a16:creationId xmlns:a16="http://schemas.microsoft.com/office/drawing/2014/main" id="{2A31C930-EACE-9F21-C70A-5B66C7B86083}"/>
+              </a:ext>
+            </a:extLst>
+          </p:cNvPr>
+          <p:cNvSpPr/>
+          <p:nvPr/>
+        </p:nvSpPr>
+        <p:spPr>
+          <a:xfrm rot="4516511">
+            <a:off x="-2749172" y="1530346"/>
+            <a:ext cx="932261" cy="808593"/>
+          </a:xfrm>
+          <a:prstGeom prst="hexagon">
+            <a:avLst>
+              <a:gd name="adj" fmla="val 28824"/>
+              <a:gd name="vf" fmla="val 115470"/>
+            </a:avLst>
+          </a:prstGeom>
+          <a:solidFill>
+            <a:srgbClr val="E2F9C7"/>
+          </a:solidFill>
+          <a:ln>
+            <a:noFill/>
+          </a:ln>
+        </p:spPr>
+        <p:style>
+          <a:lnRef idx="2">
+            <a:schemeClr val="accent1">
+              <a:shade val="50000"/>
+            </a:schemeClr>
+          </a:lnRef>
+          <a:fillRef idx="1">
+            <a:schemeClr val="accent1"/>
+          </a:fillRef>
+          <a:effectRef idx="0">
+            <a:schemeClr val="accent1"/>
+          </a:effectRef>
+          <a:fontRef idx="minor">
+            <a:schemeClr val="lt1"/>
+          </a:fontRef>
+        </p:style>
+        <p:txBody>
+          <a:bodyPr rtlCol="0" anchor="ctr"/>
+          <a:lstStyle/>
+          <a:p>
+            <a:pPr algn="ctr"/>
+            <a:endParaRPr lang="en-US">
+              <a:solidFill>
+                <a:srgbClr val="81D31A"/>
+              </a:solidFill>
+            </a:endParaRPr>
+          </a:p>
+        </p:txBody>
+      </p:sp>
+      <p:sp>
+        <p:nvSpPr>
+          <p:cNvPr id="68" name="Hexagon 67">
+            <a:extLst>
+              <a:ext uri="{FF2B5EF4-FFF2-40B4-BE49-F238E27FC236}">
+                <a16:creationId xmlns:a16="http://schemas.microsoft.com/office/drawing/2014/main" id="{63002EC5-973B-9232-0546-0609693C5E8B}"/>
+              </a:ext>
+            </a:extLst>
+          </p:cNvPr>
+          <p:cNvSpPr/>
+          <p:nvPr/>
+        </p:nvSpPr>
+        <p:spPr>
+          <a:xfrm rot="5400000">
+            <a:off x="-2427150" y="58132"/>
+            <a:ext cx="1459893" cy="1343628"/>
+          </a:xfrm>
+          <a:prstGeom prst="hexagon">
+            <a:avLst>
+              <a:gd name="adj" fmla="val 28824"/>
+              <a:gd name="vf" fmla="val 115470"/>
+            </a:avLst>
+          </a:prstGeom>
+          <a:solidFill>
+            <a:srgbClr val="6DC300"/>
+          </a:solidFill>
+          <a:ln>
+            <a:noFill/>
+          </a:ln>
+        </p:spPr>
+        <p:style>
+          <a:lnRef idx="2">
+            <a:schemeClr val="accent1">
+              <a:shade val="50000"/>
+            </a:schemeClr>
+          </a:lnRef>
+          <a:fillRef idx="1">
+            <a:schemeClr val="accent1"/>
+          </a:fillRef>
+          <a:effectRef idx="0">
+            <a:schemeClr val="accent1"/>
+          </a:effectRef>
+          <a:fontRef idx="minor">
+            <a:schemeClr val="lt1"/>
+          </a:fontRef>
+        </p:style>
+        <p:txBody>
+          <a:bodyPr rtlCol="0" anchor="ctr"/>
+          <a:lstStyle/>
+          <a:p>
+            <a:pPr algn="ctr"/>
+            <a:endParaRPr lang="en-US">
+              <a:solidFill>
+                <a:srgbClr val="81D31A"/>
+              </a:solidFill>
+            </a:endParaRPr>
+          </a:p>
+        </p:txBody>
+      </p:sp>
+      <p:sp>
+        <p:nvSpPr>
+          <p:cNvPr id="13" name="Title Placeholder 1">
+            <a:extLst>
+              <a:ext uri="{FF2B5EF4-FFF2-40B4-BE49-F238E27FC236}">
+                <a16:creationId xmlns:a16="http://schemas.microsoft.com/office/drawing/2014/main" id="{7D1EE46A-C5E2-463F-B90E-4E432D61A80D}"/>
+              </a:ext>
+            </a:extLst>
+          </p:cNvPr>
+          <p:cNvSpPr txBox="1">
+            <a:spLocks/>
+          </p:cNvSpPr>
+          <p:nvPr/>
+        </p:nvSpPr>
+        <p:spPr>
+          <a:xfrm>
+            <a:off x="672633" y="374380"/>
+            <a:ext cx="29551779" cy="4673600"/>
+          </a:xfrm>
+          <a:prstGeom prst="rect">
+            <a:avLst/>
+          </a:prstGeom>
+          <a:noFill/>
+        </p:spPr>
+        <p:txBody>
+          <a:bodyPr vert="horz" lIns="274320" tIns="900000" rIns="274320" bIns="900000" rtlCol="0" anchor="ctr">
+            <a:noAutofit/>
+          </a:bodyPr>
+          <a:lstStyle>
+            <a:lvl1pPr algn="l" defTabSz="3027487" rtl="0" eaLnBrk="1" latinLnBrk="0" hangingPunct="1">
+              <a:lnSpc>
+                <a:spcPct val="90000"/>
+              </a:lnSpc>
+              <a:spcBef>
+                <a:spcPct val="0"/>
+              </a:spcBef>
+              <a:buNone/>
+              <a:defRPr sz="14000" b="1" kern="1200" baseline="0">
+                <a:ln>
+                  <a:noFill/>
+                </a:ln>
+                <a:solidFill>
+                  <a:schemeClr val="bg1"/>
+                </a:solidFill>
+                <a:latin typeface="+mj-lt"/>
+                <a:ea typeface="+mj-ea"/>
+                <a:cs typeface="+mj-cs"/>
+              </a:defRPr>
+            </a:lvl1pPr>
+          </a:lstStyle>
+          <a:p>
+            <a:r>
+              <a:rPr lang="en-US" sz="9600" i="1" spc="100" dirty="0">
+                <a:solidFill>
+                  <a:schemeClr val="tx1">
+                    <a:lumMod val="85000"/>
+                    <a:lumOff val="15000"/>
+                  </a:schemeClr>
+                </a:solidFill>
+                <a:latin typeface="Aharoni" panose="02010803020104030203" pitchFamily="2" charset="-79"/>
+                <a:cs typeface="Aharoni" panose="02010803020104030203" pitchFamily="2" charset="-79"/>
+              </a:rPr>
+              <a:t>DietR</a:t>
+            </a:r>
+            <a:r>
+              <a:rPr lang="en-US" sz="8800" dirty="0">
+                <a:solidFill>
+                  <a:schemeClr val="tx1">
+                    <a:lumMod val="85000"/>
+                    <a:lumOff val="15000"/>
+                  </a:schemeClr>
+                </a:solidFill>
+                <a:latin typeface="Aharoni" panose="02010803020104030203" pitchFamily="2" charset="-79"/>
+                <a:cs typeface="Aharoni" panose="02010803020104030203" pitchFamily="2" charset="-79"/>
+              </a:rPr>
+              <a:t> </a:t>
+            </a:r>
+            <a:r>
+              <a:rPr lang="en-US" sz="8800" dirty="0">
+                <a:solidFill>
+                  <a:schemeClr val="tx1">
+                    <a:lumMod val="85000"/>
+                    <a:lumOff val="15000"/>
+                  </a:schemeClr>
+                </a:solidFill>
+                <a:latin typeface="Arial" panose="020B0604020202020204" pitchFamily="34" charset="0"/>
+                <a:cs typeface="Arial" panose="020B0604020202020204" pitchFamily="34" charset="0"/>
+              </a:rPr>
+              <a:t>– </a:t>
+            </a:r>
+          </a:p>
+          <a:p>
+            <a:r>
+              <a:rPr lang="en-US" sz="8200" dirty="0">
+                <a:solidFill>
+                  <a:schemeClr val="tx1">
+                    <a:lumMod val="85000"/>
+                    <a:lumOff val="15000"/>
+                  </a:schemeClr>
+                </a:solidFill>
+                <a:latin typeface="Arial" panose="020B0604020202020204" pitchFamily="34" charset="0"/>
+                <a:cs typeface="Arial" panose="020B0604020202020204" pitchFamily="34" charset="0"/>
+              </a:rPr>
+              <a:t>A dietary analysis tool for ASA24 and NHANES in R</a:t>
+            </a:r>
+          </a:p>
+        </p:txBody>
+      </p:sp>
       <p:pic>
         <p:nvPicPr>
-          <p:cNvPr id="22" name="Graphic 21">
+          <p:cNvPr id="74" name="Picture 73" descr="A picture containing text, diagram, screenshot, circle&#10;&#10;Description automatically generated">
             <a:extLst>
               <a:ext uri="{FF2B5EF4-FFF2-40B4-BE49-F238E27FC236}">
-                <a16:creationId xmlns:a16="http://schemas.microsoft.com/office/drawing/2014/main" id="{F5EAA6B5-AF94-9269-1236-D8F0432591EE}"/>
+                <a16:creationId xmlns:a16="http://schemas.microsoft.com/office/drawing/2014/main" id="{5000B565-609A-813F-8C7E-D4FDFC708797}"/>
               </a:ext>
             </a:extLst>
           </p:cNvPr>
@@ -14021,13 +14739,10 @@
           <p:nvPr/>
         </p:nvPicPr>
         <p:blipFill>
-          <a:blip r:embed="rId21">
+          <a:blip r:embed="rId24">
             <a:extLst>
               <a:ext uri="{28A0092B-C50C-407E-A947-70E740481C1C}">
                 <a14:useLocalDpi xmlns:a14="http://schemas.microsoft.com/office/drawing/2010/main" val="0"/>
-              </a:ext>
-              <a:ext uri="{96DAC541-7B7A-43D3-8B79-37D633B846F1}">
-                <asvg:svgBlip xmlns:asvg="http://schemas.microsoft.com/office/drawing/2016/SVG/main" r:embed="rId22"/>
               </a:ext>
             </a:extLst>
           </a:blip>
@@ -14037,367 +14752,8 @@
         </p:blipFill>
         <p:spPr>
           <a:xfrm>
-            <a:off x="24470830" y="23400964"/>
-            <a:ext cx="815045" cy="815045"/>
-          </a:xfrm>
-          <a:prstGeom prst="rect">
-            <a:avLst/>
-          </a:prstGeom>
-        </p:spPr>
-      </p:pic>
-      <p:sp>
-        <p:nvSpPr>
-          <p:cNvPr id="12" name="TextBox 11">
-            <a:extLst>
-              <a:ext uri="{FF2B5EF4-FFF2-40B4-BE49-F238E27FC236}">
-                <a16:creationId xmlns:a16="http://schemas.microsoft.com/office/drawing/2014/main" id="{F5F30681-B389-FD63-DD7B-28A407814827}"/>
-              </a:ext>
-            </a:extLst>
-          </p:cNvPr>
-          <p:cNvSpPr txBox="1"/>
-          <p:nvPr/>
-        </p:nvSpPr>
-        <p:spPr>
-          <a:xfrm>
-            <a:off x="10576349" y="29588597"/>
-            <a:ext cx="9064799" cy="1569660"/>
-          </a:xfrm>
-          <a:prstGeom prst="rect">
-            <a:avLst/>
-          </a:prstGeom>
-          <a:noFill/>
-        </p:spPr>
-        <p:txBody>
-          <a:bodyPr wrap="square" rtlCol="0">
-            <a:spAutoFit/>
-          </a:bodyPr>
-          <a:lstStyle/>
-          <a:p>
-            <a:pPr>
-              <a:spcAft>
-                <a:spcPts val="300"/>
-              </a:spcAft>
-              <a:buClr>
-                <a:schemeClr val="accent3">
-                  <a:lumMod val="75000"/>
-                </a:schemeClr>
-              </a:buClr>
-              <a:buSzPct val="130000"/>
-            </a:pPr>
-            <a:r>
-              <a:rPr lang="en-AU" sz="2400" b="1" dirty="0">
-                <a:solidFill>
-                  <a:schemeClr val="tx1">
-                    <a:lumMod val="85000"/>
-                    <a:lumOff val="15000"/>
-                  </a:schemeClr>
-                </a:solidFill>
-                <a:latin typeface="Arial" panose="020B0604020202020204" pitchFamily="34" charset="0"/>
-                <a:cs typeface="Arial" panose="020B0604020202020204" pitchFamily="34" charset="0"/>
-              </a:rPr>
-              <a:t>Table 1:</a:t>
-            </a:r>
-            <a:r>
-              <a:rPr lang="en-AU" sz="2400" dirty="0">
-                <a:solidFill>
-                  <a:schemeClr val="tx1">
-                    <a:lumMod val="85000"/>
-                    <a:lumOff val="15000"/>
-                  </a:schemeClr>
-                </a:solidFill>
-                <a:latin typeface="Arial" panose="020B0604020202020204" pitchFamily="34" charset="0"/>
-                <a:cs typeface="Arial" panose="020B0604020202020204" pitchFamily="34" charset="0"/>
-              </a:rPr>
-              <a:t> </a:t>
-            </a:r>
-            <a:r>
-              <a:rPr lang="el-GR" sz="2400">
-                <a:solidFill>
-                  <a:schemeClr val="tx1">
-                    <a:lumMod val="85000"/>
-                    <a:lumOff val="15000"/>
-                  </a:schemeClr>
-                </a:solidFill>
-                <a:latin typeface="Arial" panose="020B0604020202020204" pitchFamily="34" charset="0"/>
-                <a:cs typeface="Arial" panose="020B0604020202020204" pitchFamily="34" charset="0"/>
-              </a:rPr>
-              <a:t>α−</a:t>
-            </a:r>
-            <a:r>
-              <a:rPr lang="en-AU" sz="2400" dirty="0">
-                <a:solidFill>
-                  <a:schemeClr val="tx1">
-                    <a:lumMod val="85000"/>
-                    <a:lumOff val="15000"/>
-                  </a:schemeClr>
-                </a:solidFill>
-                <a:latin typeface="Arial" panose="020B0604020202020204" pitchFamily="34" charset="0"/>
-                <a:cs typeface="Arial" panose="020B0604020202020204" pitchFamily="34" charset="0"/>
-              </a:rPr>
-              <a:t>diversity groups. DivNA represents no intake of nuts/seeds/legumes. Div0 are individuals who consumed 1 type of nuts/seeds/legumes. Div1 and Div2 consumed more than 1 type of nuts/seeds/legumes. </a:t>
-            </a:r>
-            <a:endParaRPr lang="en-AU" sz="2400" b="1" dirty="0">
-              <a:solidFill>
-                <a:schemeClr val="tx1">
-                  <a:lumMod val="85000"/>
-                  <a:lumOff val="15000"/>
-                </a:schemeClr>
-              </a:solidFill>
-              <a:latin typeface="Arial" panose="020B0604020202020204" pitchFamily="34" charset="0"/>
-              <a:cs typeface="Arial" panose="020B0604020202020204" pitchFamily="34" charset="0"/>
-            </a:endParaRPr>
-          </a:p>
-        </p:txBody>
-      </p:sp>
-      <p:sp>
-        <p:nvSpPr>
-          <p:cNvPr id="15" name="TextBox 14">
-            <a:extLst>
-              <a:ext uri="{FF2B5EF4-FFF2-40B4-BE49-F238E27FC236}">
-                <a16:creationId xmlns:a16="http://schemas.microsoft.com/office/drawing/2014/main" id="{D6F46FFA-0D84-2D64-34EA-7333A474EE0B}"/>
-              </a:ext>
-            </a:extLst>
-          </p:cNvPr>
-          <p:cNvSpPr txBox="1"/>
-          <p:nvPr/>
-        </p:nvSpPr>
-        <p:spPr>
-          <a:xfrm>
-            <a:off x="790526" y="33460717"/>
-            <a:ext cx="3914825" cy="584775"/>
-          </a:xfrm>
-          <a:prstGeom prst="homePlate">
-            <a:avLst/>
-          </a:prstGeom>
-          <a:solidFill>
-            <a:schemeClr val="accent4">
-              <a:lumMod val="40000"/>
-              <a:lumOff val="60000"/>
-            </a:schemeClr>
-          </a:solidFill>
-        </p:spPr>
-        <p:txBody>
-          <a:bodyPr wrap="square">
-            <a:spAutoFit/>
-          </a:bodyPr>
-          <a:lstStyle/>
-          <a:p>
-            <a:pPr defTabSz="3027487">
-              <a:defRPr/>
-            </a:pPr>
-            <a:r>
-              <a:rPr lang="en-GB" sz="3200" b="1" dirty="0">
-                <a:solidFill>
-                  <a:schemeClr val="tx1">
-                    <a:lumMod val="85000"/>
-                    <a:lumOff val="15000"/>
-                  </a:schemeClr>
-                </a:solidFill>
-                <a:latin typeface="Lucida Console" panose="020B0609040504020204" pitchFamily="49" charset="0"/>
-                <a:cs typeface="Arial" panose="020B0604020202020204" pitchFamily="34" charset="0"/>
-              </a:rPr>
-              <a:t>  Limitations</a:t>
-            </a:r>
-          </a:p>
-        </p:txBody>
-      </p:sp>
-      <p:sp>
-        <p:nvSpPr>
-          <p:cNvPr id="18" name="TextBox 17">
-            <a:extLst>
-              <a:ext uri="{FF2B5EF4-FFF2-40B4-BE49-F238E27FC236}">
-                <a16:creationId xmlns:a16="http://schemas.microsoft.com/office/drawing/2014/main" id="{A012D5DD-18E1-6061-F0D2-B8CED78E00FC}"/>
-              </a:ext>
-            </a:extLst>
-          </p:cNvPr>
-          <p:cNvSpPr txBox="1"/>
-          <p:nvPr/>
-        </p:nvSpPr>
-        <p:spPr>
-          <a:xfrm>
-            <a:off x="7500735" y="33729038"/>
-            <a:ext cx="669455" cy="523220"/>
-          </a:xfrm>
-          <a:prstGeom prst="rect">
-            <a:avLst/>
-          </a:prstGeom>
-          <a:noFill/>
-        </p:spPr>
-        <p:txBody>
-          <a:bodyPr wrap="square" rtlCol="0">
-            <a:spAutoFit/>
-          </a:bodyPr>
-          <a:lstStyle/>
-          <a:p>
-            <a:r>
-              <a:rPr lang="en-US" sz="2800" b="1" dirty="0">
-                <a:latin typeface="Arial" panose="020B0604020202020204" pitchFamily="34" charset="0"/>
-                <a:cs typeface="Arial" panose="020B0604020202020204" pitchFamily="34" charset="0"/>
-              </a:rPr>
-              <a:t>A</a:t>
-            </a:r>
-            <a:endParaRPr lang="en-US" b="1" dirty="0">
-              <a:latin typeface="Arial" panose="020B0604020202020204" pitchFamily="34" charset="0"/>
-              <a:cs typeface="Arial" panose="020B0604020202020204" pitchFamily="34" charset="0"/>
-            </a:endParaRPr>
-          </a:p>
-        </p:txBody>
-      </p:sp>
-      <p:sp>
-        <p:nvSpPr>
-          <p:cNvPr id="21" name="TextBox 20">
-            <a:extLst>
-              <a:ext uri="{FF2B5EF4-FFF2-40B4-BE49-F238E27FC236}">
-                <a16:creationId xmlns:a16="http://schemas.microsoft.com/office/drawing/2014/main" id="{430C162C-BCE6-ED77-A829-B474C998F443}"/>
-              </a:ext>
-            </a:extLst>
-          </p:cNvPr>
-          <p:cNvSpPr txBox="1"/>
-          <p:nvPr/>
-        </p:nvSpPr>
-        <p:spPr>
-          <a:xfrm>
-            <a:off x="13771661" y="33730820"/>
-            <a:ext cx="669455" cy="523220"/>
-          </a:xfrm>
-          <a:prstGeom prst="rect">
-            <a:avLst/>
-          </a:prstGeom>
-          <a:noFill/>
-        </p:spPr>
-        <p:txBody>
-          <a:bodyPr wrap="square" rtlCol="0">
-            <a:spAutoFit/>
-          </a:bodyPr>
-          <a:lstStyle/>
-          <a:p>
-            <a:r>
-              <a:rPr lang="en-US" sz="2800" b="1" dirty="0">
-                <a:latin typeface="Arial" panose="020B0604020202020204" pitchFamily="34" charset="0"/>
-                <a:cs typeface="Arial" panose="020B0604020202020204" pitchFamily="34" charset="0"/>
-              </a:rPr>
-              <a:t>B</a:t>
-            </a:r>
-            <a:endParaRPr lang="en-US" b="1" dirty="0">
-              <a:latin typeface="Arial" panose="020B0604020202020204" pitchFamily="34" charset="0"/>
-              <a:cs typeface="Arial" panose="020B0604020202020204" pitchFamily="34" charset="0"/>
-            </a:endParaRPr>
-          </a:p>
-        </p:txBody>
-      </p:sp>
-      <p:sp>
-        <p:nvSpPr>
-          <p:cNvPr id="23" name="TextBox 22">
-            <a:extLst>
-              <a:ext uri="{FF2B5EF4-FFF2-40B4-BE49-F238E27FC236}">
-                <a16:creationId xmlns:a16="http://schemas.microsoft.com/office/drawing/2014/main" id="{2A8DAE09-4C65-6861-CD9E-78146668952D}"/>
-              </a:ext>
-            </a:extLst>
-          </p:cNvPr>
-          <p:cNvSpPr txBox="1"/>
-          <p:nvPr/>
-        </p:nvSpPr>
-        <p:spPr>
-          <a:xfrm rot="10800000">
-            <a:off x="29011787" y="4785944"/>
-            <a:ext cx="821031" cy="584775"/>
-          </a:xfrm>
-          <a:prstGeom prst="homePlate">
-            <a:avLst/>
-          </a:prstGeom>
-          <a:solidFill>
-            <a:srgbClr val="D8EBCD"/>
-          </a:solidFill>
-        </p:spPr>
-        <p:txBody>
-          <a:bodyPr wrap="square">
-            <a:spAutoFit/>
-          </a:bodyPr>
-          <a:lstStyle/>
-          <a:p>
-            <a:pPr defTabSz="3027487">
-              <a:defRPr/>
-            </a:pPr>
-            <a:r>
-              <a:rPr lang="en-GB" sz="3200" b="1" dirty="0">
-                <a:solidFill>
-                  <a:schemeClr val="tx1">
-                    <a:lumMod val="85000"/>
-                    <a:lumOff val="15000"/>
-                  </a:schemeClr>
-                </a:solidFill>
-                <a:latin typeface="Lucida Console" panose="020B0609040504020204" pitchFamily="49" charset="0"/>
-                <a:cs typeface="Arial" panose="020B0604020202020204" pitchFamily="34" charset="0"/>
-              </a:rPr>
-              <a:t>  </a:t>
-            </a:r>
-          </a:p>
-        </p:txBody>
-      </p:sp>
-      <p:pic>
-        <p:nvPicPr>
-          <p:cNvPr id="28" name="Picture 27" descr="Shape&#10;&#10;Description automatically generated">
-            <a:extLst>
-              <a:ext uri="{FF2B5EF4-FFF2-40B4-BE49-F238E27FC236}">
-                <a16:creationId xmlns:a16="http://schemas.microsoft.com/office/drawing/2014/main" id="{7E003BDE-F26E-8538-C0A4-991A8B73943F}"/>
-              </a:ext>
-            </a:extLst>
-          </p:cNvPr>
-          <p:cNvPicPr>
-            <a:picLocks noChangeAspect="1"/>
-          </p:cNvPicPr>
-          <p:nvPr/>
-        </p:nvPicPr>
-        <p:blipFill rotWithShape="1">
-          <a:blip r:embed="rId23">
-            <a:extLst>
-              <a:ext uri="{28A0092B-C50C-407E-A947-70E740481C1C}">
-                <a14:useLocalDpi xmlns:a14="http://schemas.microsoft.com/office/drawing/2010/main" val="0"/>
-              </a:ext>
-            </a:extLst>
-          </a:blip>
-          <a:srcRect b="31344"/>
-          <a:stretch/>
-        </p:blipFill>
-        <p:spPr>
-          <a:xfrm>
-            <a:off x="1311160" y="38952416"/>
-            <a:ext cx="1707145" cy="1396117"/>
-          </a:xfrm>
-          <a:prstGeom prst="rect">
-            <a:avLst/>
-          </a:prstGeom>
-        </p:spPr>
-      </p:pic>
-      <p:pic>
-        <p:nvPicPr>
-          <p:cNvPr id="40" name="Picture 39" descr="Shape&#10;&#10;Description automatically generated">
-            <a:extLst>
-              <a:ext uri="{FF2B5EF4-FFF2-40B4-BE49-F238E27FC236}">
-                <a16:creationId xmlns:a16="http://schemas.microsoft.com/office/drawing/2014/main" id="{E5E351A6-DFBB-B0DC-0902-209551451312}"/>
-              </a:ext>
-            </a:extLst>
-          </p:cNvPr>
-          <p:cNvPicPr>
-            <a:picLocks noChangeAspect="1"/>
-          </p:cNvPicPr>
-          <p:nvPr/>
-        </p:nvPicPr>
-        <p:blipFill rotWithShape="1">
-          <a:blip r:embed="rId23">
-            <a:extLst>
-              <a:ext uri="{28A0092B-C50C-407E-A947-70E740481C1C}">
-                <a14:useLocalDpi xmlns:a14="http://schemas.microsoft.com/office/drawing/2010/main" val="0"/>
-              </a:ext>
-            </a:extLst>
-          </a:blip>
-          <a:srcRect t="66071"/>
-          <a:stretch/>
-        </p:blipFill>
-        <p:spPr>
-          <a:xfrm>
-            <a:off x="2982912" y="39644984"/>
-            <a:ext cx="1707145" cy="689954"/>
+            <a:off x="22178371" y="14904712"/>
+            <a:ext cx="6535483" cy="4696945"/>
           </a:xfrm>
           <a:prstGeom prst="rect">
             <a:avLst/>
@@ -14715,7 +15071,7 @@
 <file path=ppt/theme/theme2.xml><?xml version="1.0" encoding="utf-8"?>
 <a:theme xmlns:a="http://schemas.openxmlformats.org/drawingml/2006/main" name="1_Office Theme">
   <a:themeElements>
-    <a:clrScheme name="Office Theme">
+    <a:clrScheme name="Slipstream">
       <a:dk1>
         <a:sysClr val="windowText" lastClr="000000"/>
       </a:dk1>
@@ -14723,34 +15079,34 @@
         <a:sysClr val="window" lastClr="FFFFFF"/>
       </a:lt1>
       <a:dk2>
-        <a:srgbClr val="44546A"/>
+        <a:srgbClr val="212745"/>
       </a:dk2>
       <a:lt2>
-        <a:srgbClr val="E7E6E6"/>
+        <a:srgbClr val="B4DCFA"/>
       </a:lt2>
       <a:accent1>
-        <a:srgbClr val="4472C4"/>
+        <a:srgbClr val="4E67C8"/>
       </a:accent1>
       <a:accent2>
-        <a:srgbClr val="ED7D31"/>
+        <a:srgbClr val="5ECCF3"/>
       </a:accent2>
       <a:accent3>
-        <a:srgbClr val="A5A5A5"/>
+        <a:srgbClr val="A7EA52"/>
       </a:accent3>
       <a:accent4>
-        <a:srgbClr val="FFC000"/>
+        <a:srgbClr val="5DCEAF"/>
       </a:accent4>
       <a:accent5>
-        <a:srgbClr val="5B9BD5"/>
+        <a:srgbClr val="FF8021"/>
       </a:accent5>
       <a:accent6>
-        <a:srgbClr val="70AD47"/>
+        <a:srgbClr val="F14124"/>
       </a:accent6>
       <a:hlink>
-        <a:srgbClr val="0563C1"/>
+        <a:srgbClr val="56C7AA"/>
       </a:hlink>
       <a:folHlink>
-        <a:srgbClr val="954F72"/>
+        <a:srgbClr val="59A8D1"/>
       </a:folHlink>
     </a:clrScheme>
     <a:fontScheme name="Office Theme">
